--- a/chad/project/EpilepsyProject.pptx
+++ b/chad/project/EpilepsyProject.pptx
@@ -9,15 +9,19 @@
     <p:sldId id="260" r:id="rId3"/>
     <p:sldId id="257" r:id="rId4"/>
     <p:sldId id="261" r:id="rId5"/>
-    <p:sldId id="266" r:id="rId6"/>
-    <p:sldId id="258" r:id="rId7"/>
-    <p:sldId id="259" r:id="rId8"/>
-    <p:sldId id="262" r:id="rId9"/>
-    <p:sldId id="267" r:id="rId10"/>
-    <p:sldId id="263" r:id="rId11"/>
-    <p:sldId id="268" r:id="rId12"/>
-    <p:sldId id="264" r:id="rId13"/>
-    <p:sldId id="265" r:id="rId14"/>
+    <p:sldId id="274" r:id="rId6"/>
+    <p:sldId id="275" r:id="rId7"/>
+    <p:sldId id="269" r:id="rId8"/>
+    <p:sldId id="270" r:id="rId9"/>
+    <p:sldId id="271" r:id="rId10"/>
+    <p:sldId id="258" r:id="rId11"/>
+    <p:sldId id="259" r:id="rId12"/>
+    <p:sldId id="272" r:id="rId13"/>
+    <p:sldId id="276" r:id="rId14"/>
+    <p:sldId id="267" r:id="rId15"/>
+    <p:sldId id="264" r:id="rId16"/>
+    <p:sldId id="265" r:id="rId17"/>
+    <p:sldId id="273" r:id="rId18"/>
   </p:sldIdLst>
   <p:sldSz cx="9144000" cy="6858000" type="screen4x3"/>
   <p:notesSz cx="6858000" cy="9144000"/>
@@ -503,7 +507,7 @@
           <a:p>
             <a:fld id="{D2EA383A-FA51-C642-BF0D-2D4A628174A4}" type="datetimeFigureOut">
               <a:rPr lang="en-US" smtClean="0"/>
-              <a:t>11/24/14</a:t>
+              <a:t>12/17/14</a:t>
             </a:fld>
             <a:endParaRPr lang="en-US"/>
           </a:p>
@@ -668,7 +672,7 @@
           <a:p>
             <a:fld id="{D2EA383A-FA51-C642-BF0D-2D4A628174A4}" type="datetimeFigureOut">
               <a:rPr lang="en-US" smtClean="0"/>
-              <a:t>11/24/14</a:t>
+              <a:t>12/17/14</a:t>
             </a:fld>
             <a:endParaRPr lang="en-US"/>
           </a:p>
@@ -843,7 +847,7 @@
           <a:p>
             <a:fld id="{D2EA383A-FA51-C642-BF0D-2D4A628174A4}" type="datetimeFigureOut">
               <a:rPr lang="en-US" smtClean="0"/>
-              <a:t>11/24/14</a:t>
+              <a:t>12/17/14</a:t>
             </a:fld>
             <a:endParaRPr lang="en-US"/>
           </a:p>
@@ -1012,7 +1016,7 @@
           <a:p>
             <a:fld id="{D2EA383A-FA51-C642-BF0D-2D4A628174A4}" type="datetimeFigureOut">
               <a:rPr lang="en-US" smtClean="0"/>
-              <a:t>11/24/14</a:t>
+              <a:t>12/17/14</a:t>
             </a:fld>
             <a:endParaRPr lang="en-US"/>
           </a:p>
@@ -1467,7 +1471,7 @@
           <a:p>
             <a:fld id="{D2EA383A-FA51-C642-BF0D-2D4A628174A4}" type="datetimeFigureOut">
               <a:rPr lang="en-US" smtClean="0"/>
-              <a:t>11/24/14</a:t>
+              <a:t>12/17/14</a:t>
             </a:fld>
             <a:endParaRPr lang="en-US"/>
           </a:p>
@@ -1731,7 +1735,7 @@
           <a:p>
             <a:fld id="{D2EA383A-FA51-C642-BF0D-2D4A628174A4}" type="datetimeFigureOut">
               <a:rPr lang="en-US" smtClean="0"/>
-              <a:t>11/24/14</a:t>
+              <a:t>12/17/14</a:t>
             </a:fld>
             <a:endParaRPr lang="en-US"/>
           </a:p>
@@ -2105,7 +2109,7 @@
           <a:p>
             <a:fld id="{D2EA383A-FA51-C642-BF0D-2D4A628174A4}" type="datetimeFigureOut">
               <a:rPr lang="en-US" smtClean="0"/>
-              <a:t>11/24/14</a:t>
+              <a:t>12/17/14</a:t>
             </a:fld>
             <a:endParaRPr lang="en-US"/>
           </a:p>
@@ -2227,7 +2231,7 @@
           <a:p>
             <a:fld id="{D2EA383A-FA51-C642-BF0D-2D4A628174A4}" type="datetimeFigureOut">
               <a:rPr lang="en-US" smtClean="0"/>
-              <a:t>11/24/14</a:t>
+              <a:t>12/17/14</a:t>
             </a:fld>
             <a:endParaRPr lang="en-US"/>
           </a:p>
@@ -2317,7 +2321,7 @@
           <a:p>
             <a:fld id="{D2EA383A-FA51-C642-BF0D-2D4A628174A4}" type="datetimeFigureOut">
               <a:rPr lang="en-US" smtClean="0"/>
-              <a:t>11/24/14</a:t>
+              <a:t>12/17/14</a:t>
             </a:fld>
             <a:endParaRPr lang="en-US"/>
           </a:p>
@@ -2566,7 +2570,7 @@
           <a:p>
             <a:fld id="{D2EA383A-FA51-C642-BF0D-2D4A628174A4}" type="datetimeFigureOut">
               <a:rPr lang="en-US" smtClean="0"/>
-              <a:t>11/24/14</a:t>
+              <a:t>12/17/14</a:t>
             </a:fld>
             <a:endParaRPr lang="en-US"/>
           </a:p>
@@ -2825,7 +2829,7 @@
           <a:p>
             <a:fld id="{D2EA383A-FA51-C642-BF0D-2D4A628174A4}" type="datetimeFigureOut">
               <a:rPr lang="en-US" smtClean="0"/>
-              <a:t>11/24/14</a:t>
+              <a:t>12/17/14</a:t>
             </a:fld>
             <a:endParaRPr lang="en-US"/>
           </a:p>
@@ -3229,7 +3233,7 @@
           <a:p>
             <a:fld id="{D2EA383A-FA51-C642-BF0D-2D4A628174A4}" type="datetimeFigureOut">
               <a:rPr lang="en-US" smtClean="0"/>
-              <a:t>11/24/14</a:t>
+              <a:t>12/17/14</a:t>
             </a:fld>
             <a:endParaRPr lang="en-US"/>
           </a:p>
@@ -3645,10 +3649,9 @@
           <a:lstStyle/>
           <a:p>
             <a:r>
-              <a:rPr lang="en-US" dirty="0" smtClean="0"/>
-              <a:t>Epilepsy Seizure Prediction</a:t>
-            </a:r>
-            <a:endParaRPr lang="en-US" dirty="0"/>
+              <a:rPr lang="en-US" dirty="0"/>
+              <a:t>American Epilepsy Society Seizure Prediction Challenge</a:t>
+            </a:r>
           </a:p>
         </p:txBody>
       </p:sp>
@@ -3715,983 +3718,6 @@
             <p:ph type="title"/>
           </p:nvPr>
         </p:nvSpPr>
-        <p:spPr/>
-        <p:txBody>
-          <a:bodyPr>
-            <a:normAutofit fontScale="90000"/>
-          </a:bodyPr>
-          <a:lstStyle/>
-          <a:p>
-            <a:pPr algn="ctr"/>
-            <a:r>
-              <a:rPr lang="en-US" dirty="0" smtClean="0"/>
-              <a:t>Machine </a:t>
-            </a:r>
-            <a:r>
-              <a:rPr lang="en-US" dirty="0"/>
-              <a:t>Learning Algorithm </a:t>
-            </a:r>
-            <a:r>
-              <a:rPr lang="en-US" dirty="0" smtClean="0"/>
-              <a:t> </a:t>
-            </a:r>
-            <a:r>
-              <a:rPr lang="en-US" dirty="0"/>
-              <a:t>Logistic </a:t>
-            </a:r>
-            <a:r>
-              <a:rPr lang="en-US" dirty="0" smtClean="0"/>
-              <a:t>Regression Classifier</a:t>
-            </a:r>
-            <a:r>
-              <a:rPr lang="en-US" dirty="0"/>
-              <a:t/>
-            </a:r>
-            <a:br>
-              <a:rPr lang="en-US" dirty="0"/>
-            </a:br>
-            <a:endParaRPr lang="en-US" dirty="0"/>
-          </a:p>
-        </p:txBody>
-      </p:sp>
-      <p:sp>
-        <p:nvSpPr>
-          <p:cNvPr id="3" name="Content Placeholder 2"/>
-          <p:cNvSpPr>
-            <a:spLocks noGrp="1"/>
-          </p:cNvSpPr>
-          <p:nvPr>
-            <p:ph idx="1"/>
-          </p:nvPr>
-        </p:nvSpPr>
-        <p:spPr>
-          <a:xfrm>
-            <a:off x="457199" y="1600200"/>
-            <a:ext cx="8410714" cy="4525963"/>
-          </a:xfrm>
-        </p:spPr>
-        <p:txBody>
-          <a:bodyPr>
-            <a:normAutofit/>
-          </a:bodyPr>
-          <a:lstStyle/>
-          <a:p>
-            <a:r>
-              <a:rPr lang="en-US" dirty="0" smtClean="0"/>
-              <a:t>The transformed data with the new ‘</a:t>
-            </a:r>
-            <a:r>
-              <a:rPr lang="en-US" dirty="0" err="1" smtClean="0"/>
-              <a:t>ictal_ind</a:t>
-            </a:r>
-            <a:r>
-              <a:rPr lang="en-US" dirty="0" smtClean="0"/>
-              <a:t>’ field is fed to a </a:t>
-            </a:r>
-            <a:r>
-              <a:rPr lang="en-US" dirty="0" err="1" smtClean="0"/>
-              <a:t>logit</a:t>
-            </a:r>
-            <a:r>
-              <a:rPr lang="en-US" dirty="0" smtClean="0"/>
-              <a:t> function:</a:t>
-            </a:r>
-          </a:p>
-          <a:p>
-            <a:pPr lvl="1"/>
-            <a:r>
-              <a:rPr lang="en-US" dirty="0" err="1" smtClean="0"/>
-              <a:t>ictal_ind</a:t>
-            </a:r>
-            <a:r>
-              <a:rPr lang="en-US" dirty="0" smtClean="0"/>
-              <a:t> is the response variable and the channels are the predictor variables.</a:t>
-            </a:r>
-          </a:p>
-          <a:p>
-            <a:r>
-              <a:rPr lang="en-US" dirty="0" smtClean="0"/>
-              <a:t>The formula:</a:t>
-            </a:r>
-          </a:p>
-          <a:p>
-            <a:pPr lvl="1"/>
-            <a:r>
-              <a:rPr lang="en-US" dirty="0" err="1"/>
-              <a:t>i</a:t>
-            </a:r>
-            <a:r>
-              <a:rPr lang="en-US" dirty="0" err="1" smtClean="0"/>
-              <a:t>ctal_ind</a:t>
-            </a:r>
-            <a:r>
-              <a:rPr lang="en-US" dirty="0" smtClean="0"/>
-              <a:t> ~ </a:t>
-            </a:r>
-            <a:r>
-              <a:rPr lang="en-US" dirty="0" err="1" smtClean="0"/>
-              <a:t>channel_one</a:t>
-            </a:r>
-            <a:r>
-              <a:rPr lang="en-US" dirty="0" smtClean="0"/>
-              <a:t> * x</a:t>
-            </a:r>
-            <a:r>
-              <a:rPr lang="en-US" baseline="-25000" dirty="0" smtClean="0"/>
-              <a:t>1</a:t>
-            </a:r>
-            <a:r>
-              <a:rPr lang="en-US" dirty="0" smtClean="0"/>
-              <a:t> + </a:t>
-            </a:r>
-            <a:r>
-              <a:rPr lang="en-US" dirty="0" err="1" smtClean="0"/>
-              <a:t>channel_two</a:t>
-            </a:r>
-            <a:r>
-              <a:rPr lang="en-US" dirty="0" smtClean="0"/>
-              <a:t> * x</a:t>
-            </a:r>
-            <a:r>
-              <a:rPr lang="en-US" baseline="-25000" dirty="0" smtClean="0"/>
-              <a:t>2</a:t>
-            </a:r>
-            <a:r>
-              <a:rPr lang="en-US" dirty="0" smtClean="0"/>
-              <a:t> …</a:t>
-            </a:r>
-            <a:r>
-              <a:rPr lang="en-US" dirty="0"/>
-              <a:t> </a:t>
-            </a:r>
-            <a:r>
-              <a:rPr lang="en-US" dirty="0" smtClean="0"/>
-              <a:t>+ </a:t>
-            </a:r>
-            <a:r>
-              <a:rPr lang="en-US" dirty="0" err="1" smtClean="0"/>
-              <a:t>channel_N</a:t>
-            </a:r>
-            <a:r>
-              <a:rPr lang="en-US" dirty="0" smtClean="0"/>
-              <a:t> * </a:t>
-            </a:r>
-            <a:r>
-              <a:rPr lang="en-US" dirty="0" err="1" smtClean="0"/>
-              <a:t>x</a:t>
-            </a:r>
-            <a:r>
-              <a:rPr lang="en-US" baseline="-25000" dirty="0" err="1" smtClean="0"/>
-              <a:t>n</a:t>
-            </a:r>
-            <a:r>
-              <a:rPr lang="en-US" dirty="0" smtClean="0"/>
-              <a:t> </a:t>
-            </a:r>
-          </a:p>
-        </p:txBody>
-      </p:sp>
-    </p:spTree>
-    <p:extLst>
-      <p:ext uri="{BB962C8B-B14F-4D97-AF65-F5344CB8AC3E}">
-        <p14:creationId xmlns:p14="http://schemas.microsoft.com/office/powerpoint/2010/main" val="2806786682"/>
-      </p:ext>
-    </p:extLst>
-  </p:cSld>
-  <p:clrMapOvr>
-    <a:masterClrMapping/>
-  </p:clrMapOvr>
-</p:sld>
-</file>
-
-<file path=ppt/slides/slide11.xml><?xml version="1.0" encoding="utf-8"?>
-<p:sld xmlns:a="http://schemas.openxmlformats.org/drawingml/2006/main" xmlns:r="http://schemas.openxmlformats.org/officeDocument/2006/relationships" xmlns:p="http://schemas.openxmlformats.org/presentationml/2006/main">
-  <p:cSld>
-    <p:spTree>
-      <p:nvGrpSpPr>
-        <p:cNvPr id="1" name=""/>
-        <p:cNvGrpSpPr/>
-        <p:nvPr/>
-      </p:nvGrpSpPr>
-      <p:grpSpPr>
-        <a:xfrm>
-          <a:off x="0" y="0"/>
-          <a:ext cx="0" cy="0"/>
-          <a:chOff x="0" y="0"/>
-          <a:chExt cx="0" cy="0"/>
-        </a:xfrm>
-      </p:grpSpPr>
-      <p:sp>
-        <p:nvSpPr>
-          <p:cNvPr id="2" name="Title 1"/>
-          <p:cNvSpPr>
-            <a:spLocks noGrp="1"/>
-          </p:cNvSpPr>
-          <p:nvPr>
-            <p:ph type="title"/>
-          </p:nvPr>
-        </p:nvSpPr>
-        <p:spPr/>
-        <p:txBody>
-          <a:bodyPr>
-            <a:normAutofit fontScale="90000"/>
-          </a:bodyPr>
-          <a:lstStyle/>
-          <a:p>
-            <a:pPr algn="ctr"/>
-            <a:r>
-              <a:rPr lang="en-US" dirty="0" smtClean="0"/>
-              <a:t>Machine </a:t>
-            </a:r>
-            <a:r>
-              <a:rPr lang="en-US" dirty="0"/>
-              <a:t>Learning Algorithm </a:t>
-            </a:r>
-            <a:r>
-              <a:rPr lang="en-US" dirty="0" smtClean="0"/>
-              <a:t> Random Forest</a:t>
-            </a:r>
-            <a:endParaRPr lang="en-US" dirty="0"/>
-          </a:p>
-        </p:txBody>
-      </p:sp>
-      <p:sp>
-        <p:nvSpPr>
-          <p:cNvPr id="3" name="Content Placeholder 2"/>
-          <p:cNvSpPr>
-            <a:spLocks noGrp="1"/>
-          </p:cNvSpPr>
-          <p:nvPr>
-            <p:ph idx="1"/>
-          </p:nvPr>
-        </p:nvSpPr>
-        <p:spPr>
-          <a:xfrm>
-            <a:off x="457199" y="1600200"/>
-            <a:ext cx="8410714" cy="4525963"/>
-          </a:xfrm>
-        </p:spPr>
-        <p:txBody>
-          <a:bodyPr>
-            <a:normAutofit/>
-          </a:bodyPr>
-          <a:lstStyle/>
-          <a:p>
-            <a:r>
-              <a:rPr lang="en-US" dirty="0" smtClean="0"/>
-              <a:t>TBD</a:t>
-            </a:r>
-          </a:p>
-        </p:txBody>
-      </p:sp>
-    </p:spTree>
-    <p:extLst>
-      <p:ext uri="{BB962C8B-B14F-4D97-AF65-F5344CB8AC3E}">
-        <p14:creationId xmlns:p14="http://schemas.microsoft.com/office/powerpoint/2010/main" val="4165160497"/>
-      </p:ext>
-    </p:extLst>
-  </p:cSld>
-  <p:clrMapOvr>
-    <a:masterClrMapping/>
-  </p:clrMapOvr>
-</p:sld>
-</file>
-
-<file path=ppt/slides/slide12.xml><?xml version="1.0" encoding="utf-8"?>
-<p:sld xmlns:a="http://schemas.openxmlformats.org/drawingml/2006/main" xmlns:r="http://schemas.openxmlformats.org/officeDocument/2006/relationships" xmlns:p="http://schemas.openxmlformats.org/presentationml/2006/main">
-  <p:cSld>
-    <p:spTree>
-      <p:nvGrpSpPr>
-        <p:cNvPr id="1" name=""/>
-        <p:cNvGrpSpPr/>
-        <p:nvPr/>
-      </p:nvGrpSpPr>
-      <p:grpSpPr>
-        <a:xfrm>
-          <a:off x="0" y="0"/>
-          <a:ext cx="0" cy="0"/>
-          <a:chOff x="0" y="0"/>
-          <a:chExt cx="0" cy="0"/>
-        </a:xfrm>
-      </p:grpSpPr>
-      <p:sp>
-        <p:nvSpPr>
-          <p:cNvPr id="2" name="Title 1"/>
-          <p:cNvSpPr>
-            <a:spLocks noGrp="1"/>
-          </p:cNvSpPr>
-          <p:nvPr>
-            <p:ph type="title"/>
-          </p:nvPr>
-        </p:nvSpPr>
-        <p:spPr/>
-        <p:txBody>
-          <a:bodyPr/>
-          <a:lstStyle/>
-          <a:p>
-            <a:r>
-              <a:rPr lang="en-US" dirty="0" smtClean="0"/>
-              <a:t>Results</a:t>
-            </a:r>
-            <a:endParaRPr lang="en-US" dirty="0"/>
-          </a:p>
-        </p:txBody>
-      </p:sp>
-      <p:sp>
-        <p:nvSpPr>
-          <p:cNvPr id="3" name="Content Placeholder 2"/>
-          <p:cNvSpPr>
-            <a:spLocks noGrp="1"/>
-          </p:cNvSpPr>
-          <p:nvPr>
-            <p:ph idx="1"/>
-          </p:nvPr>
-        </p:nvSpPr>
-        <p:spPr/>
-        <p:txBody>
-          <a:bodyPr>
-            <a:normAutofit/>
-          </a:bodyPr>
-          <a:lstStyle/>
-          <a:p>
-            <a:r>
-              <a:rPr lang="en-US" dirty="0" smtClean="0"/>
-              <a:t>TBD</a:t>
-            </a:r>
-            <a:endParaRPr lang="en-US" dirty="0"/>
-          </a:p>
-        </p:txBody>
-      </p:sp>
-    </p:spTree>
-    <p:extLst>
-      <p:ext uri="{BB962C8B-B14F-4D97-AF65-F5344CB8AC3E}">
-        <p14:creationId xmlns:p14="http://schemas.microsoft.com/office/powerpoint/2010/main" val="2806786682"/>
-      </p:ext>
-    </p:extLst>
-  </p:cSld>
-  <p:clrMapOvr>
-    <a:masterClrMapping/>
-  </p:clrMapOvr>
-</p:sld>
-</file>
-
-<file path=ppt/slides/slide13.xml><?xml version="1.0" encoding="utf-8"?>
-<p:sld xmlns:a="http://schemas.openxmlformats.org/drawingml/2006/main" xmlns:r="http://schemas.openxmlformats.org/officeDocument/2006/relationships" xmlns:p="http://schemas.openxmlformats.org/presentationml/2006/main">
-  <p:cSld>
-    <p:spTree>
-      <p:nvGrpSpPr>
-        <p:cNvPr id="1" name=""/>
-        <p:cNvGrpSpPr/>
-        <p:nvPr/>
-      </p:nvGrpSpPr>
-      <p:grpSpPr>
-        <a:xfrm>
-          <a:off x="0" y="0"/>
-          <a:ext cx="0" cy="0"/>
-          <a:chOff x="0" y="0"/>
-          <a:chExt cx="0" cy="0"/>
-        </a:xfrm>
-      </p:grpSpPr>
-      <p:sp>
-        <p:nvSpPr>
-          <p:cNvPr id="2" name="Title 1"/>
-          <p:cNvSpPr>
-            <a:spLocks noGrp="1"/>
-          </p:cNvSpPr>
-          <p:nvPr>
-            <p:ph type="title"/>
-          </p:nvPr>
-        </p:nvSpPr>
-        <p:spPr/>
-        <p:txBody>
-          <a:bodyPr/>
-          <a:lstStyle/>
-          <a:p>
-            <a:r>
-              <a:rPr lang="en-US" dirty="0" smtClean="0"/>
-              <a:t>Conclusion</a:t>
-            </a:r>
-            <a:endParaRPr lang="en-US" dirty="0"/>
-          </a:p>
-        </p:txBody>
-      </p:sp>
-      <p:sp>
-        <p:nvSpPr>
-          <p:cNvPr id="3" name="Content Placeholder 2"/>
-          <p:cNvSpPr>
-            <a:spLocks noGrp="1"/>
-          </p:cNvSpPr>
-          <p:nvPr>
-            <p:ph idx="1"/>
-          </p:nvPr>
-        </p:nvSpPr>
-        <p:spPr/>
-        <p:txBody>
-          <a:bodyPr>
-            <a:normAutofit/>
-          </a:bodyPr>
-          <a:lstStyle/>
-          <a:p>
-            <a:r>
-              <a:rPr lang="en-US" dirty="0" smtClean="0"/>
-              <a:t>TBD</a:t>
-            </a:r>
-            <a:endParaRPr lang="en-US" dirty="0"/>
-          </a:p>
-        </p:txBody>
-      </p:sp>
-    </p:spTree>
-    <p:extLst>
-      <p:ext uri="{BB962C8B-B14F-4D97-AF65-F5344CB8AC3E}">
-        <p14:creationId xmlns:p14="http://schemas.microsoft.com/office/powerpoint/2010/main" val="3063930484"/>
-      </p:ext>
-    </p:extLst>
-  </p:cSld>
-  <p:clrMapOvr>
-    <a:masterClrMapping/>
-  </p:clrMapOvr>
-</p:sld>
-</file>
-
-<file path=ppt/slides/slide2.xml><?xml version="1.0" encoding="utf-8"?>
-<p:sld xmlns:a="http://schemas.openxmlformats.org/drawingml/2006/main" xmlns:r="http://schemas.openxmlformats.org/officeDocument/2006/relationships" xmlns:p="http://schemas.openxmlformats.org/presentationml/2006/main">
-  <p:cSld>
-    <p:spTree>
-      <p:nvGrpSpPr>
-        <p:cNvPr id="1" name=""/>
-        <p:cNvGrpSpPr/>
-        <p:nvPr/>
-      </p:nvGrpSpPr>
-      <p:grpSpPr>
-        <a:xfrm>
-          <a:off x="0" y="0"/>
-          <a:ext cx="0" cy="0"/>
-          <a:chOff x="0" y="0"/>
-          <a:chExt cx="0" cy="0"/>
-        </a:xfrm>
-      </p:grpSpPr>
-      <p:sp>
-        <p:nvSpPr>
-          <p:cNvPr id="2" name="Title 1"/>
-          <p:cNvSpPr>
-            <a:spLocks noGrp="1"/>
-          </p:cNvSpPr>
-          <p:nvPr>
-            <p:ph type="title"/>
-          </p:nvPr>
-        </p:nvSpPr>
-        <p:spPr/>
-        <p:txBody>
-          <a:bodyPr>
-            <a:normAutofit/>
-          </a:bodyPr>
-          <a:lstStyle/>
-          <a:p>
-            <a:r>
-              <a:rPr lang="en-US" dirty="0" smtClean="0"/>
-              <a:t>The </a:t>
-            </a:r>
-            <a:r>
-              <a:rPr lang="en-US" dirty="0" err="1" smtClean="0"/>
-              <a:t>Kaggle</a:t>
-            </a:r>
-            <a:r>
-              <a:rPr lang="en-US" dirty="0" smtClean="0"/>
-              <a:t> Competition</a:t>
-            </a:r>
-            <a:endParaRPr lang="en-US" dirty="0"/>
-          </a:p>
-        </p:txBody>
-      </p:sp>
-      <p:sp>
-        <p:nvSpPr>
-          <p:cNvPr id="3" name="Content Placeholder 2"/>
-          <p:cNvSpPr>
-            <a:spLocks noGrp="1"/>
-          </p:cNvSpPr>
-          <p:nvPr>
-            <p:ph idx="1"/>
-          </p:nvPr>
-        </p:nvSpPr>
-        <p:spPr/>
-        <p:txBody>
-          <a:bodyPr>
-            <a:normAutofit fontScale="62500" lnSpcReduction="20000"/>
-          </a:bodyPr>
-          <a:lstStyle/>
-          <a:p>
-            <a:r>
-              <a:rPr lang="en-US" dirty="0" smtClean="0"/>
-              <a:t>If it is possible to predict when a patient is about to have an epileptic seizure, then patients with epilepsy have the potential to live lives more similar to people without epilepsy. </a:t>
-            </a:r>
-          </a:p>
-          <a:p>
-            <a:r>
-              <a:rPr lang="en-US" dirty="0" smtClean="0"/>
-              <a:t>For this to be feasible, learning algorithms must be able to reliably identify periods of increased probability of seizure occurrence. If </a:t>
-            </a:r>
-            <a:r>
-              <a:rPr lang="en-US" dirty="0"/>
-              <a:t>these seizure-permissive brain states can be identified, devices designed to warn patients of </a:t>
-            </a:r>
-            <a:r>
-              <a:rPr lang="en-US" dirty="0" smtClean="0"/>
-              <a:t>impending </a:t>
-            </a:r>
-            <a:r>
-              <a:rPr lang="en-US" dirty="0"/>
-              <a:t>seizures would be possible. Patients could avoid potentially dangerous activities like driving or swimming, and medications could be administered only when needed to prevent impending seizures, reducing overall side effects.</a:t>
-            </a:r>
-          </a:p>
-          <a:p>
-            <a:r>
-              <a:rPr lang="en-US" dirty="0" smtClean="0"/>
-              <a:t>The </a:t>
-            </a:r>
-            <a:r>
-              <a:rPr lang="en-US" dirty="0"/>
-              <a:t>primary challenge in seizure forecasting is differentiating between the </a:t>
-            </a:r>
-            <a:r>
-              <a:rPr lang="en-US" dirty="0" err="1"/>
-              <a:t>preictal</a:t>
-            </a:r>
-            <a:r>
-              <a:rPr lang="en-US" dirty="0"/>
-              <a:t> and </a:t>
-            </a:r>
-            <a:r>
-              <a:rPr lang="en-US" dirty="0" err="1"/>
-              <a:t>interictal</a:t>
-            </a:r>
-            <a:r>
-              <a:rPr lang="en-US" dirty="0"/>
-              <a:t> states. </a:t>
-            </a:r>
-            <a:r>
-              <a:rPr lang="en-US" dirty="0" err="1" smtClean="0"/>
-              <a:t>Interictal</a:t>
-            </a:r>
-            <a:r>
-              <a:rPr lang="en-US" dirty="0" smtClean="0"/>
-              <a:t> are states defined as between </a:t>
-            </a:r>
-            <a:r>
-              <a:rPr lang="en-US" dirty="0"/>
-              <a:t>seizures, or </a:t>
-            </a:r>
-            <a:r>
-              <a:rPr lang="en-US" dirty="0" smtClean="0"/>
-              <a:t>baseline. </a:t>
-            </a:r>
-            <a:r>
-              <a:rPr lang="en-US" dirty="0" err="1" smtClean="0"/>
-              <a:t>Preictal</a:t>
-            </a:r>
-            <a:r>
-              <a:rPr lang="en-US" dirty="0" smtClean="0"/>
-              <a:t> states are defined as states prior </a:t>
-            </a:r>
-            <a:r>
-              <a:rPr lang="en-US" dirty="0"/>
-              <a:t>to </a:t>
-            </a:r>
-            <a:r>
-              <a:rPr lang="en-US" dirty="0" smtClean="0"/>
-              <a:t>seizure</a:t>
-            </a:r>
-            <a:r>
-              <a:rPr lang="en-US" dirty="0"/>
-              <a:t>.</a:t>
-            </a:r>
-          </a:p>
-        </p:txBody>
-      </p:sp>
-    </p:spTree>
-    <p:extLst>
-      <p:ext uri="{BB962C8B-B14F-4D97-AF65-F5344CB8AC3E}">
-        <p14:creationId xmlns:p14="http://schemas.microsoft.com/office/powerpoint/2010/main" val="2019724253"/>
-      </p:ext>
-    </p:extLst>
-  </p:cSld>
-  <p:clrMapOvr>
-    <a:masterClrMapping/>
-  </p:clrMapOvr>
-</p:sld>
-</file>
-
-<file path=ppt/slides/slide3.xml><?xml version="1.0" encoding="utf-8"?>
-<p:sld xmlns:a="http://schemas.openxmlformats.org/drawingml/2006/main" xmlns:r="http://schemas.openxmlformats.org/officeDocument/2006/relationships" xmlns:p="http://schemas.openxmlformats.org/presentationml/2006/main">
-  <p:cSld>
-    <p:spTree>
-      <p:nvGrpSpPr>
-        <p:cNvPr id="1" name=""/>
-        <p:cNvGrpSpPr/>
-        <p:nvPr/>
-      </p:nvGrpSpPr>
-      <p:grpSpPr>
-        <a:xfrm>
-          <a:off x="0" y="0"/>
-          <a:ext cx="0" cy="0"/>
-          <a:chOff x="0" y="0"/>
-          <a:chExt cx="0" cy="0"/>
-        </a:xfrm>
-      </p:grpSpPr>
-      <p:sp>
-        <p:nvSpPr>
-          <p:cNvPr id="2" name="Title 1"/>
-          <p:cNvSpPr>
-            <a:spLocks noGrp="1"/>
-          </p:cNvSpPr>
-          <p:nvPr>
-            <p:ph type="title"/>
-          </p:nvPr>
-        </p:nvSpPr>
-        <p:spPr/>
-        <p:txBody>
-          <a:bodyPr/>
-          <a:lstStyle/>
-          <a:p>
-            <a:r>
-              <a:rPr lang="en-US" dirty="0" smtClean="0"/>
-              <a:t>Hypotheses</a:t>
-            </a:r>
-            <a:endParaRPr lang="en-US" dirty="0"/>
-          </a:p>
-        </p:txBody>
-      </p:sp>
-      <p:sp>
-        <p:nvSpPr>
-          <p:cNvPr id="3" name="Content Placeholder 2"/>
-          <p:cNvSpPr>
-            <a:spLocks noGrp="1"/>
-          </p:cNvSpPr>
-          <p:nvPr>
-            <p:ph idx="1"/>
-          </p:nvPr>
-        </p:nvSpPr>
-        <p:spPr/>
-        <p:txBody>
-          <a:bodyPr>
-            <a:normAutofit/>
-          </a:bodyPr>
-          <a:lstStyle/>
-          <a:p>
-            <a:r>
-              <a:rPr lang="en-US" dirty="0" smtClean="0"/>
-              <a:t>Null Hypothesis: It's </a:t>
-            </a:r>
-            <a:r>
-              <a:rPr lang="en-US" dirty="0"/>
-              <a:t>not possible to accurately classify </a:t>
-            </a:r>
-            <a:r>
-              <a:rPr lang="en-US" dirty="0" err="1"/>
-              <a:t>preictal</a:t>
-            </a:r>
-            <a:r>
-              <a:rPr lang="en-US" dirty="0"/>
-              <a:t> brain states in dogs and humans</a:t>
-            </a:r>
-            <a:r>
-              <a:rPr lang="en-US" dirty="0" smtClean="0"/>
-              <a:t>.</a:t>
-            </a:r>
-          </a:p>
-          <a:p>
-            <a:r>
-              <a:rPr lang="en-US" dirty="0"/>
-              <a:t>Alternative Hypothesis: The </a:t>
-            </a:r>
-            <a:r>
-              <a:rPr lang="en-US" dirty="0" err="1"/>
-              <a:t>preictal</a:t>
-            </a:r>
-            <a:r>
-              <a:rPr lang="en-US" dirty="0"/>
-              <a:t> brain state in dogs and humans does exist and can be accurately classified with naturally occurring epilepsy.</a:t>
-            </a:r>
-          </a:p>
-        </p:txBody>
-      </p:sp>
-    </p:spTree>
-    <p:extLst>
-      <p:ext uri="{BB962C8B-B14F-4D97-AF65-F5344CB8AC3E}">
-        <p14:creationId xmlns:p14="http://schemas.microsoft.com/office/powerpoint/2010/main" val="3790158309"/>
-      </p:ext>
-    </p:extLst>
-  </p:cSld>
-  <p:clrMapOvr>
-    <a:masterClrMapping/>
-  </p:clrMapOvr>
-</p:sld>
-</file>
-
-<file path=ppt/slides/slide4.xml><?xml version="1.0" encoding="utf-8"?>
-<p:sld xmlns:a="http://schemas.openxmlformats.org/drawingml/2006/main" xmlns:r="http://schemas.openxmlformats.org/officeDocument/2006/relationships" xmlns:p="http://schemas.openxmlformats.org/presentationml/2006/main">
-  <p:cSld>
-    <p:spTree>
-      <p:nvGrpSpPr>
-        <p:cNvPr id="1" name=""/>
-        <p:cNvGrpSpPr/>
-        <p:nvPr/>
-      </p:nvGrpSpPr>
-      <p:grpSpPr>
-        <a:xfrm>
-          <a:off x="0" y="0"/>
-          <a:ext cx="0" cy="0"/>
-          <a:chOff x="0" y="0"/>
-          <a:chExt cx="0" cy="0"/>
-        </a:xfrm>
-      </p:grpSpPr>
-      <p:sp>
-        <p:nvSpPr>
-          <p:cNvPr id="2" name="Title 1"/>
-          <p:cNvSpPr>
-            <a:spLocks noGrp="1"/>
-          </p:cNvSpPr>
-          <p:nvPr>
-            <p:ph type="title"/>
-          </p:nvPr>
-        </p:nvSpPr>
-        <p:spPr/>
-        <p:txBody>
-          <a:bodyPr/>
-          <a:lstStyle/>
-          <a:p>
-            <a:r>
-              <a:rPr lang="en-US" dirty="0" smtClean="0"/>
-              <a:t>The Data</a:t>
-            </a:r>
-            <a:endParaRPr lang="en-US" dirty="0"/>
-          </a:p>
-        </p:txBody>
-      </p:sp>
-      <p:sp>
-        <p:nvSpPr>
-          <p:cNvPr id="3" name="Content Placeholder 2"/>
-          <p:cNvSpPr>
-            <a:spLocks noGrp="1"/>
-          </p:cNvSpPr>
-          <p:nvPr>
-            <p:ph idx="1"/>
-          </p:nvPr>
-        </p:nvSpPr>
-        <p:spPr/>
-        <p:txBody>
-          <a:bodyPr>
-            <a:normAutofit fontScale="92500" lnSpcReduction="20000"/>
-          </a:bodyPr>
-          <a:lstStyle/>
-          <a:p>
-            <a:r>
-              <a:rPr lang="en-US" dirty="0" smtClean="0"/>
-              <a:t>Raw Input Data</a:t>
-            </a:r>
-          </a:p>
-          <a:p>
-            <a:pPr lvl="1"/>
-            <a:r>
-              <a:rPr lang="en-US" dirty="0" smtClean="0"/>
-              <a:t>Each file is either an </a:t>
-            </a:r>
-            <a:r>
-              <a:rPr lang="en-US" dirty="0" err="1" smtClean="0"/>
-              <a:t>interictal</a:t>
-            </a:r>
-            <a:r>
-              <a:rPr lang="en-US" dirty="0" smtClean="0"/>
-              <a:t> file or a </a:t>
-            </a:r>
-            <a:r>
-              <a:rPr lang="en-US" dirty="0" err="1" smtClean="0"/>
-              <a:t>preictal</a:t>
-            </a:r>
-            <a:r>
-              <a:rPr lang="en-US" dirty="0" smtClean="0"/>
-              <a:t> file.</a:t>
-            </a:r>
-          </a:p>
-          <a:p>
-            <a:pPr lvl="1"/>
-            <a:r>
-              <a:rPr lang="en-US" dirty="0" smtClean="0"/>
-              <a:t>The channels are the names of the electrodes placed on the patient’s body. They are also the predictor variables.</a:t>
-            </a:r>
-            <a:endParaRPr lang="en-US" dirty="0" smtClean="0"/>
-          </a:p>
-          <a:p>
-            <a:r>
-              <a:rPr lang="en-US" dirty="0" err="1" smtClean="0"/>
-              <a:t>Tranformations</a:t>
-            </a:r>
-            <a:endParaRPr lang="en-US" dirty="0" smtClean="0"/>
-          </a:p>
-          <a:p>
-            <a:pPr lvl="1"/>
-            <a:r>
-              <a:rPr lang="en-US" dirty="0" smtClean="0"/>
-              <a:t>An “</a:t>
-            </a:r>
-            <a:r>
-              <a:rPr lang="en-US" dirty="0" err="1" smtClean="0"/>
-              <a:t>ictal_ind</a:t>
-            </a:r>
-            <a:r>
-              <a:rPr lang="en-US" dirty="0" smtClean="0"/>
-              <a:t>” will be created for each record that will tell what file it came from . 0 if it came from an </a:t>
-            </a:r>
-            <a:r>
-              <a:rPr lang="en-US" dirty="0" err="1" smtClean="0"/>
-              <a:t>interictal</a:t>
-            </a:r>
-            <a:r>
-              <a:rPr lang="en-US" dirty="0" smtClean="0"/>
-              <a:t> file. 1 if it came from a </a:t>
-            </a:r>
-            <a:r>
-              <a:rPr lang="en-US" dirty="0" err="1" smtClean="0"/>
-              <a:t>preictal</a:t>
-            </a:r>
-            <a:r>
-              <a:rPr lang="en-US" dirty="0" smtClean="0"/>
-              <a:t> file.</a:t>
-            </a:r>
-          </a:p>
-          <a:p>
-            <a:pPr lvl="1"/>
-            <a:r>
-              <a:rPr lang="en-US" dirty="0" smtClean="0"/>
-              <a:t>Fast Fourier Transformation </a:t>
-            </a:r>
-          </a:p>
-          <a:p>
-            <a:r>
-              <a:rPr lang="en-US" dirty="0" smtClean="0"/>
-              <a:t>Plots </a:t>
-            </a:r>
-            <a:endParaRPr lang="en-US" dirty="0"/>
-          </a:p>
-        </p:txBody>
-      </p:sp>
-    </p:spTree>
-    <p:extLst>
-      <p:ext uri="{BB962C8B-B14F-4D97-AF65-F5344CB8AC3E}">
-        <p14:creationId xmlns:p14="http://schemas.microsoft.com/office/powerpoint/2010/main" val="1470712062"/>
-      </p:ext>
-    </p:extLst>
-  </p:cSld>
-  <p:clrMapOvr>
-    <a:masterClrMapping/>
-  </p:clrMapOvr>
-</p:sld>
-</file>
-
-<file path=ppt/slides/slide5.xml><?xml version="1.0" encoding="utf-8"?>
-<p:sld xmlns:a="http://schemas.openxmlformats.org/drawingml/2006/main" xmlns:r="http://schemas.openxmlformats.org/officeDocument/2006/relationships" xmlns:p="http://schemas.openxmlformats.org/presentationml/2006/main">
-  <p:cSld>
-    <p:spTree>
-      <p:nvGrpSpPr>
-        <p:cNvPr id="1" name=""/>
-        <p:cNvGrpSpPr/>
-        <p:nvPr/>
-      </p:nvGrpSpPr>
-      <p:grpSpPr>
-        <a:xfrm>
-          <a:off x="0" y="0"/>
-          <a:ext cx="0" cy="0"/>
-          <a:chOff x="0" y="0"/>
-          <a:chExt cx="0" cy="0"/>
-        </a:xfrm>
-      </p:grpSpPr>
-      <p:sp>
-        <p:nvSpPr>
-          <p:cNvPr id="2" name="Title 1"/>
-          <p:cNvSpPr>
-            <a:spLocks noGrp="1"/>
-          </p:cNvSpPr>
-          <p:nvPr>
-            <p:ph type="title"/>
-          </p:nvPr>
-        </p:nvSpPr>
-        <p:spPr/>
-        <p:txBody>
-          <a:bodyPr/>
-          <a:lstStyle/>
-          <a:p>
-            <a:r>
-              <a:rPr lang="en-US" dirty="0" smtClean="0"/>
-              <a:t>Fast Fourier Transformation</a:t>
-            </a:r>
-            <a:endParaRPr lang="en-US" dirty="0"/>
-          </a:p>
-        </p:txBody>
-      </p:sp>
-      <p:sp>
-        <p:nvSpPr>
-          <p:cNvPr id="3" name="Content Placeholder 2"/>
-          <p:cNvSpPr>
-            <a:spLocks noGrp="1"/>
-          </p:cNvSpPr>
-          <p:nvPr>
-            <p:ph idx="1"/>
-          </p:nvPr>
-        </p:nvSpPr>
-        <p:spPr/>
-        <p:txBody>
-          <a:bodyPr>
-            <a:normAutofit/>
-          </a:bodyPr>
-          <a:lstStyle/>
-          <a:p>
-            <a:r>
-              <a:rPr lang="en-US" dirty="0" smtClean="0"/>
-              <a:t>TBD</a:t>
-            </a:r>
-            <a:endParaRPr lang="en-US" dirty="0"/>
-          </a:p>
-        </p:txBody>
-      </p:sp>
-    </p:spTree>
-    <p:extLst>
-      <p:ext uri="{BB962C8B-B14F-4D97-AF65-F5344CB8AC3E}">
-        <p14:creationId xmlns:p14="http://schemas.microsoft.com/office/powerpoint/2010/main" val="1062259656"/>
-      </p:ext>
-    </p:extLst>
-  </p:cSld>
-  <p:clrMapOvr>
-    <a:masterClrMapping/>
-  </p:clrMapOvr>
-</p:sld>
-</file>
-
-<file path=ppt/slides/slide6.xml><?xml version="1.0" encoding="utf-8"?>
-<p:sld xmlns:a="http://schemas.openxmlformats.org/drawingml/2006/main" xmlns:r="http://schemas.openxmlformats.org/officeDocument/2006/relationships" xmlns:p="http://schemas.openxmlformats.org/presentationml/2006/main">
-  <p:cSld>
-    <p:spTree>
-      <p:nvGrpSpPr>
-        <p:cNvPr id="1" name=""/>
-        <p:cNvGrpSpPr/>
-        <p:nvPr/>
-      </p:nvGrpSpPr>
-      <p:grpSpPr>
-        <a:xfrm>
-          <a:off x="0" y="0"/>
-          <a:ext cx="0" cy="0"/>
-          <a:chOff x="0" y="0"/>
-          <a:chExt cx="0" cy="0"/>
-        </a:xfrm>
-      </p:grpSpPr>
-      <p:sp>
-        <p:nvSpPr>
-          <p:cNvPr id="2" name="Title 1"/>
-          <p:cNvSpPr>
-            <a:spLocks noGrp="1"/>
-          </p:cNvSpPr>
-          <p:nvPr>
-            <p:ph type="title"/>
-          </p:nvPr>
-        </p:nvSpPr>
         <p:spPr>
           <a:xfrm>
             <a:off x="457200" y="274638"/>
@@ -4704,9 +3730,44 @@
           </a:bodyPr>
           <a:lstStyle/>
           <a:p>
-            <a:r>
-              <a:rPr lang="en-US" dirty="0" smtClean="0"/>
-              <a:t>Raw Plot of Data – Channel One</a:t>
+            <a:pPr algn="ctr"/>
+            <a:r>
+              <a:rPr lang="en-US" sz="4800" b="1" dirty="0" smtClean="0">
+                <a:ln w="17780" cmpd="sng">
+                  <a:solidFill>
+                    <a:schemeClr val="accent1">
+                      <a:tint val="3000"/>
+                    </a:schemeClr>
+                  </a:solidFill>
+                  <a:prstDash val="solid"/>
+                  <a:miter lim="800000"/>
+                </a:ln>
+                <a:gradFill>
+                  <a:gsLst>
+                    <a:gs pos="10000">
+                      <a:schemeClr val="accent1">
+                        <a:tint val="63000"/>
+                        <a:sat val="105000"/>
+                      </a:schemeClr>
+                    </a:gs>
+                    <a:gs pos="90000">
+                      <a:schemeClr val="accent1">
+                        <a:shade val="50000"/>
+                        <a:satMod val="100000"/>
+                      </a:schemeClr>
+                    </a:gs>
+                  </a:gsLst>
+                  <a:lin ang="5400000"/>
+                </a:gradFill>
+                <a:effectLst>
+                  <a:outerShdw blurRad="55000" dist="50800" dir="5400000" algn="tl">
+                    <a:srgbClr val="000000">
+                      <a:alpha val="33000"/>
+                    </a:srgbClr>
+                  </a:outerShdw>
+                </a:effectLst>
+              </a:rPr>
+              <a:t>Plot of Raw Data–Channel One</a:t>
             </a:r>
             <a:endParaRPr lang="en-US" dirty="0"/>
           </a:p>
@@ -4770,7 +3831,7 @@
 </p:sld>
 </file>
 
-<file path=ppt/slides/slide7.xml><?xml version="1.0" encoding="utf-8"?>
+<file path=ppt/slides/slide11.xml><?xml version="1.0" encoding="utf-8"?>
 <p:sld xmlns:a="http://schemas.openxmlformats.org/drawingml/2006/main" xmlns:r="http://schemas.openxmlformats.org/officeDocument/2006/relationships" xmlns:p="http://schemas.openxmlformats.org/presentationml/2006/main">
   <p:cSld>
     <p:spTree>
@@ -4809,9 +3870,44 @@
           </a:bodyPr>
           <a:lstStyle/>
           <a:p>
-            <a:r>
-              <a:rPr lang="en-US" dirty="0" smtClean="0"/>
-              <a:t>FFT Plot of Data – Channel One</a:t>
+            <a:pPr algn="ctr"/>
+            <a:r>
+              <a:rPr lang="en-US" sz="4800" b="1" dirty="0" smtClean="0">
+                <a:ln w="17780" cmpd="sng">
+                  <a:solidFill>
+                    <a:schemeClr val="accent1">
+                      <a:tint val="3000"/>
+                    </a:schemeClr>
+                  </a:solidFill>
+                  <a:prstDash val="solid"/>
+                  <a:miter lim="800000"/>
+                </a:ln>
+                <a:gradFill>
+                  <a:gsLst>
+                    <a:gs pos="10000">
+                      <a:schemeClr val="accent1">
+                        <a:tint val="63000"/>
+                        <a:sat val="105000"/>
+                      </a:schemeClr>
+                    </a:gs>
+                    <a:gs pos="90000">
+                      <a:schemeClr val="accent1">
+                        <a:shade val="50000"/>
+                        <a:satMod val="100000"/>
+                      </a:schemeClr>
+                    </a:gs>
+                  </a:gsLst>
+                  <a:lin ang="5400000"/>
+                </a:gradFill>
+                <a:effectLst>
+                  <a:outerShdw blurRad="55000" dist="50800" dir="5400000" algn="tl">
+                    <a:srgbClr val="000000">
+                      <a:alpha val="33000"/>
+                    </a:srgbClr>
+                  </a:outerShdw>
+                </a:effectLst>
+              </a:rPr>
+              <a:t>Plot of FFT Data – Channel One</a:t>
             </a:r>
             <a:endParaRPr lang="en-US" dirty="0"/>
           </a:p>
@@ -4873,6 +3969,4319 @@
 </p:sld>
 </file>
 
+<file path=ppt/slides/slide12.xml><?xml version="1.0" encoding="utf-8"?>
+<p:sld xmlns:a="http://schemas.openxmlformats.org/drawingml/2006/main" xmlns:r="http://schemas.openxmlformats.org/officeDocument/2006/relationships" xmlns:p="http://schemas.openxmlformats.org/presentationml/2006/main">
+  <p:cSld>
+    <p:spTree>
+      <p:nvGrpSpPr>
+        <p:cNvPr id="1" name=""/>
+        <p:cNvGrpSpPr/>
+        <p:nvPr/>
+      </p:nvGrpSpPr>
+      <p:grpSpPr>
+        <a:xfrm>
+          <a:off x="0" y="0"/>
+          <a:ext cx="0" cy="0"/>
+          <a:chOff x="0" y="0"/>
+          <a:chExt cx="0" cy="0"/>
+        </a:xfrm>
+      </p:grpSpPr>
+      <p:sp>
+        <p:nvSpPr>
+          <p:cNvPr id="2" name="Title 1"/>
+          <p:cNvSpPr>
+            <a:spLocks noGrp="1"/>
+          </p:cNvSpPr>
+          <p:nvPr>
+            <p:ph type="title"/>
+          </p:nvPr>
+        </p:nvSpPr>
+        <p:spPr/>
+        <p:txBody>
+          <a:bodyPr>
+            <a:normAutofit/>
+          </a:bodyPr>
+          <a:lstStyle/>
+          <a:p>
+            <a:pPr algn="ctr"/>
+            <a:r>
+              <a:rPr lang="en-US" sz="4800" b="1" dirty="0" smtClean="0">
+                <a:ln w="17780" cmpd="sng">
+                  <a:solidFill>
+                    <a:schemeClr val="accent1">
+                      <a:tint val="3000"/>
+                    </a:schemeClr>
+                  </a:solidFill>
+                  <a:prstDash val="solid"/>
+                  <a:miter lim="800000"/>
+                </a:ln>
+                <a:gradFill>
+                  <a:gsLst>
+                    <a:gs pos="10000">
+                      <a:schemeClr val="accent1">
+                        <a:tint val="63000"/>
+                        <a:sat val="105000"/>
+                      </a:schemeClr>
+                    </a:gs>
+                    <a:gs pos="90000">
+                      <a:schemeClr val="accent1">
+                        <a:shade val="50000"/>
+                        <a:satMod val="100000"/>
+                      </a:schemeClr>
+                    </a:gs>
+                  </a:gsLst>
+                  <a:lin ang="5400000"/>
+                </a:gradFill>
+                <a:effectLst>
+                  <a:outerShdw blurRad="55000" dist="50800" dir="5400000" algn="tl">
+                    <a:srgbClr val="000000">
+                      <a:alpha val="33000"/>
+                    </a:srgbClr>
+                  </a:outerShdw>
+                </a:effectLst>
+              </a:rPr>
+              <a:t>The Methodology</a:t>
+            </a:r>
+            <a:endParaRPr lang="en-US" dirty="0"/>
+          </a:p>
+        </p:txBody>
+      </p:sp>
+      <p:sp>
+        <p:nvSpPr>
+          <p:cNvPr id="3" name="Content Placeholder 2"/>
+          <p:cNvSpPr>
+            <a:spLocks noGrp="1"/>
+          </p:cNvSpPr>
+          <p:nvPr>
+            <p:ph idx="1"/>
+          </p:nvPr>
+        </p:nvSpPr>
+        <p:spPr/>
+        <p:txBody>
+          <a:bodyPr>
+            <a:normAutofit fontScale="62500" lnSpcReduction="20000"/>
+          </a:bodyPr>
+          <a:lstStyle/>
+          <a:p>
+            <a:endParaRPr lang="en-US" dirty="0" smtClean="0"/>
+          </a:p>
+          <a:p>
+            <a:r>
+              <a:rPr lang="en-US" b="1" dirty="0" smtClean="0">
+                <a:ln w="24500" cmpd="dbl">
+                  <a:solidFill>
+                    <a:schemeClr val="accent2">
+                      <a:shade val="85000"/>
+                      <a:satMod val="155000"/>
+                    </a:schemeClr>
+                  </a:solidFill>
+                  <a:prstDash val="solid"/>
+                  <a:miter lim="800000"/>
+                </a:ln>
+                <a:gradFill>
+                  <a:gsLst>
+                    <a:gs pos="10000">
+                      <a:schemeClr val="accent2">
+                        <a:tint val="10000"/>
+                        <a:satMod val="155000"/>
+                      </a:schemeClr>
+                    </a:gs>
+                    <a:gs pos="60000">
+                      <a:schemeClr val="accent2">
+                        <a:tint val="30000"/>
+                        <a:satMod val="155000"/>
+                      </a:schemeClr>
+                    </a:gs>
+                    <a:gs pos="100000">
+                      <a:schemeClr val="accent2">
+                        <a:tint val="73000"/>
+                        <a:satMod val="155000"/>
+                      </a:schemeClr>
+                    </a:gs>
+                  </a:gsLst>
+                  <a:lin ang="5400000"/>
+                </a:gradFill>
+                <a:effectLst>
+                  <a:outerShdw blurRad="38100" dist="38100" dir="7020000" algn="tl">
+                    <a:srgbClr val="000000">
+                      <a:alpha val="35000"/>
+                    </a:srgbClr>
+                  </a:outerShdw>
+                </a:effectLst>
+              </a:rPr>
+              <a:t>Read Data</a:t>
+            </a:r>
+            <a:r>
+              <a:rPr lang="en-US" sz="2800" dirty="0"/>
+              <a:t>:</a:t>
+            </a:r>
+          </a:p>
+          <a:p>
+            <a:pPr lvl="1"/>
+            <a:r>
+              <a:rPr lang="en-US" dirty="0" smtClean="0"/>
+              <a:t>Read </a:t>
+            </a:r>
+            <a:r>
+              <a:rPr lang="en-US" dirty="0" err="1" smtClean="0"/>
+              <a:t>Matlab</a:t>
+            </a:r>
+            <a:r>
+              <a:rPr lang="en-US" dirty="0" smtClean="0"/>
+              <a:t> files into </a:t>
+            </a:r>
+            <a:r>
+              <a:rPr lang="en-US" dirty="0" err="1" smtClean="0"/>
+              <a:t>DataFrame</a:t>
+            </a:r>
+            <a:endParaRPr lang="en-US" dirty="0"/>
+          </a:p>
+          <a:p>
+            <a:r>
+              <a:rPr lang="en-US" b="1" dirty="0" smtClean="0">
+                <a:ln w="24500" cmpd="dbl">
+                  <a:solidFill>
+                    <a:schemeClr val="accent2">
+                      <a:shade val="85000"/>
+                      <a:satMod val="155000"/>
+                    </a:schemeClr>
+                  </a:solidFill>
+                  <a:prstDash val="solid"/>
+                  <a:miter lim="800000"/>
+                </a:ln>
+                <a:gradFill>
+                  <a:gsLst>
+                    <a:gs pos="10000">
+                      <a:schemeClr val="accent2">
+                        <a:tint val="10000"/>
+                        <a:satMod val="155000"/>
+                      </a:schemeClr>
+                    </a:gs>
+                    <a:gs pos="60000">
+                      <a:schemeClr val="accent2">
+                        <a:tint val="30000"/>
+                        <a:satMod val="155000"/>
+                      </a:schemeClr>
+                    </a:gs>
+                    <a:gs pos="100000">
+                      <a:schemeClr val="accent2">
+                        <a:tint val="73000"/>
+                        <a:satMod val="155000"/>
+                      </a:schemeClr>
+                    </a:gs>
+                  </a:gsLst>
+                  <a:lin ang="5400000"/>
+                </a:gradFill>
+                <a:effectLst>
+                  <a:outerShdw blurRad="38100" dist="38100" dir="7020000" algn="tl">
+                    <a:srgbClr val="000000">
+                      <a:alpha val="35000"/>
+                    </a:srgbClr>
+                  </a:outerShdw>
+                </a:effectLst>
+              </a:rPr>
+              <a:t>Transform Data</a:t>
+            </a:r>
+            <a:r>
+              <a:rPr lang="en-US" sz="3200" dirty="0"/>
+              <a:t>:</a:t>
+            </a:r>
+          </a:p>
+          <a:p>
+            <a:pPr lvl="1"/>
+            <a:r>
+              <a:rPr lang="en-US" dirty="0"/>
+              <a:t>FFT as described </a:t>
+            </a:r>
+            <a:r>
+              <a:rPr lang="en-US" dirty="0" smtClean="0"/>
+              <a:t>above</a:t>
+            </a:r>
+          </a:p>
+          <a:p>
+            <a:pPr lvl="1"/>
+            <a:r>
+              <a:rPr lang="en-US" dirty="0" smtClean="0"/>
+              <a:t>Each file condensed down to a single record</a:t>
+            </a:r>
+          </a:p>
+          <a:p>
+            <a:pPr lvl="1"/>
+            <a:r>
+              <a:rPr lang="en-US" dirty="0" smtClean="0"/>
+              <a:t>“</a:t>
+            </a:r>
+            <a:r>
+              <a:rPr lang="en-US" dirty="0" err="1" smtClean="0"/>
+              <a:t>ictal_ind</a:t>
+            </a:r>
+            <a:r>
+              <a:rPr lang="en-US" dirty="0" smtClean="0"/>
+              <a:t>” binary variable created with a value of 1 for a </a:t>
+            </a:r>
+            <a:r>
+              <a:rPr lang="en-US" dirty="0" err="1" smtClean="0"/>
+              <a:t>preictal</a:t>
+            </a:r>
+            <a:r>
+              <a:rPr lang="en-US" dirty="0" smtClean="0"/>
+              <a:t> file else 0</a:t>
+            </a:r>
+          </a:p>
+          <a:p>
+            <a:pPr lvl="1"/>
+            <a:r>
+              <a:rPr lang="en-US" dirty="0" smtClean="0"/>
+              <a:t>Subset of the transformed data is used. Of the 239k record only 7200 used. </a:t>
+            </a:r>
+          </a:p>
+          <a:p>
+            <a:pPr lvl="1"/>
+            <a:r>
+              <a:rPr lang="en-US" dirty="0" smtClean="0"/>
+              <a:t>Those 7200 time intervals are divided into 24 segments of 300 time intervals each per channel.</a:t>
+            </a:r>
+          </a:p>
+          <a:p>
+            <a:pPr lvl="1"/>
+            <a:r>
+              <a:rPr lang="en-US" dirty="0" smtClean="0"/>
+              <a:t>The 24 segment are then averaged.</a:t>
+            </a:r>
+            <a:endParaRPr lang="en-US" dirty="0"/>
+          </a:p>
+          <a:p>
+            <a:r>
+              <a:rPr lang="en-US" b="1" dirty="0" smtClean="0">
+                <a:ln w="24500" cmpd="dbl">
+                  <a:solidFill>
+                    <a:schemeClr val="accent2">
+                      <a:shade val="85000"/>
+                      <a:satMod val="155000"/>
+                    </a:schemeClr>
+                  </a:solidFill>
+                  <a:prstDash val="solid"/>
+                  <a:miter lim="800000"/>
+                </a:ln>
+                <a:gradFill>
+                  <a:gsLst>
+                    <a:gs pos="10000">
+                      <a:schemeClr val="accent2">
+                        <a:tint val="10000"/>
+                        <a:satMod val="155000"/>
+                      </a:schemeClr>
+                    </a:gs>
+                    <a:gs pos="60000">
+                      <a:schemeClr val="accent2">
+                        <a:tint val="30000"/>
+                        <a:satMod val="155000"/>
+                      </a:schemeClr>
+                    </a:gs>
+                    <a:gs pos="100000">
+                      <a:schemeClr val="accent2">
+                        <a:tint val="73000"/>
+                        <a:satMod val="155000"/>
+                      </a:schemeClr>
+                    </a:gs>
+                  </a:gsLst>
+                  <a:lin ang="5400000"/>
+                </a:gradFill>
+                <a:effectLst>
+                  <a:outerShdw blurRad="38100" dist="38100" dir="7020000" algn="tl">
+                    <a:srgbClr val="000000">
+                      <a:alpha val="35000"/>
+                    </a:srgbClr>
+                  </a:outerShdw>
+                </a:effectLst>
+              </a:rPr>
+              <a:t>Feature </a:t>
+            </a:r>
+            <a:r>
+              <a:rPr lang="en-US" b="1" dirty="0">
+                <a:ln w="24500" cmpd="dbl">
+                  <a:solidFill>
+                    <a:schemeClr val="accent2">
+                      <a:shade val="85000"/>
+                      <a:satMod val="155000"/>
+                    </a:schemeClr>
+                  </a:solidFill>
+                  <a:prstDash val="solid"/>
+                  <a:miter lim="800000"/>
+                </a:ln>
+                <a:gradFill>
+                  <a:gsLst>
+                    <a:gs pos="10000">
+                      <a:schemeClr val="accent2">
+                        <a:tint val="10000"/>
+                        <a:satMod val="155000"/>
+                      </a:schemeClr>
+                    </a:gs>
+                    <a:gs pos="60000">
+                      <a:schemeClr val="accent2">
+                        <a:tint val="30000"/>
+                        <a:satMod val="155000"/>
+                      </a:schemeClr>
+                    </a:gs>
+                    <a:gs pos="100000">
+                      <a:schemeClr val="accent2">
+                        <a:tint val="73000"/>
+                        <a:satMod val="155000"/>
+                      </a:schemeClr>
+                    </a:gs>
+                  </a:gsLst>
+                  <a:lin ang="5400000"/>
+                </a:gradFill>
+                <a:effectLst>
+                  <a:outerShdw blurRad="38100" dist="38100" dir="7020000" algn="tl">
+                    <a:srgbClr val="000000">
+                      <a:alpha val="35000"/>
+                    </a:srgbClr>
+                  </a:outerShdw>
+                </a:effectLst>
+              </a:rPr>
+              <a:t>Selection</a:t>
+            </a:r>
+            <a:r>
+              <a:rPr lang="en-US" dirty="0" smtClean="0"/>
+              <a:t>:</a:t>
+            </a:r>
+            <a:endParaRPr lang="en-US" dirty="0" smtClean="0"/>
+          </a:p>
+          <a:p>
+            <a:pPr lvl="1"/>
+            <a:r>
+              <a:rPr lang="en-US" dirty="0" err="1" smtClean="0"/>
+              <a:t>Logit</a:t>
+            </a:r>
+            <a:endParaRPr lang="en-US" dirty="0" smtClean="0"/>
+          </a:p>
+          <a:p>
+            <a:pPr lvl="2"/>
+            <a:r>
+              <a:rPr lang="en-US" dirty="0" smtClean="0"/>
+              <a:t>Choosing channels with p-values &gt;=.05</a:t>
+            </a:r>
+          </a:p>
+          <a:p>
+            <a:pPr lvl="1"/>
+            <a:r>
+              <a:rPr lang="en-US" dirty="0" smtClean="0"/>
+              <a:t>Random Forest</a:t>
+            </a:r>
+          </a:p>
+          <a:p>
+            <a:pPr lvl="2"/>
+            <a:r>
+              <a:rPr lang="en-US" dirty="0" smtClean="0"/>
+              <a:t>Trial and Error from the list created from the </a:t>
+            </a:r>
+            <a:r>
+              <a:rPr lang="en-US" dirty="0" err="1" smtClean="0"/>
+              <a:t>Logit</a:t>
+            </a:r>
+            <a:r>
+              <a:rPr lang="en-US" dirty="0" smtClean="0"/>
+              <a:t> Regression logic above.</a:t>
+            </a:r>
+          </a:p>
+          <a:p>
+            <a:pPr lvl="2"/>
+            <a:endParaRPr lang="en-US" dirty="0" smtClean="0"/>
+          </a:p>
+          <a:p>
+            <a:pPr lvl="1"/>
+            <a:endParaRPr lang="en-US" dirty="0" smtClean="0"/>
+          </a:p>
+        </p:txBody>
+      </p:sp>
+    </p:spTree>
+    <p:extLst>
+      <p:ext uri="{BB962C8B-B14F-4D97-AF65-F5344CB8AC3E}">
+        <p14:creationId xmlns:p14="http://schemas.microsoft.com/office/powerpoint/2010/main" val="3437048175"/>
+      </p:ext>
+    </p:extLst>
+  </p:cSld>
+  <p:clrMapOvr>
+    <a:masterClrMapping/>
+  </p:clrMapOvr>
+</p:sld>
+</file>
+
+<file path=ppt/slides/slide13.xml><?xml version="1.0" encoding="utf-8"?>
+<p:sld xmlns:a="http://schemas.openxmlformats.org/drawingml/2006/main" xmlns:r="http://schemas.openxmlformats.org/officeDocument/2006/relationships" xmlns:p="http://schemas.openxmlformats.org/presentationml/2006/main">
+  <p:cSld>
+    <p:spTree>
+      <p:nvGrpSpPr>
+        <p:cNvPr id="1" name=""/>
+        <p:cNvGrpSpPr/>
+        <p:nvPr/>
+      </p:nvGrpSpPr>
+      <p:grpSpPr>
+        <a:xfrm>
+          <a:off x="0" y="0"/>
+          <a:ext cx="0" cy="0"/>
+          <a:chOff x="0" y="0"/>
+          <a:chExt cx="0" cy="0"/>
+        </a:xfrm>
+      </p:grpSpPr>
+      <p:sp>
+        <p:nvSpPr>
+          <p:cNvPr id="2" name="Title 1"/>
+          <p:cNvSpPr>
+            <a:spLocks noGrp="1"/>
+          </p:cNvSpPr>
+          <p:nvPr>
+            <p:ph type="title"/>
+          </p:nvPr>
+        </p:nvSpPr>
+        <p:spPr/>
+        <p:txBody>
+          <a:bodyPr>
+            <a:normAutofit/>
+          </a:bodyPr>
+          <a:lstStyle/>
+          <a:p>
+            <a:pPr algn="ctr"/>
+            <a:r>
+              <a:rPr lang="en-US" sz="4800" b="1" dirty="0" smtClean="0">
+                <a:ln w="17780" cmpd="sng">
+                  <a:solidFill>
+                    <a:schemeClr val="accent1">
+                      <a:tint val="3000"/>
+                    </a:schemeClr>
+                  </a:solidFill>
+                  <a:prstDash val="solid"/>
+                  <a:miter lim="800000"/>
+                </a:ln>
+                <a:gradFill>
+                  <a:gsLst>
+                    <a:gs pos="10000">
+                      <a:schemeClr val="accent1">
+                        <a:tint val="63000"/>
+                        <a:sat val="105000"/>
+                      </a:schemeClr>
+                    </a:gs>
+                    <a:gs pos="90000">
+                      <a:schemeClr val="accent1">
+                        <a:shade val="50000"/>
+                        <a:satMod val="100000"/>
+                      </a:schemeClr>
+                    </a:gs>
+                  </a:gsLst>
+                  <a:lin ang="5400000"/>
+                </a:gradFill>
+                <a:effectLst>
+                  <a:outerShdw blurRad="55000" dist="50800" dir="5400000" algn="tl">
+                    <a:srgbClr val="000000">
+                      <a:alpha val="33000"/>
+                    </a:srgbClr>
+                  </a:outerShdw>
+                </a:effectLst>
+              </a:rPr>
+              <a:t>The Methodology </a:t>
+            </a:r>
+            <a:r>
+              <a:rPr lang="en-US" sz="4800" b="1" dirty="0" err="1" smtClean="0">
+                <a:ln w="17780" cmpd="sng">
+                  <a:solidFill>
+                    <a:schemeClr val="accent1">
+                      <a:tint val="3000"/>
+                    </a:schemeClr>
+                  </a:solidFill>
+                  <a:prstDash val="solid"/>
+                  <a:miter lim="800000"/>
+                </a:ln>
+                <a:gradFill>
+                  <a:gsLst>
+                    <a:gs pos="10000">
+                      <a:schemeClr val="accent1">
+                        <a:tint val="63000"/>
+                        <a:sat val="105000"/>
+                      </a:schemeClr>
+                    </a:gs>
+                    <a:gs pos="90000">
+                      <a:schemeClr val="accent1">
+                        <a:shade val="50000"/>
+                        <a:satMod val="100000"/>
+                      </a:schemeClr>
+                    </a:gs>
+                  </a:gsLst>
+                  <a:lin ang="5400000"/>
+                </a:gradFill>
+                <a:effectLst>
+                  <a:outerShdw blurRad="55000" dist="50800" dir="5400000" algn="tl">
+                    <a:srgbClr val="000000">
+                      <a:alpha val="33000"/>
+                    </a:srgbClr>
+                  </a:outerShdw>
+                </a:effectLst>
+              </a:rPr>
+              <a:t>Con’t</a:t>
+            </a:r>
+            <a:r>
+              <a:rPr lang="en-US" sz="4800" b="1" dirty="0" smtClean="0">
+                <a:ln w="17780" cmpd="sng">
+                  <a:solidFill>
+                    <a:schemeClr val="accent1">
+                      <a:tint val="3000"/>
+                    </a:schemeClr>
+                  </a:solidFill>
+                  <a:prstDash val="solid"/>
+                  <a:miter lim="800000"/>
+                </a:ln>
+                <a:gradFill>
+                  <a:gsLst>
+                    <a:gs pos="10000">
+                      <a:schemeClr val="accent1">
+                        <a:tint val="63000"/>
+                        <a:sat val="105000"/>
+                      </a:schemeClr>
+                    </a:gs>
+                    <a:gs pos="90000">
+                      <a:schemeClr val="accent1">
+                        <a:shade val="50000"/>
+                        <a:satMod val="100000"/>
+                      </a:schemeClr>
+                    </a:gs>
+                  </a:gsLst>
+                  <a:lin ang="5400000"/>
+                </a:gradFill>
+                <a:effectLst>
+                  <a:outerShdw blurRad="55000" dist="50800" dir="5400000" algn="tl">
+                    <a:srgbClr val="000000">
+                      <a:alpha val="33000"/>
+                    </a:srgbClr>
+                  </a:outerShdw>
+                </a:effectLst>
+              </a:rPr>
+              <a:t>.</a:t>
+            </a:r>
+            <a:endParaRPr lang="en-US" dirty="0"/>
+          </a:p>
+        </p:txBody>
+      </p:sp>
+      <p:sp>
+        <p:nvSpPr>
+          <p:cNvPr id="3" name="Content Placeholder 2"/>
+          <p:cNvSpPr>
+            <a:spLocks noGrp="1"/>
+          </p:cNvSpPr>
+          <p:nvPr>
+            <p:ph idx="1"/>
+          </p:nvPr>
+        </p:nvSpPr>
+        <p:spPr/>
+        <p:txBody>
+          <a:bodyPr>
+            <a:normAutofit/>
+          </a:bodyPr>
+          <a:lstStyle/>
+          <a:p>
+            <a:r>
+              <a:rPr lang="en-US" b="1" dirty="0" smtClean="0">
+                <a:ln w="24500" cmpd="dbl">
+                  <a:solidFill>
+                    <a:schemeClr val="accent2">
+                      <a:shade val="85000"/>
+                      <a:satMod val="155000"/>
+                    </a:schemeClr>
+                  </a:solidFill>
+                  <a:prstDash val="solid"/>
+                  <a:miter lim="800000"/>
+                </a:ln>
+                <a:gradFill>
+                  <a:gsLst>
+                    <a:gs pos="10000">
+                      <a:schemeClr val="accent2">
+                        <a:tint val="10000"/>
+                        <a:satMod val="155000"/>
+                      </a:schemeClr>
+                    </a:gs>
+                    <a:gs pos="60000">
+                      <a:schemeClr val="accent2">
+                        <a:tint val="30000"/>
+                        <a:satMod val="155000"/>
+                      </a:schemeClr>
+                    </a:gs>
+                    <a:gs pos="100000">
+                      <a:schemeClr val="accent2">
+                        <a:tint val="73000"/>
+                        <a:satMod val="155000"/>
+                      </a:schemeClr>
+                    </a:gs>
+                  </a:gsLst>
+                  <a:lin ang="5400000"/>
+                </a:gradFill>
+                <a:effectLst>
+                  <a:outerShdw blurRad="38100" dist="38100" dir="7020000" algn="tl">
+                    <a:srgbClr val="000000">
+                      <a:alpha val="35000"/>
+                    </a:srgbClr>
+                  </a:outerShdw>
+                </a:effectLst>
+              </a:rPr>
+              <a:t>Machine </a:t>
+            </a:r>
+            <a:r>
+              <a:rPr lang="en-US" b="1" dirty="0">
+                <a:ln w="24500" cmpd="dbl">
+                  <a:solidFill>
+                    <a:schemeClr val="accent2">
+                      <a:shade val="85000"/>
+                      <a:satMod val="155000"/>
+                    </a:schemeClr>
+                  </a:solidFill>
+                  <a:prstDash val="solid"/>
+                  <a:miter lim="800000"/>
+                </a:ln>
+                <a:gradFill>
+                  <a:gsLst>
+                    <a:gs pos="10000">
+                      <a:schemeClr val="accent2">
+                        <a:tint val="10000"/>
+                        <a:satMod val="155000"/>
+                      </a:schemeClr>
+                    </a:gs>
+                    <a:gs pos="60000">
+                      <a:schemeClr val="accent2">
+                        <a:tint val="30000"/>
+                        <a:satMod val="155000"/>
+                      </a:schemeClr>
+                    </a:gs>
+                    <a:gs pos="100000">
+                      <a:schemeClr val="accent2">
+                        <a:tint val="73000"/>
+                        <a:satMod val="155000"/>
+                      </a:schemeClr>
+                    </a:gs>
+                  </a:gsLst>
+                  <a:lin ang="5400000"/>
+                </a:gradFill>
+                <a:effectLst>
+                  <a:outerShdw blurRad="38100" dist="38100" dir="7020000" algn="tl">
+                    <a:srgbClr val="000000">
+                      <a:alpha val="35000"/>
+                    </a:srgbClr>
+                  </a:outerShdw>
+                </a:effectLst>
+              </a:rPr>
+              <a:t>Learning Algorithms</a:t>
+            </a:r>
+            <a:r>
+              <a:rPr lang="en-US" sz="2600" dirty="0"/>
+              <a:t>:</a:t>
+            </a:r>
+          </a:p>
+          <a:p>
+            <a:pPr lvl="1"/>
+            <a:r>
+              <a:rPr lang="en-US" sz="2400" b="1" dirty="0" smtClean="0">
+                <a:ln w="900" cmpd="sng">
+                  <a:solidFill>
+                    <a:schemeClr val="accent1">
+                      <a:satMod val="190000"/>
+                      <a:alpha val="55000"/>
+                    </a:schemeClr>
+                  </a:solidFill>
+                  <a:prstDash val="solid"/>
+                </a:ln>
+                <a:solidFill>
+                  <a:schemeClr val="accent1">
+                    <a:satMod val="200000"/>
+                    <a:tint val="3000"/>
+                  </a:schemeClr>
+                </a:solidFill>
+                <a:effectLst>
+                  <a:innerShdw blurRad="101600" dist="76200" dir="5400000">
+                    <a:schemeClr val="accent1">
+                      <a:satMod val="190000"/>
+                      <a:tint val="100000"/>
+                      <a:alpha val="74000"/>
+                    </a:schemeClr>
+                  </a:innerShdw>
+                </a:effectLst>
+              </a:rPr>
+              <a:t>Logistic Regression</a:t>
+            </a:r>
+          </a:p>
+          <a:p>
+            <a:pPr lvl="2"/>
+            <a:r>
+              <a:rPr lang="en-US" dirty="0" smtClean="0"/>
+              <a:t>Initially used for prediction but proved unstable</a:t>
+            </a:r>
+          </a:p>
+          <a:p>
+            <a:pPr lvl="2"/>
+            <a:r>
+              <a:rPr lang="en-US" dirty="0" smtClean="0"/>
+              <a:t>Eventually it was just used for feature selection only</a:t>
+            </a:r>
+            <a:endParaRPr lang="en-US" dirty="0"/>
+          </a:p>
+          <a:p>
+            <a:pPr lvl="1"/>
+            <a:r>
+              <a:rPr lang="en-US" sz="2400" b="1" dirty="0">
+                <a:ln w="900" cmpd="sng">
+                  <a:solidFill>
+                    <a:schemeClr val="accent1">
+                      <a:satMod val="190000"/>
+                      <a:alpha val="55000"/>
+                    </a:schemeClr>
+                  </a:solidFill>
+                  <a:prstDash val="solid"/>
+                </a:ln>
+                <a:solidFill>
+                  <a:schemeClr val="accent1">
+                    <a:satMod val="200000"/>
+                    <a:tint val="3000"/>
+                  </a:schemeClr>
+                </a:solidFill>
+                <a:effectLst>
+                  <a:innerShdw blurRad="101600" dist="76200" dir="5400000">
+                    <a:schemeClr val="accent1">
+                      <a:satMod val="190000"/>
+                      <a:tint val="100000"/>
+                      <a:alpha val="74000"/>
+                    </a:schemeClr>
+                  </a:innerShdw>
+                </a:effectLst>
+              </a:rPr>
+              <a:t>Random </a:t>
+            </a:r>
+            <a:r>
+              <a:rPr lang="en-US" sz="2400" b="1" dirty="0" smtClean="0">
+                <a:ln w="900" cmpd="sng">
+                  <a:solidFill>
+                    <a:schemeClr val="accent1">
+                      <a:satMod val="190000"/>
+                      <a:alpha val="55000"/>
+                    </a:schemeClr>
+                  </a:solidFill>
+                  <a:prstDash val="solid"/>
+                </a:ln>
+                <a:solidFill>
+                  <a:schemeClr val="accent1">
+                    <a:satMod val="200000"/>
+                    <a:tint val="3000"/>
+                  </a:schemeClr>
+                </a:solidFill>
+                <a:effectLst>
+                  <a:innerShdw blurRad="101600" dist="76200" dir="5400000">
+                    <a:schemeClr val="accent1">
+                      <a:satMod val="190000"/>
+                      <a:tint val="100000"/>
+                      <a:alpha val="74000"/>
+                    </a:schemeClr>
+                  </a:innerShdw>
+                </a:effectLst>
+              </a:rPr>
+              <a:t>Forest</a:t>
+            </a:r>
+            <a:endParaRPr lang="en-US" sz="2200" b="1" dirty="0">
+              <a:ln w="900" cmpd="sng">
+                <a:solidFill>
+                  <a:schemeClr val="accent1">
+                    <a:satMod val="190000"/>
+                    <a:alpha val="55000"/>
+                  </a:schemeClr>
+                </a:solidFill>
+                <a:prstDash val="solid"/>
+              </a:ln>
+              <a:solidFill>
+                <a:schemeClr val="accent1">
+                  <a:satMod val="200000"/>
+                  <a:tint val="3000"/>
+                </a:schemeClr>
+              </a:solidFill>
+              <a:effectLst>
+                <a:innerShdw blurRad="101600" dist="76200" dir="5400000">
+                  <a:schemeClr val="accent1">
+                    <a:satMod val="190000"/>
+                    <a:tint val="100000"/>
+                    <a:alpha val="74000"/>
+                  </a:schemeClr>
+                </a:innerShdw>
+              </a:effectLst>
+            </a:endParaRPr>
+          </a:p>
+          <a:p>
+            <a:pPr lvl="2"/>
+            <a:r>
+              <a:rPr lang="en-US" dirty="0" smtClean="0"/>
+              <a:t>Used </a:t>
+            </a:r>
+            <a:r>
+              <a:rPr lang="en-US" dirty="0" err="1" smtClean="0"/>
+              <a:t>sklearn.ensemble’s</a:t>
+            </a:r>
+            <a:r>
+              <a:rPr lang="en-US" dirty="0" smtClean="0"/>
+              <a:t> </a:t>
+            </a:r>
+            <a:r>
+              <a:rPr lang="en-US" dirty="0" err="1" smtClean="0"/>
+              <a:t>RandomForestClassifier</a:t>
+            </a:r>
+            <a:endParaRPr lang="en-US" dirty="0" smtClean="0"/>
+          </a:p>
+          <a:p>
+            <a:pPr lvl="2"/>
+            <a:endParaRPr lang="en-US" dirty="0"/>
+          </a:p>
+          <a:p>
+            <a:pPr lvl="2"/>
+            <a:endParaRPr lang="en-US" dirty="0" smtClean="0"/>
+          </a:p>
+          <a:p>
+            <a:pPr lvl="1"/>
+            <a:endParaRPr lang="en-US" dirty="0" smtClean="0"/>
+          </a:p>
+        </p:txBody>
+      </p:sp>
+    </p:spTree>
+    <p:extLst>
+      <p:ext uri="{BB962C8B-B14F-4D97-AF65-F5344CB8AC3E}">
+        <p14:creationId xmlns:p14="http://schemas.microsoft.com/office/powerpoint/2010/main" val="3320772778"/>
+      </p:ext>
+    </p:extLst>
+  </p:cSld>
+  <p:clrMapOvr>
+    <a:masterClrMapping/>
+  </p:clrMapOvr>
+</p:sld>
+</file>
+
+<file path=ppt/slides/slide14.xml><?xml version="1.0" encoding="utf-8"?>
+<p:sld xmlns:a="http://schemas.openxmlformats.org/drawingml/2006/main" xmlns:r="http://schemas.openxmlformats.org/officeDocument/2006/relationships" xmlns:p="http://schemas.openxmlformats.org/presentationml/2006/main">
+  <p:cSld>
+    <p:spTree>
+      <p:nvGrpSpPr>
+        <p:cNvPr id="1" name=""/>
+        <p:cNvGrpSpPr/>
+        <p:nvPr/>
+      </p:nvGrpSpPr>
+      <p:grpSpPr>
+        <a:xfrm>
+          <a:off x="0" y="0"/>
+          <a:ext cx="0" cy="0"/>
+          <a:chOff x="0" y="0"/>
+          <a:chExt cx="0" cy="0"/>
+        </a:xfrm>
+      </p:grpSpPr>
+      <p:sp>
+        <p:nvSpPr>
+          <p:cNvPr id="2" name="Title 1"/>
+          <p:cNvSpPr>
+            <a:spLocks noGrp="1"/>
+          </p:cNvSpPr>
+          <p:nvPr>
+            <p:ph type="title"/>
+          </p:nvPr>
+        </p:nvSpPr>
+        <p:spPr/>
+        <p:txBody>
+          <a:bodyPr/>
+          <a:lstStyle/>
+          <a:p>
+            <a:pPr algn="ctr"/>
+            <a:r>
+              <a:rPr lang="en-US" sz="4400" b="1" dirty="0" smtClean="0">
+                <a:ln w="17780" cmpd="sng">
+                  <a:solidFill>
+                    <a:schemeClr val="accent1">
+                      <a:tint val="3000"/>
+                    </a:schemeClr>
+                  </a:solidFill>
+                  <a:prstDash val="solid"/>
+                  <a:miter lim="800000"/>
+                </a:ln>
+                <a:gradFill>
+                  <a:gsLst>
+                    <a:gs pos="10000">
+                      <a:schemeClr val="accent1">
+                        <a:tint val="63000"/>
+                        <a:sat val="105000"/>
+                      </a:schemeClr>
+                    </a:gs>
+                    <a:gs pos="90000">
+                      <a:schemeClr val="accent1">
+                        <a:shade val="50000"/>
+                        <a:satMod val="100000"/>
+                      </a:schemeClr>
+                    </a:gs>
+                  </a:gsLst>
+                  <a:lin ang="5400000"/>
+                </a:gradFill>
+                <a:effectLst>
+                  <a:outerShdw blurRad="55000" dist="50800" dir="5400000" algn="tl">
+                    <a:srgbClr val="000000">
+                      <a:alpha val="33000"/>
+                    </a:srgbClr>
+                  </a:outerShdw>
+                </a:effectLst>
+              </a:rPr>
+              <a:t>Random Forest Code Snippet</a:t>
+            </a:r>
+            <a:endParaRPr lang="en-US" dirty="0"/>
+          </a:p>
+        </p:txBody>
+      </p:sp>
+      <p:sp>
+        <p:nvSpPr>
+          <p:cNvPr id="3" name="Content Placeholder 2"/>
+          <p:cNvSpPr>
+            <a:spLocks noGrp="1"/>
+          </p:cNvSpPr>
+          <p:nvPr>
+            <p:ph idx="1"/>
+          </p:nvPr>
+        </p:nvSpPr>
+        <p:spPr/>
+        <p:txBody>
+          <a:bodyPr>
+            <a:normAutofit/>
+          </a:bodyPr>
+          <a:lstStyle/>
+          <a:p>
+            <a:r>
+              <a:rPr lang="en-US" b="1" dirty="0" smtClean="0">
+                <a:ln w="24500" cmpd="dbl">
+                  <a:solidFill>
+                    <a:schemeClr val="accent2">
+                      <a:shade val="85000"/>
+                      <a:satMod val="155000"/>
+                    </a:schemeClr>
+                  </a:solidFill>
+                  <a:prstDash val="solid"/>
+                  <a:miter lim="800000"/>
+                </a:ln>
+                <a:gradFill>
+                  <a:gsLst>
+                    <a:gs pos="10000">
+                      <a:schemeClr val="accent2">
+                        <a:tint val="10000"/>
+                        <a:satMod val="155000"/>
+                      </a:schemeClr>
+                    </a:gs>
+                    <a:gs pos="60000">
+                      <a:schemeClr val="accent2">
+                        <a:tint val="30000"/>
+                        <a:satMod val="155000"/>
+                      </a:schemeClr>
+                    </a:gs>
+                    <a:gs pos="100000">
+                      <a:schemeClr val="accent2">
+                        <a:tint val="73000"/>
+                        <a:satMod val="155000"/>
+                      </a:schemeClr>
+                    </a:gs>
+                  </a:gsLst>
+                  <a:lin ang="5400000"/>
+                </a:gradFill>
+                <a:effectLst>
+                  <a:outerShdw blurRad="38100" dist="38100" dir="7020000" algn="tl">
+                    <a:srgbClr val="000000">
+                      <a:alpha val="35000"/>
+                    </a:srgbClr>
+                  </a:outerShdw>
+                </a:effectLst>
+              </a:rPr>
+              <a:t>Random Forest</a:t>
+            </a:r>
+            <a:r>
+              <a:rPr lang="en-US" sz="2600" dirty="0" smtClean="0"/>
+              <a:t>:</a:t>
+            </a:r>
+          </a:p>
+          <a:p>
+            <a:pPr lvl="1"/>
+            <a:r>
+              <a:rPr lang="en-US" sz="2200" dirty="0" smtClean="0"/>
+              <a:t>Used </a:t>
+            </a:r>
+            <a:r>
+              <a:rPr lang="en-US" sz="2200" dirty="0" err="1" smtClean="0"/>
+              <a:t>sklearn.grid_search’s</a:t>
+            </a:r>
+            <a:r>
+              <a:rPr lang="en-US" sz="2200" dirty="0" smtClean="0"/>
+              <a:t> </a:t>
+            </a:r>
+            <a:r>
+              <a:rPr lang="en-US" sz="2200" dirty="0" err="1" smtClean="0"/>
+              <a:t>GridSearchCV</a:t>
+            </a:r>
+            <a:r>
+              <a:rPr lang="en-US" sz="2200" dirty="0" smtClean="0"/>
+              <a:t> to experiment with various numbers of trees</a:t>
+            </a:r>
+          </a:p>
+          <a:p>
+            <a:pPr lvl="1"/>
+            <a:r>
+              <a:rPr lang="en-US" sz="2200" dirty="0" smtClean="0"/>
+              <a:t>Chose the number of trees that produced the best ROC AUC Curve score on a 5 fold Cross Validation of train/test data</a:t>
+            </a:r>
+            <a:endParaRPr lang="en-US" sz="2200" dirty="0"/>
+          </a:p>
+          <a:p>
+            <a:pPr lvl="1"/>
+            <a:r>
+              <a:rPr lang="en-US" sz="2200" dirty="0" smtClean="0"/>
+              <a:t>After the number of trees was determined, used </a:t>
+            </a:r>
+            <a:r>
+              <a:rPr lang="en-US" sz="2200" dirty="0" err="1"/>
+              <a:t>train_test_split</a:t>
+            </a:r>
+            <a:r>
+              <a:rPr lang="en-US" sz="2200" dirty="0"/>
+              <a:t> to divide the data into test and training </a:t>
+            </a:r>
+            <a:r>
+              <a:rPr lang="en-US" sz="2200" dirty="0" smtClean="0"/>
+              <a:t>datasets and ran the models. </a:t>
+            </a:r>
+          </a:p>
+          <a:p>
+            <a:pPr lvl="1"/>
+            <a:r>
+              <a:rPr lang="en-US" sz="2200" dirty="0" smtClean="0"/>
+              <a:t>This was the model that the </a:t>
+            </a:r>
+            <a:r>
+              <a:rPr lang="en-US" sz="2200" dirty="0" err="1" smtClean="0"/>
+              <a:t>Kaggle</a:t>
+            </a:r>
+            <a:r>
+              <a:rPr lang="en-US" sz="2200" dirty="0" smtClean="0"/>
+              <a:t> predictions were based on.</a:t>
+            </a:r>
+            <a:endParaRPr lang="en-US" sz="2200" dirty="0"/>
+          </a:p>
+          <a:p>
+            <a:endParaRPr lang="en-US" sz="2600" dirty="0" smtClean="0"/>
+          </a:p>
+          <a:p>
+            <a:pPr marL="36576" indent="0">
+              <a:buNone/>
+            </a:pPr>
+            <a:endParaRPr lang="en-US" sz="2600" dirty="0"/>
+          </a:p>
+          <a:p>
+            <a:endParaRPr lang="en-US" dirty="0" smtClean="0"/>
+          </a:p>
+          <a:p>
+            <a:pPr marL="448056" lvl="1" indent="0">
+              <a:buNone/>
+            </a:pPr>
+            <a:endParaRPr lang="en-US" dirty="0" smtClean="0"/>
+          </a:p>
+          <a:p>
+            <a:pPr lvl="1"/>
+            <a:endParaRPr lang="en-US" dirty="0" smtClean="0"/>
+          </a:p>
+        </p:txBody>
+      </p:sp>
+    </p:spTree>
+    <p:extLst>
+      <p:ext uri="{BB962C8B-B14F-4D97-AF65-F5344CB8AC3E}">
+        <p14:creationId xmlns:p14="http://schemas.microsoft.com/office/powerpoint/2010/main" val="758339457"/>
+      </p:ext>
+    </p:extLst>
+  </p:cSld>
+  <p:clrMapOvr>
+    <a:masterClrMapping/>
+  </p:clrMapOvr>
+</p:sld>
+</file>
+
+<file path=ppt/slides/slide15.xml><?xml version="1.0" encoding="utf-8"?>
+<p:sld xmlns:a="http://schemas.openxmlformats.org/drawingml/2006/main" xmlns:r="http://schemas.openxmlformats.org/officeDocument/2006/relationships" xmlns:p="http://schemas.openxmlformats.org/presentationml/2006/main">
+  <p:cSld>
+    <p:spTree>
+      <p:nvGrpSpPr>
+        <p:cNvPr id="1" name=""/>
+        <p:cNvGrpSpPr/>
+        <p:nvPr/>
+      </p:nvGrpSpPr>
+      <p:grpSpPr>
+        <a:xfrm>
+          <a:off x="0" y="0"/>
+          <a:ext cx="0" cy="0"/>
+          <a:chOff x="0" y="0"/>
+          <a:chExt cx="0" cy="0"/>
+        </a:xfrm>
+      </p:grpSpPr>
+      <p:sp>
+        <p:nvSpPr>
+          <p:cNvPr id="2" name="Title 1"/>
+          <p:cNvSpPr>
+            <a:spLocks noGrp="1"/>
+          </p:cNvSpPr>
+          <p:nvPr>
+            <p:ph type="title"/>
+          </p:nvPr>
+        </p:nvSpPr>
+        <p:spPr/>
+        <p:txBody>
+          <a:bodyPr/>
+          <a:lstStyle/>
+          <a:p>
+            <a:pPr algn="ctr"/>
+            <a:r>
+              <a:rPr lang="en-US" sz="4800" b="1" dirty="0" smtClean="0">
+                <a:ln w="17780" cmpd="sng">
+                  <a:solidFill>
+                    <a:schemeClr val="accent1">
+                      <a:tint val="3000"/>
+                    </a:schemeClr>
+                  </a:solidFill>
+                  <a:prstDash val="solid"/>
+                  <a:miter lim="800000"/>
+                </a:ln>
+                <a:gradFill>
+                  <a:gsLst>
+                    <a:gs pos="10000">
+                      <a:schemeClr val="accent1">
+                        <a:tint val="63000"/>
+                        <a:sat val="105000"/>
+                      </a:schemeClr>
+                    </a:gs>
+                    <a:gs pos="90000">
+                      <a:schemeClr val="accent1">
+                        <a:shade val="50000"/>
+                        <a:satMod val="100000"/>
+                      </a:schemeClr>
+                    </a:gs>
+                  </a:gsLst>
+                  <a:lin ang="5400000"/>
+                </a:gradFill>
+                <a:effectLst>
+                  <a:outerShdw blurRad="55000" dist="50800" dir="5400000" algn="tl">
+                    <a:srgbClr val="000000">
+                      <a:alpha val="33000"/>
+                    </a:srgbClr>
+                  </a:outerShdw>
+                </a:effectLst>
+              </a:rPr>
+              <a:t>Test Results</a:t>
+            </a:r>
+            <a:endParaRPr lang="en-US" dirty="0"/>
+          </a:p>
+        </p:txBody>
+      </p:sp>
+      <p:graphicFrame>
+        <p:nvGraphicFramePr>
+          <p:cNvPr id="5" name="Content Placeholder 4"/>
+          <p:cNvGraphicFramePr>
+            <a:graphicFrameLocks noGrp="1"/>
+          </p:cNvGraphicFramePr>
+          <p:nvPr>
+            <p:ph idx="1"/>
+            <p:extLst>
+              <p:ext uri="{D42A27DB-BD31-4B8C-83A1-F6EECF244321}">
+                <p14:modId xmlns:p14="http://schemas.microsoft.com/office/powerpoint/2010/main" val="1001070709"/>
+              </p:ext>
+            </p:extLst>
+          </p:nvPr>
+        </p:nvGraphicFramePr>
+        <p:xfrm>
+          <a:off x="578678" y="1600198"/>
+          <a:ext cx="7096539" cy="4517888"/>
+        </p:xfrm>
+        <a:graphic>
+          <a:graphicData uri="http://schemas.openxmlformats.org/drawingml/2006/table">
+            <a:tbl>
+              <a:tblPr firstRow="1" bandRow="1">
+                <a:tableStyleId>{6E25E649-3F16-4E02-A733-19D2CDBF48F0}</a:tableStyleId>
+              </a:tblPr>
+              <a:tblGrid>
+                <a:gridCol w="1265583"/>
+                <a:gridCol w="2009913"/>
+                <a:gridCol w="1766956"/>
+                <a:gridCol w="2054087"/>
+              </a:tblGrid>
+              <a:tr h="564736">
+                <a:tc>
+                  <a:txBody>
+                    <a:bodyPr/>
+                    <a:lstStyle/>
+                    <a:p>
+                      <a:r>
+                        <a:rPr lang="en-US" dirty="0" smtClean="0"/>
+                        <a:t>Subject</a:t>
+                      </a:r>
+                      <a:endParaRPr lang="en-US" dirty="0"/>
+                    </a:p>
+                  </a:txBody>
+                  <a:tcPr/>
+                </a:tc>
+                <a:tc>
+                  <a:txBody>
+                    <a:bodyPr/>
+                    <a:lstStyle/>
+                    <a:p>
+                      <a:r>
+                        <a:rPr lang="en-US" dirty="0" smtClean="0"/>
+                        <a:t>Number of Trees</a:t>
+                      </a:r>
+                      <a:endParaRPr lang="en-US" dirty="0"/>
+                    </a:p>
+                  </a:txBody>
+                  <a:tcPr/>
+                </a:tc>
+                <a:tc>
+                  <a:txBody>
+                    <a:bodyPr/>
+                    <a:lstStyle/>
+                    <a:p>
+                      <a:r>
+                        <a:rPr lang="en-US" dirty="0" smtClean="0"/>
+                        <a:t>Random</a:t>
+                      </a:r>
+                      <a:r>
+                        <a:rPr lang="en-US" baseline="0" dirty="0" smtClean="0"/>
+                        <a:t> State</a:t>
+                      </a:r>
+                      <a:endParaRPr lang="en-US" dirty="0"/>
+                    </a:p>
+                  </a:txBody>
+                  <a:tcPr/>
+                </a:tc>
+                <a:tc>
+                  <a:txBody>
+                    <a:bodyPr/>
+                    <a:lstStyle/>
+                    <a:p>
+                      <a:r>
+                        <a:rPr lang="en-US" dirty="0" smtClean="0"/>
+                        <a:t>ROC AUC Curve</a:t>
+                      </a:r>
+                      <a:endParaRPr lang="en-US" dirty="0"/>
+                    </a:p>
+                  </a:txBody>
+                  <a:tcPr/>
+                </a:tc>
+              </a:tr>
+              <a:tr h="564736">
+                <a:tc>
+                  <a:txBody>
+                    <a:bodyPr/>
+                    <a:lstStyle/>
+                    <a:p>
+                      <a:r>
+                        <a:rPr lang="en-US" dirty="0" smtClean="0"/>
+                        <a:t>Dog_1</a:t>
+                      </a:r>
+                      <a:endParaRPr lang="en-US" dirty="0"/>
+                    </a:p>
+                  </a:txBody>
+                  <a:tcPr/>
+                </a:tc>
+                <a:tc>
+                  <a:txBody>
+                    <a:bodyPr/>
+                    <a:lstStyle/>
+                    <a:p>
+                      <a:pPr algn="ctr"/>
+                      <a:r>
+                        <a:rPr lang="en-US" dirty="0" smtClean="0"/>
+                        <a:t>60</a:t>
+                      </a:r>
+                      <a:endParaRPr lang="en-US" dirty="0"/>
+                    </a:p>
+                  </a:txBody>
+                  <a:tcPr/>
+                </a:tc>
+                <a:tc>
+                  <a:txBody>
+                    <a:bodyPr/>
+                    <a:lstStyle/>
+                    <a:p>
+                      <a:pPr algn="ctr"/>
+                      <a:r>
+                        <a:rPr lang="en-US" dirty="0" smtClean="0"/>
+                        <a:t>1</a:t>
+                      </a:r>
+                      <a:endParaRPr lang="en-US" dirty="0"/>
+                    </a:p>
+                  </a:txBody>
+                  <a:tcPr/>
+                </a:tc>
+                <a:tc>
+                  <a:txBody>
+                    <a:bodyPr/>
+                    <a:lstStyle/>
+                    <a:p>
+                      <a:pPr marL="0" marR="0" indent="0" algn="ctr" defTabSz="914400" rtl="0" eaLnBrk="1" fontAlgn="auto" latinLnBrk="0" hangingPunct="1">
+                        <a:lnSpc>
+                          <a:spcPct val="100000"/>
+                        </a:lnSpc>
+                        <a:spcBef>
+                          <a:spcPts val="0"/>
+                        </a:spcBef>
+                        <a:spcAft>
+                          <a:spcPts val="0"/>
+                        </a:spcAft>
+                        <a:buClrTx/>
+                        <a:buSzTx/>
+                        <a:buFontTx/>
+                        <a:buNone/>
+                        <a:tabLst/>
+                        <a:defRPr/>
+                      </a:pPr>
+                      <a:r>
+                        <a:rPr lang="en-US" dirty="0" smtClean="0"/>
+                        <a:t>0.82202 </a:t>
+                      </a:r>
+                    </a:p>
+                  </a:txBody>
+                  <a:tcPr/>
+                </a:tc>
+              </a:tr>
+              <a:tr h="564736">
+                <a:tc>
+                  <a:txBody>
+                    <a:bodyPr/>
+                    <a:lstStyle/>
+                    <a:p>
+                      <a:r>
+                        <a:rPr lang="en-US" dirty="0" smtClean="0"/>
+                        <a:t>Dog_2</a:t>
+                      </a:r>
+                      <a:endParaRPr lang="en-US" dirty="0"/>
+                    </a:p>
+                  </a:txBody>
+                  <a:tcPr/>
+                </a:tc>
+                <a:tc>
+                  <a:txBody>
+                    <a:bodyPr/>
+                    <a:lstStyle/>
+                    <a:p>
+                      <a:pPr algn="ctr"/>
+                      <a:r>
+                        <a:rPr lang="en-US" dirty="0" smtClean="0"/>
+                        <a:t>30</a:t>
+                      </a:r>
+                      <a:endParaRPr lang="en-US" dirty="0"/>
+                    </a:p>
+                  </a:txBody>
+                  <a:tcPr/>
+                </a:tc>
+                <a:tc>
+                  <a:txBody>
+                    <a:bodyPr/>
+                    <a:lstStyle/>
+                    <a:p>
+                      <a:pPr algn="ctr"/>
+                      <a:r>
+                        <a:rPr lang="en-US" dirty="0" smtClean="0"/>
+                        <a:t>1</a:t>
+                      </a:r>
+                      <a:endParaRPr lang="en-US" dirty="0"/>
+                    </a:p>
+                  </a:txBody>
+                  <a:tcPr/>
+                </a:tc>
+                <a:tc>
+                  <a:txBody>
+                    <a:bodyPr/>
+                    <a:lstStyle/>
+                    <a:p>
+                      <a:pPr marL="0" marR="0" indent="0" algn="ctr" defTabSz="914400" rtl="0" eaLnBrk="1" fontAlgn="auto" latinLnBrk="0" hangingPunct="1">
+                        <a:lnSpc>
+                          <a:spcPct val="100000"/>
+                        </a:lnSpc>
+                        <a:spcBef>
+                          <a:spcPts val="0"/>
+                        </a:spcBef>
+                        <a:spcAft>
+                          <a:spcPts val="0"/>
+                        </a:spcAft>
+                        <a:buClrTx/>
+                        <a:buSzTx/>
+                        <a:buFontTx/>
+                        <a:buNone/>
+                        <a:tabLst/>
+                        <a:defRPr/>
+                      </a:pPr>
+                      <a:r>
+                        <a:rPr lang="en-US" dirty="0" smtClean="0"/>
+                        <a:t>0.92927</a:t>
+                      </a:r>
+                    </a:p>
+                  </a:txBody>
+                  <a:tcPr/>
+                </a:tc>
+              </a:tr>
+              <a:tr h="564736">
+                <a:tc>
+                  <a:txBody>
+                    <a:bodyPr/>
+                    <a:lstStyle/>
+                    <a:p>
+                      <a:r>
+                        <a:rPr lang="en-US" dirty="0" smtClean="0"/>
+                        <a:t>Dog_3</a:t>
+                      </a:r>
+                      <a:endParaRPr lang="en-US" dirty="0"/>
+                    </a:p>
+                  </a:txBody>
+                  <a:tcPr/>
+                </a:tc>
+                <a:tc>
+                  <a:txBody>
+                    <a:bodyPr/>
+                    <a:lstStyle/>
+                    <a:p>
+                      <a:pPr algn="ctr"/>
+                      <a:r>
+                        <a:rPr lang="en-US" dirty="0" smtClean="0"/>
+                        <a:t>50</a:t>
+                      </a:r>
+                      <a:endParaRPr lang="en-US" dirty="0"/>
+                    </a:p>
+                  </a:txBody>
+                  <a:tcPr/>
+                </a:tc>
+                <a:tc>
+                  <a:txBody>
+                    <a:bodyPr/>
+                    <a:lstStyle/>
+                    <a:p>
+                      <a:pPr algn="ctr"/>
+                      <a:r>
+                        <a:rPr lang="en-US" dirty="0" smtClean="0"/>
+                        <a:t>1</a:t>
+                      </a:r>
+                      <a:endParaRPr lang="en-US" dirty="0"/>
+                    </a:p>
+                  </a:txBody>
+                  <a:tcPr/>
+                </a:tc>
+                <a:tc>
+                  <a:txBody>
+                    <a:bodyPr/>
+                    <a:lstStyle/>
+                    <a:p>
+                      <a:pPr algn="ctr"/>
+                      <a:r>
+                        <a:rPr lang="en-US" dirty="0" smtClean="0"/>
+                        <a:t>0.87484</a:t>
+                      </a:r>
+                      <a:endParaRPr lang="en-US" dirty="0"/>
+                    </a:p>
+                  </a:txBody>
+                  <a:tcPr/>
+                </a:tc>
+              </a:tr>
+              <a:tr h="564736">
+                <a:tc>
+                  <a:txBody>
+                    <a:bodyPr/>
+                    <a:lstStyle/>
+                    <a:p>
+                      <a:r>
+                        <a:rPr lang="en-US" dirty="0" smtClean="0"/>
+                        <a:t>Dog_4</a:t>
+                      </a:r>
+                      <a:endParaRPr lang="en-US" dirty="0"/>
+                    </a:p>
+                  </a:txBody>
+                  <a:tcPr/>
+                </a:tc>
+                <a:tc>
+                  <a:txBody>
+                    <a:bodyPr/>
+                    <a:lstStyle/>
+                    <a:p>
+                      <a:pPr algn="ctr"/>
+                      <a:r>
+                        <a:rPr lang="en-US" dirty="0" smtClean="0"/>
+                        <a:t>40</a:t>
+                      </a:r>
+                      <a:endParaRPr lang="en-US" dirty="0"/>
+                    </a:p>
+                  </a:txBody>
+                  <a:tcPr/>
+                </a:tc>
+                <a:tc>
+                  <a:txBody>
+                    <a:bodyPr/>
+                    <a:lstStyle/>
+                    <a:p>
+                      <a:pPr algn="ctr"/>
+                      <a:r>
+                        <a:rPr lang="en-US" dirty="0" smtClean="0"/>
+                        <a:t>1</a:t>
+                      </a:r>
+                      <a:endParaRPr lang="en-US" dirty="0"/>
+                    </a:p>
+                  </a:txBody>
+                  <a:tcPr/>
+                </a:tc>
+                <a:tc>
+                  <a:txBody>
+                    <a:bodyPr/>
+                    <a:lstStyle/>
+                    <a:p>
+                      <a:pPr algn="ctr"/>
+                      <a:r>
+                        <a:rPr lang="en-US" dirty="0" smtClean="0"/>
+                        <a:t>0.86558</a:t>
+                      </a:r>
+                      <a:endParaRPr lang="en-US" dirty="0"/>
+                    </a:p>
+                  </a:txBody>
+                  <a:tcPr/>
+                </a:tc>
+              </a:tr>
+              <a:tr h="564736">
+                <a:tc>
+                  <a:txBody>
+                    <a:bodyPr/>
+                    <a:lstStyle/>
+                    <a:p>
+                      <a:r>
+                        <a:rPr lang="en-US" dirty="0" smtClean="0"/>
+                        <a:t>Dog_5</a:t>
+                      </a:r>
+                      <a:endParaRPr lang="en-US" dirty="0"/>
+                    </a:p>
+                  </a:txBody>
+                  <a:tcPr/>
+                </a:tc>
+                <a:tc>
+                  <a:txBody>
+                    <a:bodyPr/>
+                    <a:lstStyle/>
+                    <a:p>
+                      <a:pPr algn="ctr"/>
+                      <a:r>
+                        <a:rPr lang="en-US" dirty="0" smtClean="0"/>
+                        <a:t>30</a:t>
+                      </a:r>
+                      <a:endParaRPr lang="en-US" dirty="0"/>
+                    </a:p>
+                  </a:txBody>
+                  <a:tcPr/>
+                </a:tc>
+                <a:tc>
+                  <a:txBody>
+                    <a:bodyPr/>
+                    <a:lstStyle/>
+                    <a:p>
+                      <a:pPr algn="ctr"/>
+                      <a:r>
+                        <a:rPr lang="en-US" dirty="0" smtClean="0"/>
+                        <a:t>1</a:t>
+                      </a:r>
+                      <a:endParaRPr lang="en-US" dirty="0"/>
+                    </a:p>
+                  </a:txBody>
+                  <a:tcPr/>
+                </a:tc>
+                <a:tc>
+                  <a:txBody>
+                    <a:bodyPr/>
+                    <a:lstStyle/>
+                    <a:p>
+                      <a:pPr algn="ctr"/>
+                      <a:r>
+                        <a:rPr lang="en-US" dirty="0" smtClean="0"/>
+                        <a:t>0.98432</a:t>
+                      </a:r>
+                      <a:endParaRPr lang="en-US" dirty="0"/>
+                    </a:p>
+                  </a:txBody>
+                  <a:tcPr/>
+                </a:tc>
+              </a:tr>
+              <a:tr h="564736">
+                <a:tc>
+                  <a:txBody>
+                    <a:bodyPr/>
+                    <a:lstStyle/>
+                    <a:p>
+                      <a:r>
+                        <a:rPr lang="en-US" dirty="0" smtClean="0"/>
+                        <a:t>Patient_1</a:t>
+                      </a:r>
+                      <a:endParaRPr lang="en-US" dirty="0"/>
+                    </a:p>
+                  </a:txBody>
+                  <a:tcPr/>
+                </a:tc>
+                <a:tc>
+                  <a:txBody>
+                    <a:bodyPr/>
+                    <a:lstStyle/>
+                    <a:p>
+                      <a:pPr algn="ctr"/>
+                      <a:r>
+                        <a:rPr lang="en-US" dirty="0" smtClean="0"/>
+                        <a:t>40</a:t>
+                      </a:r>
+                      <a:endParaRPr lang="en-US" dirty="0"/>
+                    </a:p>
+                  </a:txBody>
+                  <a:tcPr/>
+                </a:tc>
+                <a:tc>
+                  <a:txBody>
+                    <a:bodyPr/>
+                    <a:lstStyle/>
+                    <a:p>
+                      <a:pPr algn="ctr"/>
+                      <a:r>
+                        <a:rPr lang="en-US" dirty="0" smtClean="0"/>
+                        <a:t>1</a:t>
+                      </a:r>
+                      <a:endParaRPr lang="en-US" dirty="0"/>
+                    </a:p>
+                  </a:txBody>
+                  <a:tcPr/>
+                </a:tc>
+                <a:tc>
+                  <a:txBody>
+                    <a:bodyPr/>
+                    <a:lstStyle/>
+                    <a:p>
+                      <a:pPr algn="ctr"/>
+                      <a:r>
+                        <a:rPr lang="en-US" dirty="0" smtClean="0"/>
+                        <a:t>1.00000</a:t>
+                      </a:r>
+                      <a:endParaRPr lang="en-US" dirty="0"/>
+                    </a:p>
+                  </a:txBody>
+                  <a:tcPr/>
+                </a:tc>
+              </a:tr>
+              <a:tr h="564736">
+                <a:tc>
+                  <a:txBody>
+                    <a:bodyPr/>
+                    <a:lstStyle/>
+                    <a:p>
+                      <a:pPr marL="0" marR="0" indent="0" algn="l" defTabSz="914400" rtl="0" eaLnBrk="1" fontAlgn="auto" latinLnBrk="0" hangingPunct="1">
+                        <a:lnSpc>
+                          <a:spcPct val="100000"/>
+                        </a:lnSpc>
+                        <a:spcBef>
+                          <a:spcPts val="0"/>
+                        </a:spcBef>
+                        <a:spcAft>
+                          <a:spcPts val="0"/>
+                        </a:spcAft>
+                        <a:buClrTx/>
+                        <a:buSzTx/>
+                        <a:buFontTx/>
+                        <a:buNone/>
+                        <a:tabLst/>
+                        <a:defRPr/>
+                      </a:pPr>
+                      <a:r>
+                        <a:rPr lang="en-US" dirty="0" smtClean="0"/>
+                        <a:t>Patient_2</a:t>
+                      </a:r>
+                    </a:p>
+                  </a:txBody>
+                  <a:tcPr/>
+                </a:tc>
+                <a:tc>
+                  <a:txBody>
+                    <a:bodyPr/>
+                    <a:lstStyle/>
+                    <a:p>
+                      <a:pPr algn="ctr"/>
+                      <a:r>
+                        <a:rPr lang="en-US" dirty="0" smtClean="0"/>
+                        <a:t>40</a:t>
+                      </a:r>
+                      <a:endParaRPr lang="en-US" dirty="0"/>
+                    </a:p>
+                  </a:txBody>
+                  <a:tcPr/>
+                </a:tc>
+                <a:tc>
+                  <a:txBody>
+                    <a:bodyPr/>
+                    <a:lstStyle/>
+                    <a:p>
+                      <a:pPr algn="ctr"/>
+                      <a:r>
+                        <a:rPr lang="en-US" dirty="0" smtClean="0"/>
+                        <a:t>1</a:t>
+                      </a:r>
+                      <a:endParaRPr lang="en-US" dirty="0"/>
+                    </a:p>
+                  </a:txBody>
+                  <a:tcPr/>
+                </a:tc>
+                <a:tc>
+                  <a:txBody>
+                    <a:bodyPr/>
+                    <a:lstStyle/>
+                    <a:p>
+                      <a:pPr algn="ctr"/>
+                      <a:r>
+                        <a:rPr lang="en-US" dirty="0" smtClean="0"/>
+                        <a:t>0.88461</a:t>
+                      </a:r>
+                      <a:endParaRPr lang="en-US" dirty="0"/>
+                    </a:p>
+                  </a:txBody>
+                  <a:tcPr/>
+                </a:tc>
+              </a:tr>
+            </a:tbl>
+          </a:graphicData>
+        </a:graphic>
+      </p:graphicFrame>
+    </p:spTree>
+    <p:extLst>
+      <p:ext uri="{BB962C8B-B14F-4D97-AF65-F5344CB8AC3E}">
+        <p14:creationId xmlns:p14="http://schemas.microsoft.com/office/powerpoint/2010/main" val="2806786682"/>
+      </p:ext>
+    </p:extLst>
+  </p:cSld>
+  <p:clrMapOvr>
+    <a:masterClrMapping/>
+  </p:clrMapOvr>
+</p:sld>
+</file>
+
+<file path=ppt/slides/slide16.xml><?xml version="1.0" encoding="utf-8"?>
+<p:sld xmlns:a="http://schemas.openxmlformats.org/drawingml/2006/main" xmlns:r="http://schemas.openxmlformats.org/officeDocument/2006/relationships" xmlns:p="http://schemas.openxmlformats.org/presentationml/2006/main">
+  <p:cSld>
+    <p:spTree>
+      <p:nvGrpSpPr>
+        <p:cNvPr id="1" name=""/>
+        <p:cNvGrpSpPr/>
+        <p:nvPr/>
+      </p:nvGrpSpPr>
+      <p:grpSpPr>
+        <a:xfrm>
+          <a:off x="0" y="0"/>
+          <a:ext cx="0" cy="0"/>
+          <a:chOff x="0" y="0"/>
+          <a:chExt cx="0" cy="0"/>
+        </a:xfrm>
+      </p:grpSpPr>
+      <p:sp>
+        <p:nvSpPr>
+          <p:cNvPr id="2" name="Title 1"/>
+          <p:cNvSpPr>
+            <a:spLocks noGrp="1"/>
+          </p:cNvSpPr>
+          <p:nvPr>
+            <p:ph type="title"/>
+          </p:nvPr>
+        </p:nvSpPr>
+        <p:spPr/>
+        <p:txBody>
+          <a:bodyPr/>
+          <a:lstStyle/>
+          <a:p>
+            <a:pPr algn="ctr"/>
+            <a:r>
+              <a:rPr lang="en-US" sz="4800" b="1" dirty="0" smtClean="0">
+                <a:ln w="17780" cmpd="sng">
+                  <a:solidFill>
+                    <a:schemeClr val="accent1">
+                      <a:tint val="3000"/>
+                    </a:schemeClr>
+                  </a:solidFill>
+                  <a:prstDash val="solid"/>
+                  <a:miter lim="800000"/>
+                </a:ln>
+                <a:gradFill>
+                  <a:gsLst>
+                    <a:gs pos="10000">
+                      <a:schemeClr val="accent1">
+                        <a:tint val="63000"/>
+                        <a:sat val="105000"/>
+                      </a:schemeClr>
+                    </a:gs>
+                    <a:gs pos="90000">
+                      <a:schemeClr val="accent1">
+                        <a:shade val="50000"/>
+                        <a:satMod val="100000"/>
+                      </a:schemeClr>
+                    </a:gs>
+                  </a:gsLst>
+                  <a:lin ang="5400000"/>
+                </a:gradFill>
+                <a:effectLst>
+                  <a:outerShdw blurRad="55000" dist="50800" dir="5400000" algn="tl">
+                    <a:srgbClr val="000000">
+                      <a:alpha val="33000"/>
+                    </a:srgbClr>
+                  </a:outerShdw>
+                </a:effectLst>
+              </a:rPr>
+              <a:t>Conclusion</a:t>
+            </a:r>
+            <a:endParaRPr lang="en-US" dirty="0"/>
+          </a:p>
+        </p:txBody>
+      </p:sp>
+      <p:sp>
+        <p:nvSpPr>
+          <p:cNvPr id="3" name="Content Placeholder 2"/>
+          <p:cNvSpPr>
+            <a:spLocks noGrp="1"/>
+          </p:cNvSpPr>
+          <p:nvPr>
+            <p:ph idx="1"/>
+          </p:nvPr>
+        </p:nvSpPr>
+        <p:spPr/>
+        <p:txBody>
+          <a:bodyPr>
+            <a:normAutofit fontScale="85000" lnSpcReduction="10000"/>
+          </a:bodyPr>
+          <a:lstStyle/>
+          <a:p>
+            <a:r>
+              <a:rPr lang="en-US" dirty="0" smtClean="0"/>
+              <a:t>The winning ROC AUC score was circa .84. </a:t>
+            </a:r>
+            <a:endParaRPr lang="en-US" dirty="0" smtClean="0"/>
+          </a:p>
+          <a:p>
+            <a:r>
+              <a:rPr lang="en-US" dirty="0" smtClean="0"/>
+              <a:t>My </a:t>
+            </a:r>
+            <a:r>
+              <a:rPr lang="en-US" dirty="0" smtClean="0"/>
+              <a:t>ROC AUC score for the </a:t>
+            </a:r>
+            <a:r>
+              <a:rPr lang="en-US" dirty="0" err="1" smtClean="0"/>
+              <a:t>Kaggle</a:t>
+            </a:r>
+            <a:r>
+              <a:rPr lang="en-US" dirty="0" smtClean="0"/>
+              <a:t> competition was only .54. </a:t>
+            </a:r>
+            <a:endParaRPr lang="en-US" dirty="0" smtClean="0"/>
+          </a:p>
+          <a:p>
+            <a:r>
+              <a:rPr lang="en-US" dirty="0" smtClean="0"/>
+              <a:t>The </a:t>
+            </a:r>
+            <a:r>
+              <a:rPr lang="en-US" dirty="0" smtClean="0"/>
+              <a:t>ROC AUC values that were recorded for each subject using data from the train/test split were much better. </a:t>
+            </a:r>
+            <a:endParaRPr lang="en-US" dirty="0" smtClean="0"/>
+          </a:p>
+          <a:p>
+            <a:r>
+              <a:rPr lang="en-US" dirty="0" smtClean="0"/>
+              <a:t>Not </a:t>
+            </a:r>
+            <a:r>
+              <a:rPr lang="en-US" dirty="0" smtClean="0"/>
+              <a:t>sure what the cause of the discrepancy between my scores on my test data versus my score on the </a:t>
+            </a:r>
+            <a:r>
+              <a:rPr lang="en-US" dirty="0" err="1" smtClean="0"/>
+              <a:t>Kaggle’s</a:t>
+            </a:r>
+            <a:r>
+              <a:rPr lang="en-US" dirty="0" smtClean="0"/>
+              <a:t> test data. Possibly too much </a:t>
+            </a:r>
+            <a:r>
+              <a:rPr lang="en-US" dirty="0" err="1" smtClean="0"/>
+              <a:t>overfitting</a:t>
+            </a:r>
+            <a:r>
+              <a:rPr lang="en-US" dirty="0" smtClean="0"/>
+              <a:t> or </a:t>
+            </a:r>
+            <a:r>
+              <a:rPr lang="en-US" dirty="0" err="1" smtClean="0"/>
+              <a:t>Kaggle’s</a:t>
+            </a:r>
+            <a:r>
+              <a:rPr lang="en-US" dirty="0" smtClean="0"/>
+              <a:t> test data is not representative of their training data. </a:t>
+            </a:r>
+            <a:endParaRPr lang="en-US" dirty="0"/>
+          </a:p>
+        </p:txBody>
+      </p:sp>
+    </p:spTree>
+    <p:extLst>
+      <p:ext uri="{BB962C8B-B14F-4D97-AF65-F5344CB8AC3E}">
+        <p14:creationId xmlns:p14="http://schemas.microsoft.com/office/powerpoint/2010/main" val="3063930484"/>
+      </p:ext>
+    </p:extLst>
+  </p:cSld>
+  <p:clrMapOvr>
+    <a:masterClrMapping/>
+  </p:clrMapOvr>
+</p:sld>
+</file>
+
+<file path=ppt/slides/slide17.xml><?xml version="1.0" encoding="utf-8"?>
+<p:sld xmlns:a="http://schemas.openxmlformats.org/drawingml/2006/main" xmlns:r="http://schemas.openxmlformats.org/officeDocument/2006/relationships" xmlns:p="http://schemas.openxmlformats.org/presentationml/2006/main">
+  <p:cSld>
+    <p:spTree>
+      <p:nvGrpSpPr>
+        <p:cNvPr id="1" name=""/>
+        <p:cNvGrpSpPr/>
+        <p:nvPr/>
+      </p:nvGrpSpPr>
+      <p:grpSpPr>
+        <a:xfrm>
+          <a:off x="0" y="0"/>
+          <a:ext cx="0" cy="0"/>
+          <a:chOff x="0" y="0"/>
+          <a:chExt cx="0" cy="0"/>
+        </a:xfrm>
+      </p:grpSpPr>
+      <p:sp>
+        <p:nvSpPr>
+          <p:cNvPr id="2" name="Title 1"/>
+          <p:cNvSpPr>
+            <a:spLocks noGrp="1"/>
+          </p:cNvSpPr>
+          <p:nvPr>
+            <p:ph type="title"/>
+          </p:nvPr>
+        </p:nvSpPr>
+        <p:spPr/>
+        <p:txBody>
+          <a:bodyPr/>
+          <a:lstStyle/>
+          <a:p>
+            <a:pPr algn="ctr"/>
+            <a:r>
+              <a:rPr lang="en-US" sz="4400" b="1" dirty="0" smtClean="0">
+                <a:ln w="17780" cmpd="sng">
+                  <a:solidFill>
+                    <a:schemeClr val="accent1">
+                      <a:tint val="3000"/>
+                    </a:schemeClr>
+                  </a:solidFill>
+                  <a:prstDash val="solid"/>
+                  <a:miter lim="800000"/>
+                </a:ln>
+                <a:gradFill>
+                  <a:gsLst>
+                    <a:gs pos="10000">
+                      <a:schemeClr val="accent1">
+                        <a:tint val="63000"/>
+                        <a:sat val="105000"/>
+                      </a:schemeClr>
+                    </a:gs>
+                    <a:gs pos="90000">
+                      <a:schemeClr val="accent1">
+                        <a:shade val="50000"/>
+                        <a:satMod val="100000"/>
+                      </a:schemeClr>
+                    </a:gs>
+                  </a:gsLst>
+                  <a:lin ang="5400000"/>
+                </a:gradFill>
+                <a:effectLst>
+                  <a:outerShdw blurRad="55000" dist="50800" dir="5400000" algn="tl">
+                    <a:srgbClr val="000000">
+                      <a:alpha val="33000"/>
+                    </a:srgbClr>
+                  </a:outerShdw>
+                </a:effectLst>
+              </a:rPr>
+              <a:t>Lessons Learned</a:t>
+            </a:r>
+            <a:endParaRPr lang="en-US" dirty="0"/>
+          </a:p>
+        </p:txBody>
+      </p:sp>
+      <p:sp>
+        <p:nvSpPr>
+          <p:cNvPr id="3" name="Content Placeholder 2"/>
+          <p:cNvSpPr>
+            <a:spLocks noGrp="1"/>
+          </p:cNvSpPr>
+          <p:nvPr>
+            <p:ph idx="1"/>
+          </p:nvPr>
+        </p:nvSpPr>
+        <p:spPr/>
+        <p:txBody>
+          <a:bodyPr>
+            <a:normAutofit/>
+          </a:bodyPr>
+          <a:lstStyle/>
+          <a:p>
+            <a:r>
+              <a:rPr lang="en-US" dirty="0" smtClean="0"/>
+              <a:t>Try to avoid transformations that are not fully understood, i.e. FFT.</a:t>
+            </a:r>
+          </a:p>
+          <a:p>
+            <a:r>
+              <a:rPr lang="en-US" dirty="0" smtClean="0"/>
+              <a:t>Get something modeled early. </a:t>
+            </a:r>
+            <a:endParaRPr lang="en-US" dirty="0"/>
+          </a:p>
+          <a:p>
+            <a:r>
+              <a:rPr lang="en-US" dirty="0" smtClean="0"/>
+              <a:t>If in a </a:t>
+            </a:r>
+            <a:r>
+              <a:rPr lang="en-US" dirty="0" err="1" smtClean="0"/>
+              <a:t>Kaggle</a:t>
+            </a:r>
+            <a:r>
+              <a:rPr lang="en-US" dirty="0" smtClean="0"/>
+              <a:t> competition, try and make many submissions and use results as feedback. </a:t>
+            </a:r>
+          </a:p>
+          <a:p>
+            <a:r>
+              <a:rPr lang="en-US" dirty="0" smtClean="0"/>
+              <a:t>Have a better plan for Cross Validation and testing. Incorporate feedback from submissions into testing.</a:t>
+            </a:r>
+            <a:endParaRPr lang="en-US" dirty="0"/>
+          </a:p>
+        </p:txBody>
+      </p:sp>
+    </p:spTree>
+    <p:extLst>
+      <p:ext uri="{BB962C8B-B14F-4D97-AF65-F5344CB8AC3E}">
+        <p14:creationId xmlns:p14="http://schemas.microsoft.com/office/powerpoint/2010/main" val="177838562"/>
+      </p:ext>
+    </p:extLst>
+  </p:cSld>
+  <p:clrMapOvr>
+    <a:masterClrMapping/>
+  </p:clrMapOvr>
+</p:sld>
+</file>
+
+<file path=ppt/slides/slide2.xml><?xml version="1.0" encoding="utf-8"?>
+<p:sld xmlns:a="http://schemas.openxmlformats.org/drawingml/2006/main" xmlns:r="http://schemas.openxmlformats.org/officeDocument/2006/relationships" xmlns:p="http://schemas.openxmlformats.org/presentationml/2006/main">
+  <p:cSld>
+    <p:bg>
+      <p:bgRef idx="1001">
+        <a:schemeClr val="bg2"/>
+      </p:bgRef>
+    </p:bg>
+    <p:spTree>
+      <p:nvGrpSpPr>
+        <p:cNvPr id="1" name=""/>
+        <p:cNvGrpSpPr/>
+        <p:nvPr/>
+      </p:nvGrpSpPr>
+      <p:grpSpPr>
+        <a:xfrm>
+          <a:off x="0" y="0"/>
+          <a:ext cx="0" cy="0"/>
+          <a:chOff x="0" y="0"/>
+          <a:chExt cx="0" cy="0"/>
+        </a:xfrm>
+      </p:grpSpPr>
+      <p:sp>
+        <p:nvSpPr>
+          <p:cNvPr id="2" name="Title 1"/>
+          <p:cNvSpPr>
+            <a:spLocks noGrp="1"/>
+          </p:cNvSpPr>
+          <p:nvPr>
+            <p:ph type="title"/>
+          </p:nvPr>
+        </p:nvSpPr>
+        <p:spPr/>
+        <p:txBody>
+          <a:bodyPr>
+            <a:normAutofit/>
+          </a:bodyPr>
+          <a:lstStyle/>
+          <a:p>
+            <a:pPr algn="ctr"/>
+            <a:r>
+              <a:rPr lang="en-US" sz="4400" b="1" dirty="0" smtClean="0">
+                <a:ln w="17780" cmpd="sng">
+                  <a:solidFill>
+                    <a:schemeClr val="accent1">
+                      <a:tint val="3000"/>
+                    </a:schemeClr>
+                  </a:solidFill>
+                  <a:prstDash val="solid"/>
+                  <a:miter lim="800000"/>
+                </a:ln>
+                <a:gradFill>
+                  <a:gsLst>
+                    <a:gs pos="10000">
+                      <a:schemeClr val="accent1">
+                        <a:tint val="63000"/>
+                        <a:sat val="105000"/>
+                      </a:schemeClr>
+                    </a:gs>
+                    <a:gs pos="90000">
+                      <a:schemeClr val="accent1">
+                        <a:shade val="50000"/>
+                        <a:satMod val="100000"/>
+                      </a:schemeClr>
+                    </a:gs>
+                  </a:gsLst>
+                  <a:lin ang="5400000"/>
+                </a:gradFill>
+                <a:effectLst>
+                  <a:outerShdw blurRad="55000" dist="50800" dir="5400000" algn="tl">
+                    <a:srgbClr val="000000">
+                      <a:alpha val="33000"/>
+                    </a:srgbClr>
+                  </a:outerShdw>
+                </a:effectLst>
+                <a:latin typeface="+mn-lt"/>
+                <a:ea typeface="+mn-ea"/>
+                <a:cs typeface="+mn-cs"/>
+              </a:rPr>
+              <a:t>The </a:t>
+            </a:r>
+            <a:r>
+              <a:rPr lang="en-US" sz="4400" b="1" dirty="0" err="1" smtClean="0">
+                <a:ln w="17780" cmpd="sng">
+                  <a:solidFill>
+                    <a:schemeClr val="accent1">
+                      <a:tint val="3000"/>
+                    </a:schemeClr>
+                  </a:solidFill>
+                  <a:prstDash val="solid"/>
+                  <a:miter lim="800000"/>
+                </a:ln>
+                <a:gradFill>
+                  <a:gsLst>
+                    <a:gs pos="10000">
+                      <a:schemeClr val="accent1">
+                        <a:tint val="63000"/>
+                        <a:sat val="105000"/>
+                      </a:schemeClr>
+                    </a:gs>
+                    <a:gs pos="90000">
+                      <a:schemeClr val="accent1">
+                        <a:shade val="50000"/>
+                        <a:satMod val="100000"/>
+                      </a:schemeClr>
+                    </a:gs>
+                  </a:gsLst>
+                  <a:lin ang="5400000"/>
+                </a:gradFill>
+                <a:effectLst>
+                  <a:outerShdw blurRad="55000" dist="50800" dir="5400000" algn="tl">
+                    <a:srgbClr val="000000">
+                      <a:alpha val="33000"/>
+                    </a:srgbClr>
+                  </a:outerShdw>
+                </a:effectLst>
+                <a:latin typeface="+mn-lt"/>
+                <a:ea typeface="+mn-ea"/>
+                <a:cs typeface="+mn-cs"/>
+              </a:rPr>
+              <a:t>Kaggle</a:t>
+            </a:r>
+            <a:r>
+              <a:rPr lang="en-US" sz="4400" b="1" dirty="0" smtClean="0">
+                <a:ln w="17780" cmpd="sng">
+                  <a:solidFill>
+                    <a:schemeClr val="accent1">
+                      <a:tint val="3000"/>
+                    </a:schemeClr>
+                  </a:solidFill>
+                  <a:prstDash val="solid"/>
+                  <a:miter lim="800000"/>
+                </a:ln>
+                <a:gradFill>
+                  <a:gsLst>
+                    <a:gs pos="10000">
+                      <a:schemeClr val="accent1">
+                        <a:tint val="63000"/>
+                        <a:sat val="105000"/>
+                      </a:schemeClr>
+                    </a:gs>
+                    <a:gs pos="90000">
+                      <a:schemeClr val="accent1">
+                        <a:shade val="50000"/>
+                        <a:satMod val="100000"/>
+                      </a:schemeClr>
+                    </a:gs>
+                  </a:gsLst>
+                  <a:lin ang="5400000"/>
+                </a:gradFill>
+                <a:effectLst>
+                  <a:outerShdw blurRad="55000" dist="50800" dir="5400000" algn="tl">
+                    <a:srgbClr val="000000">
+                      <a:alpha val="33000"/>
+                    </a:srgbClr>
+                  </a:outerShdw>
+                </a:effectLst>
+                <a:latin typeface="+mn-lt"/>
+                <a:ea typeface="+mn-ea"/>
+                <a:cs typeface="+mn-cs"/>
+              </a:rPr>
+              <a:t> Competition</a:t>
+            </a:r>
+            <a:endParaRPr lang="en-US" sz="4400" b="1" dirty="0">
+              <a:ln w="17780" cmpd="sng">
+                <a:solidFill>
+                  <a:schemeClr val="accent1">
+                    <a:tint val="3000"/>
+                  </a:schemeClr>
+                </a:solidFill>
+                <a:prstDash val="solid"/>
+                <a:miter lim="800000"/>
+              </a:ln>
+              <a:gradFill>
+                <a:gsLst>
+                  <a:gs pos="10000">
+                    <a:schemeClr val="accent1">
+                      <a:tint val="63000"/>
+                      <a:sat val="105000"/>
+                    </a:schemeClr>
+                  </a:gs>
+                  <a:gs pos="90000">
+                    <a:schemeClr val="accent1">
+                      <a:shade val="50000"/>
+                      <a:satMod val="100000"/>
+                    </a:schemeClr>
+                  </a:gs>
+                </a:gsLst>
+                <a:lin ang="5400000"/>
+              </a:gradFill>
+              <a:effectLst>
+                <a:outerShdw blurRad="55000" dist="50800" dir="5400000" algn="tl">
+                  <a:srgbClr val="000000">
+                    <a:alpha val="33000"/>
+                  </a:srgbClr>
+                </a:outerShdw>
+              </a:effectLst>
+              <a:latin typeface="+mn-lt"/>
+              <a:ea typeface="+mn-ea"/>
+              <a:cs typeface="+mn-cs"/>
+            </a:endParaRPr>
+          </a:p>
+        </p:txBody>
+      </p:sp>
+      <p:sp>
+        <p:nvSpPr>
+          <p:cNvPr id="3" name="Content Placeholder 2"/>
+          <p:cNvSpPr>
+            <a:spLocks noGrp="1"/>
+          </p:cNvSpPr>
+          <p:nvPr>
+            <p:ph idx="1"/>
+          </p:nvPr>
+        </p:nvSpPr>
+        <p:spPr/>
+        <p:txBody>
+          <a:bodyPr>
+            <a:normAutofit fontScale="92500" lnSpcReduction="10000"/>
+          </a:bodyPr>
+          <a:lstStyle/>
+          <a:p>
+            <a:r>
+              <a:rPr lang="en-US" b="1" dirty="0" smtClean="0">
+                <a:ln w="24500" cmpd="dbl">
+                  <a:solidFill>
+                    <a:schemeClr val="accent2">
+                      <a:shade val="85000"/>
+                      <a:satMod val="155000"/>
+                    </a:schemeClr>
+                  </a:solidFill>
+                  <a:prstDash val="solid"/>
+                  <a:miter lim="800000"/>
+                </a:ln>
+                <a:gradFill>
+                  <a:gsLst>
+                    <a:gs pos="10000">
+                      <a:schemeClr val="accent2">
+                        <a:tint val="10000"/>
+                        <a:satMod val="155000"/>
+                      </a:schemeClr>
+                    </a:gs>
+                    <a:gs pos="60000">
+                      <a:schemeClr val="accent2">
+                        <a:tint val="30000"/>
+                        <a:satMod val="155000"/>
+                      </a:schemeClr>
+                    </a:gs>
+                    <a:gs pos="100000">
+                      <a:schemeClr val="accent2">
+                        <a:tint val="73000"/>
+                        <a:satMod val="155000"/>
+                      </a:schemeClr>
+                    </a:gs>
+                  </a:gsLst>
+                  <a:lin ang="5400000"/>
+                </a:gradFill>
+                <a:effectLst>
+                  <a:outerShdw blurRad="38100" dist="38100" dir="7020000" algn="tl">
+                    <a:srgbClr val="000000">
+                      <a:alpha val="35000"/>
+                    </a:srgbClr>
+                  </a:outerShdw>
+                </a:effectLst>
+              </a:rPr>
+              <a:t>The Challenge Question</a:t>
+            </a:r>
+            <a:r>
+              <a:rPr lang="en-US" dirty="0" smtClean="0"/>
+              <a:t>: Is it possible to accurately predict when a subject with epilepsy is going to have a seizure?</a:t>
+            </a:r>
+          </a:p>
+          <a:p>
+            <a:r>
+              <a:rPr lang="en-US" b="1" dirty="0" smtClean="0">
+                <a:ln w="24500" cmpd="dbl">
+                  <a:solidFill>
+                    <a:schemeClr val="accent2">
+                      <a:shade val="85000"/>
+                      <a:satMod val="155000"/>
+                    </a:schemeClr>
+                  </a:solidFill>
+                  <a:prstDash val="solid"/>
+                  <a:miter lim="800000"/>
+                </a:ln>
+                <a:gradFill>
+                  <a:gsLst>
+                    <a:gs pos="10000">
+                      <a:schemeClr val="accent2">
+                        <a:tint val="10000"/>
+                        <a:satMod val="155000"/>
+                      </a:schemeClr>
+                    </a:gs>
+                    <a:gs pos="60000">
+                      <a:schemeClr val="accent2">
+                        <a:tint val="30000"/>
+                        <a:satMod val="155000"/>
+                      </a:schemeClr>
+                    </a:gs>
+                    <a:gs pos="100000">
+                      <a:schemeClr val="accent2">
+                        <a:tint val="73000"/>
+                        <a:satMod val="155000"/>
+                      </a:schemeClr>
+                    </a:gs>
+                  </a:gsLst>
+                  <a:lin ang="5400000"/>
+                </a:gradFill>
+                <a:effectLst>
+                  <a:outerShdw blurRad="38100" dist="38100" dir="7020000" algn="tl">
+                    <a:srgbClr val="000000">
+                      <a:alpha val="35000"/>
+                    </a:srgbClr>
+                  </a:outerShdw>
+                </a:effectLst>
+              </a:rPr>
+              <a:t>Epileptic </a:t>
+            </a:r>
+            <a:r>
+              <a:rPr lang="en-US" b="1" dirty="0" smtClean="0">
+                <a:ln w="24500" cmpd="dbl">
+                  <a:solidFill>
+                    <a:schemeClr val="accent2">
+                      <a:shade val="85000"/>
+                      <a:satMod val="155000"/>
+                    </a:schemeClr>
+                  </a:solidFill>
+                  <a:prstDash val="solid"/>
+                  <a:miter lim="800000"/>
+                </a:ln>
+                <a:gradFill>
+                  <a:gsLst>
+                    <a:gs pos="10000">
+                      <a:schemeClr val="accent2">
+                        <a:tint val="10000"/>
+                        <a:satMod val="155000"/>
+                      </a:schemeClr>
+                    </a:gs>
+                    <a:gs pos="60000">
+                      <a:schemeClr val="accent2">
+                        <a:tint val="30000"/>
+                        <a:satMod val="155000"/>
+                      </a:schemeClr>
+                    </a:gs>
+                    <a:gs pos="100000">
+                      <a:schemeClr val="accent2">
+                        <a:tint val="73000"/>
+                        <a:satMod val="155000"/>
+                      </a:schemeClr>
+                    </a:gs>
+                  </a:gsLst>
+                  <a:lin ang="5400000"/>
+                </a:gradFill>
+                <a:effectLst>
+                  <a:outerShdw blurRad="38100" dist="38100" dir="7020000" algn="tl">
+                    <a:srgbClr val="000000">
+                      <a:alpha val="35000"/>
+                    </a:srgbClr>
+                  </a:outerShdw>
+                </a:effectLst>
+              </a:rPr>
+              <a:t>States</a:t>
+            </a:r>
+            <a:r>
+              <a:rPr lang="en-US" dirty="0" smtClean="0"/>
+              <a:t>: </a:t>
+            </a:r>
+            <a:r>
+              <a:rPr lang="en-US" dirty="0"/>
+              <a:t>There </a:t>
+            </a:r>
+            <a:r>
+              <a:rPr lang="en-US" dirty="0" smtClean="0"/>
+              <a:t>are two epileptic states of interest for this competition – </a:t>
+            </a:r>
+            <a:r>
+              <a:rPr lang="en-US" dirty="0" err="1" smtClean="0"/>
+              <a:t>interictal</a:t>
+            </a:r>
+            <a:r>
+              <a:rPr lang="en-US" dirty="0" smtClean="0"/>
+              <a:t> and </a:t>
+            </a:r>
+            <a:r>
+              <a:rPr lang="en-US" dirty="0" err="1" smtClean="0"/>
+              <a:t>preictal</a:t>
+            </a:r>
+            <a:endParaRPr lang="en-US" dirty="0"/>
+          </a:p>
+          <a:p>
+            <a:pPr lvl="1"/>
+            <a:r>
+              <a:rPr lang="en-US" b="1" dirty="0" err="1" smtClean="0">
+                <a:ln w="24500" cmpd="dbl">
+                  <a:solidFill>
+                    <a:schemeClr val="accent2">
+                      <a:shade val="85000"/>
+                      <a:satMod val="155000"/>
+                    </a:schemeClr>
+                  </a:solidFill>
+                  <a:prstDash val="solid"/>
+                  <a:miter lim="800000"/>
+                </a:ln>
+                <a:gradFill>
+                  <a:gsLst>
+                    <a:gs pos="10000">
+                      <a:schemeClr val="accent2">
+                        <a:tint val="10000"/>
+                        <a:satMod val="155000"/>
+                      </a:schemeClr>
+                    </a:gs>
+                    <a:gs pos="60000">
+                      <a:schemeClr val="accent2">
+                        <a:tint val="30000"/>
+                        <a:satMod val="155000"/>
+                      </a:schemeClr>
+                    </a:gs>
+                    <a:gs pos="100000">
+                      <a:schemeClr val="accent2">
+                        <a:tint val="73000"/>
+                        <a:satMod val="155000"/>
+                      </a:schemeClr>
+                    </a:gs>
+                  </a:gsLst>
+                  <a:lin ang="5400000"/>
+                </a:gradFill>
+                <a:effectLst>
+                  <a:outerShdw blurRad="38100" dist="38100" dir="7020000" algn="tl">
+                    <a:srgbClr val="000000">
+                      <a:alpha val="35000"/>
+                    </a:srgbClr>
+                  </a:outerShdw>
+                </a:effectLst>
+              </a:rPr>
+              <a:t>Interictal</a:t>
+            </a:r>
+            <a:r>
+              <a:rPr lang="en-US" b="1" dirty="0" smtClean="0">
+                <a:ln w="24500" cmpd="dbl">
+                  <a:solidFill>
+                    <a:schemeClr val="accent2">
+                      <a:shade val="85000"/>
+                      <a:satMod val="155000"/>
+                    </a:schemeClr>
+                  </a:solidFill>
+                  <a:prstDash val="solid"/>
+                  <a:miter lim="800000"/>
+                </a:ln>
+                <a:gradFill>
+                  <a:gsLst>
+                    <a:gs pos="10000">
+                      <a:schemeClr val="accent2">
+                        <a:tint val="10000"/>
+                        <a:satMod val="155000"/>
+                      </a:schemeClr>
+                    </a:gs>
+                    <a:gs pos="60000">
+                      <a:schemeClr val="accent2">
+                        <a:tint val="30000"/>
+                        <a:satMod val="155000"/>
+                      </a:schemeClr>
+                    </a:gs>
+                    <a:gs pos="100000">
+                      <a:schemeClr val="accent2">
+                        <a:tint val="73000"/>
+                        <a:satMod val="155000"/>
+                      </a:schemeClr>
+                    </a:gs>
+                  </a:gsLst>
+                  <a:lin ang="5400000"/>
+                </a:gradFill>
+                <a:effectLst>
+                  <a:outerShdw blurRad="38100" dist="38100" dir="7020000" algn="tl">
+                    <a:srgbClr val="000000">
+                      <a:alpha val="35000"/>
+                    </a:srgbClr>
+                  </a:outerShdw>
+                </a:effectLst>
+              </a:rPr>
+              <a:t> States</a:t>
+            </a:r>
+            <a:r>
+              <a:rPr lang="en-US" dirty="0" smtClean="0"/>
+              <a:t>: </a:t>
+            </a:r>
+            <a:r>
+              <a:rPr lang="en-US" dirty="0"/>
+              <a:t>D</a:t>
+            </a:r>
+            <a:r>
+              <a:rPr lang="en-US" dirty="0" smtClean="0"/>
+              <a:t>efined as the state between </a:t>
+            </a:r>
+            <a:r>
+              <a:rPr lang="en-US" dirty="0"/>
+              <a:t>seizures, or </a:t>
+            </a:r>
+            <a:r>
+              <a:rPr lang="en-US" dirty="0" smtClean="0"/>
+              <a:t>the baseline state. </a:t>
+            </a:r>
+          </a:p>
+          <a:p>
+            <a:pPr lvl="1"/>
+            <a:r>
+              <a:rPr lang="en-US" b="1" dirty="0" err="1">
+                <a:ln w="24500" cmpd="dbl">
+                  <a:solidFill>
+                    <a:schemeClr val="accent2">
+                      <a:shade val="85000"/>
+                      <a:satMod val="155000"/>
+                    </a:schemeClr>
+                  </a:solidFill>
+                  <a:prstDash val="solid"/>
+                  <a:miter lim="800000"/>
+                </a:ln>
+                <a:gradFill>
+                  <a:gsLst>
+                    <a:gs pos="10000">
+                      <a:schemeClr val="accent2">
+                        <a:tint val="10000"/>
+                        <a:satMod val="155000"/>
+                      </a:schemeClr>
+                    </a:gs>
+                    <a:gs pos="60000">
+                      <a:schemeClr val="accent2">
+                        <a:tint val="30000"/>
+                        <a:satMod val="155000"/>
+                      </a:schemeClr>
+                    </a:gs>
+                    <a:gs pos="100000">
+                      <a:schemeClr val="accent2">
+                        <a:tint val="73000"/>
+                        <a:satMod val="155000"/>
+                      </a:schemeClr>
+                    </a:gs>
+                  </a:gsLst>
+                  <a:lin ang="5400000"/>
+                </a:gradFill>
+                <a:effectLst>
+                  <a:outerShdw blurRad="38100" dist="38100" dir="7020000" algn="tl">
+                    <a:srgbClr val="000000">
+                      <a:alpha val="35000"/>
+                    </a:srgbClr>
+                  </a:outerShdw>
+                </a:effectLst>
+              </a:rPr>
+              <a:t>Preictal</a:t>
+            </a:r>
+            <a:r>
+              <a:rPr lang="en-US" b="1" dirty="0">
+                <a:ln w="24500" cmpd="dbl">
+                  <a:solidFill>
+                    <a:schemeClr val="accent2">
+                      <a:shade val="85000"/>
+                      <a:satMod val="155000"/>
+                    </a:schemeClr>
+                  </a:solidFill>
+                  <a:prstDash val="solid"/>
+                  <a:miter lim="800000"/>
+                </a:ln>
+                <a:gradFill>
+                  <a:gsLst>
+                    <a:gs pos="10000">
+                      <a:schemeClr val="accent2">
+                        <a:tint val="10000"/>
+                        <a:satMod val="155000"/>
+                      </a:schemeClr>
+                    </a:gs>
+                    <a:gs pos="60000">
+                      <a:schemeClr val="accent2">
+                        <a:tint val="30000"/>
+                        <a:satMod val="155000"/>
+                      </a:schemeClr>
+                    </a:gs>
+                    <a:gs pos="100000">
+                      <a:schemeClr val="accent2">
+                        <a:tint val="73000"/>
+                        <a:satMod val="155000"/>
+                      </a:schemeClr>
+                    </a:gs>
+                  </a:gsLst>
+                  <a:lin ang="5400000"/>
+                </a:gradFill>
+                <a:effectLst>
+                  <a:outerShdw blurRad="38100" dist="38100" dir="7020000" algn="tl">
+                    <a:srgbClr val="000000">
+                      <a:alpha val="35000"/>
+                    </a:srgbClr>
+                  </a:outerShdw>
+                </a:effectLst>
+              </a:rPr>
+              <a:t> S</a:t>
+            </a:r>
+            <a:r>
+              <a:rPr lang="en-US" b="1" dirty="0" smtClean="0">
+                <a:ln w="24500" cmpd="dbl">
+                  <a:solidFill>
+                    <a:schemeClr val="accent2">
+                      <a:shade val="85000"/>
+                      <a:satMod val="155000"/>
+                    </a:schemeClr>
+                  </a:solidFill>
+                  <a:prstDash val="solid"/>
+                  <a:miter lim="800000"/>
+                </a:ln>
+                <a:gradFill>
+                  <a:gsLst>
+                    <a:gs pos="10000">
+                      <a:schemeClr val="accent2">
+                        <a:tint val="10000"/>
+                        <a:satMod val="155000"/>
+                      </a:schemeClr>
+                    </a:gs>
+                    <a:gs pos="60000">
+                      <a:schemeClr val="accent2">
+                        <a:tint val="30000"/>
+                        <a:satMod val="155000"/>
+                      </a:schemeClr>
+                    </a:gs>
+                    <a:gs pos="100000">
+                      <a:schemeClr val="accent2">
+                        <a:tint val="73000"/>
+                        <a:satMod val="155000"/>
+                      </a:schemeClr>
+                    </a:gs>
+                  </a:gsLst>
+                  <a:lin ang="5400000"/>
+                </a:gradFill>
+                <a:effectLst>
+                  <a:outerShdw blurRad="38100" dist="38100" dir="7020000" algn="tl">
+                    <a:srgbClr val="000000">
+                      <a:alpha val="35000"/>
+                    </a:srgbClr>
+                  </a:outerShdw>
+                </a:effectLst>
+              </a:rPr>
+              <a:t>tates</a:t>
+            </a:r>
+            <a:r>
+              <a:rPr lang="en-US" dirty="0"/>
+              <a:t>:</a:t>
+            </a:r>
+            <a:r>
+              <a:rPr lang="en-US" b="1" dirty="0" smtClean="0">
+                <a:ln w="24500" cmpd="dbl">
+                  <a:solidFill>
+                    <a:schemeClr val="accent2">
+                      <a:shade val="85000"/>
+                      <a:satMod val="155000"/>
+                    </a:schemeClr>
+                  </a:solidFill>
+                  <a:prstDash val="solid"/>
+                  <a:miter lim="800000"/>
+                </a:ln>
+                <a:gradFill>
+                  <a:gsLst>
+                    <a:gs pos="10000">
+                      <a:schemeClr val="accent2">
+                        <a:tint val="10000"/>
+                        <a:satMod val="155000"/>
+                      </a:schemeClr>
+                    </a:gs>
+                    <a:gs pos="60000">
+                      <a:schemeClr val="accent2">
+                        <a:tint val="30000"/>
+                        <a:satMod val="155000"/>
+                      </a:schemeClr>
+                    </a:gs>
+                    <a:gs pos="100000">
+                      <a:schemeClr val="accent2">
+                        <a:tint val="73000"/>
+                        <a:satMod val="155000"/>
+                      </a:schemeClr>
+                    </a:gs>
+                  </a:gsLst>
+                  <a:lin ang="5400000"/>
+                </a:gradFill>
+                <a:effectLst>
+                  <a:outerShdw blurRad="38100" dist="38100" dir="7020000" algn="tl">
+                    <a:srgbClr val="000000">
+                      <a:alpha val="35000"/>
+                    </a:srgbClr>
+                  </a:outerShdw>
+                </a:effectLst>
+              </a:rPr>
+              <a:t> </a:t>
+            </a:r>
+            <a:r>
+              <a:rPr lang="en-US" dirty="0" smtClean="0"/>
+              <a:t>Defined as the states prior </a:t>
+            </a:r>
+            <a:r>
+              <a:rPr lang="en-US" dirty="0"/>
+              <a:t>to </a:t>
+            </a:r>
+            <a:r>
+              <a:rPr lang="en-US" dirty="0" smtClean="0"/>
+              <a:t>a seizure.</a:t>
+            </a:r>
+          </a:p>
+          <a:p>
+            <a:r>
+              <a:rPr lang="en-US" b="1" dirty="0" smtClean="0">
+                <a:ln w="24500" cmpd="dbl">
+                  <a:solidFill>
+                    <a:schemeClr val="accent2">
+                      <a:shade val="85000"/>
+                      <a:satMod val="155000"/>
+                    </a:schemeClr>
+                  </a:solidFill>
+                  <a:prstDash val="solid"/>
+                  <a:miter lim="800000"/>
+                </a:ln>
+                <a:gradFill>
+                  <a:gsLst>
+                    <a:gs pos="10000">
+                      <a:schemeClr val="accent2">
+                        <a:tint val="10000"/>
+                        <a:satMod val="155000"/>
+                      </a:schemeClr>
+                    </a:gs>
+                    <a:gs pos="60000">
+                      <a:schemeClr val="accent2">
+                        <a:tint val="30000"/>
+                        <a:satMod val="155000"/>
+                      </a:schemeClr>
+                    </a:gs>
+                    <a:gs pos="100000">
+                      <a:schemeClr val="accent2">
+                        <a:tint val="73000"/>
+                        <a:satMod val="155000"/>
+                      </a:schemeClr>
+                    </a:gs>
+                  </a:gsLst>
+                  <a:lin ang="5400000"/>
+                </a:gradFill>
+                <a:effectLst>
+                  <a:outerShdw blurRad="38100" dist="38100" dir="7020000" algn="tl">
+                    <a:srgbClr val="000000">
+                      <a:alpha val="35000"/>
+                    </a:srgbClr>
+                  </a:outerShdw>
+                </a:effectLst>
+              </a:rPr>
+              <a:t>The Goal</a:t>
+            </a:r>
+            <a:r>
+              <a:rPr lang="en-US" dirty="0" smtClean="0"/>
+              <a:t>: </a:t>
+            </a:r>
+            <a:r>
+              <a:rPr lang="en-US" dirty="0"/>
+              <a:t>T</a:t>
+            </a:r>
+            <a:r>
+              <a:rPr lang="en-US" dirty="0" smtClean="0"/>
+              <a:t>o predict </a:t>
+            </a:r>
+            <a:r>
+              <a:rPr lang="en-US" dirty="0" err="1" smtClean="0"/>
+              <a:t>preictal</a:t>
+            </a:r>
+            <a:r>
+              <a:rPr lang="en-US" dirty="0" smtClean="0"/>
+              <a:t> states.</a:t>
+            </a:r>
+            <a:endParaRPr lang="en-US" dirty="0"/>
+          </a:p>
+        </p:txBody>
+      </p:sp>
+    </p:spTree>
+    <p:extLst>
+      <p:ext uri="{BB962C8B-B14F-4D97-AF65-F5344CB8AC3E}">
+        <p14:creationId xmlns:p14="http://schemas.microsoft.com/office/powerpoint/2010/main" val="2019724253"/>
+      </p:ext>
+    </p:extLst>
+  </p:cSld>
+  <p:clrMapOvr>
+    <a:overrideClrMapping bg1="dk1" tx1="lt1" bg2="dk2" tx2="lt2" accent1="accent1" accent2="accent2" accent3="accent3" accent4="accent4" accent5="accent5" accent6="accent6" hlink="hlink" folHlink="folHlink"/>
+  </p:clrMapOvr>
+</p:sld>
+</file>
+
+<file path=ppt/slides/slide3.xml><?xml version="1.0" encoding="utf-8"?>
+<p:sld xmlns:a="http://schemas.openxmlformats.org/drawingml/2006/main" xmlns:r="http://schemas.openxmlformats.org/officeDocument/2006/relationships" xmlns:p="http://schemas.openxmlformats.org/presentationml/2006/main">
+  <p:cSld>
+    <p:spTree>
+      <p:nvGrpSpPr>
+        <p:cNvPr id="1" name=""/>
+        <p:cNvGrpSpPr/>
+        <p:nvPr/>
+      </p:nvGrpSpPr>
+      <p:grpSpPr>
+        <a:xfrm>
+          <a:off x="0" y="0"/>
+          <a:ext cx="0" cy="0"/>
+          <a:chOff x="0" y="0"/>
+          <a:chExt cx="0" cy="0"/>
+        </a:xfrm>
+      </p:grpSpPr>
+      <p:sp>
+        <p:nvSpPr>
+          <p:cNvPr id="2" name="Title 1"/>
+          <p:cNvSpPr>
+            <a:spLocks noGrp="1"/>
+          </p:cNvSpPr>
+          <p:nvPr>
+            <p:ph type="title"/>
+          </p:nvPr>
+        </p:nvSpPr>
+        <p:spPr/>
+        <p:txBody>
+          <a:bodyPr>
+            <a:normAutofit fontScale="90000"/>
+          </a:bodyPr>
+          <a:lstStyle/>
+          <a:p>
+            <a:pPr algn="ctr"/>
+            <a:r>
+              <a:rPr lang="en-US" sz="4800" b="1" dirty="0" smtClean="0">
+                <a:ln w="17780" cmpd="sng">
+                  <a:solidFill>
+                    <a:schemeClr val="accent1">
+                      <a:tint val="3000"/>
+                    </a:schemeClr>
+                  </a:solidFill>
+                  <a:prstDash val="solid"/>
+                  <a:miter lim="800000"/>
+                </a:ln>
+                <a:gradFill>
+                  <a:gsLst>
+                    <a:gs pos="10000">
+                      <a:schemeClr val="accent1">
+                        <a:tint val="63000"/>
+                        <a:sat val="105000"/>
+                      </a:schemeClr>
+                    </a:gs>
+                    <a:gs pos="90000">
+                      <a:schemeClr val="accent1">
+                        <a:shade val="50000"/>
+                        <a:satMod val="100000"/>
+                      </a:schemeClr>
+                    </a:gs>
+                  </a:gsLst>
+                  <a:lin ang="5400000"/>
+                </a:gradFill>
+                <a:effectLst>
+                  <a:outerShdw blurRad="55000" dist="50800" dir="5400000" algn="tl">
+                    <a:srgbClr val="000000">
+                      <a:alpha val="33000"/>
+                    </a:srgbClr>
+                  </a:outerShdw>
+                </a:effectLst>
+              </a:rPr>
+              <a:t>Null &amp; Alternative Hypotheses</a:t>
+            </a:r>
+            <a:endParaRPr lang="en-US" dirty="0"/>
+          </a:p>
+        </p:txBody>
+      </p:sp>
+      <p:sp>
+        <p:nvSpPr>
+          <p:cNvPr id="3" name="Content Placeholder 2"/>
+          <p:cNvSpPr>
+            <a:spLocks noGrp="1"/>
+          </p:cNvSpPr>
+          <p:nvPr>
+            <p:ph idx="1"/>
+          </p:nvPr>
+        </p:nvSpPr>
+        <p:spPr/>
+        <p:txBody>
+          <a:bodyPr>
+            <a:normAutofit/>
+          </a:bodyPr>
+          <a:lstStyle/>
+          <a:p>
+            <a:r>
+              <a:rPr lang="en-US" b="1" dirty="0" smtClean="0">
+                <a:ln w="24500" cmpd="dbl">
+                  <a:solidFill>
+                    <a:schemeClr val="accent2">
+                      <a:shade val="85000"/>
+                      <a:satMod val="155000"/>
+                    </a:schemeClr>
+                  </a:solidFill>
+                  <a:prstDash val="solid"/>
+                  <a:miter lim="800000"/>
+                </a:ln>
+                <a:gradFill>
+                  <a:gsLst>
+                    <a:gs pos="10000">
+                      <a:schemeClr val="accent2">
+                        <a:tint val="10000"/>
+                        <a:satMod val="155000"/>
+                      </a:schemeClr>
+                    </a:gs>
+                    <a:gs pos="60000">
+                      <a:schemeClr val="accent2">
+                        <a:tint val="30000"/>
+                        <a:satMod val="155000"/>
+                      </a:schemeClr>
+                    </a:gs>
+                    <a:gs pos="100000">
+                      <a:schemeClr val="accent2">
+                        <a:tint val="73000"/>
+                        <a:satMod val="155000"/>
+                      </a:schemeClr>
+                    </a:gs>
+                  </a:gsLst>
+                  <a:lin ang="5400000"/>
+                </a:gradFill>
+                <a:effectLst>
+                  <a:outerShdw blurRad="38100" dist="38100" dir="7020000" algn="tl">
+                    <a:srgbClr val="000000">
+                      <a:alpha val="35000"/>
+                    </a:srgbClr>
+                  </a:outerShdw>
+                </a:effectLst>
+              </a:rPr>
+              <a:t>Null Hypothesis</a:t>
+            </a:r>
+            <a:r>
+              <a:rPr lang="en-US" dirty="0" smtClean="0"/>
+              <a:t>: It's </a:t>
+            </a:r>
+            <a:r>
+              <a:rPr lang="en-US" dirty="0"/>
+              <a:t>not possible to accurately classify </a:t>
+            </a:r>
+            <a:r>
+              <a:rPr lang="en-US" dirty="0" err="1"/>
+              <a:t>preictal</a:t>
+            </a:r>
+            <a:r>
+              <a:rPr lang="en-US" dirty="0"/>
+              <a:t> brain states in dogs and humans</a:t>
+            </a:r>
+            <a:r>
+              <a:rPr lang="en-US" dirty="0" smtClean="0"/>
+              <a:t>.</a:t>
+            </a:r>
+          </a:p>
+          <a:p>
+            <a:r>
+              <a:rPr lang="en-US" b="1" dirty="0">
+                <a:ln w="24500" cmpd="dbl">
+                  <a:solidFill>
+                    <a:schemeClr val="accent2">
+                      <a:shade val="85000"/>
+                      <a:satMod val="155000"/>
+                    </a:schemeClr>
+                  </a:solidFill>
+                  <a:prstDash val="solid"/>
+                  <a:miter lim="800000"/>
+                </a:ln>
+                <a:gradFill>
+                  <a:gsLst>
+                    <a:gs pos="10000">
+                      <a:schemeClr val="accent2">
+                        <a:tint val="10000"/>
+                        <a:satMod val="155000"/>
+                      </a:schemeClr>
+                    </a:gs>
+                    <a:gs pos="60000">
+                      <a:schemeClr val="accent2">
+                        <a:tint val="30000"/>
+                        <a:satMod val="155000"/>
+                      </a:schemeClr>
+                    </a:gs>
+                    <a:gs pos="100000">
+                      <a:schemeClr val="accent2">
+                        <a:tint val="73000"/>
+                        <a:satMod val="155000"/>
+                      </a:schemeClr>
+                    </a:gs>
+                  </a:gsLst>
+                  <a:lin ang="5400000"/>
+                </a:gradFill>
+                <a:effectLst>
+                  <a:outerShdw blurRad="38100" dist="38100" dir="7020000" algn="tl">
+                    <a:srgbClr val="000000">
+                      <a:alpha val="35000"/>
+                    </a:srgbClr>
+                  </a:outerShdw>
+                </a:effectLst>
+              </a:rPr>
+              <a:t>Alternative Hypothesis</a:t>
+            </a:r>
+            <a:r>
+              <a:rPr lang="en-US" dirty="0"/>
+              <a:t>: The </a:t>
+            </a:r>
+            <a:r>
+              <a:rPr lang="en-US" dirty="0" err="1"/>
+              <a:t>preictal</a:t>
+            </a:r>
+            <a:r>
+              <a:rPr lang="en-US" dirty="0"/>
+              <a:t> brain state in dogs and humans does exist and can be accurately classified with naturally occurring epilepsy.</a:t>
+            </a:r>
+          </a:p>
+        </p:txBody>
+      </p:sp>
+    </p:spTree>
+    <p:extLst>
+      <p:ext uri="{BB962C8B-B14F-4D97-AF65-F5344CB8AC3E}">
+        <p14:creationId xmlns:p14="http://schemas.microsoft.com/office/powerpoint/2010/main" val="3790158309"/>
+      </p:ext>
+    </p:extLst>
+  </p:cSld>
+  <p:clrMapOvr>
+    <a:masterClrMapping/>
+  </p:clrMapOvr>
+</p:sld>
+</file>
+
+<file path=ppt/slides/slide4.xml><?xml version="1.0" encoding="utf-8"?>
+<p:sld xmlns:a="http://schemas.openxmlformats.org/drawingml/2006/main" xmlns:r="http://schemas.openxmlformats.org/officeDocument/2006/relationships" xmlns:p="http://schemas.openxmlformats.org/presentationml/2006/main">
+  <p:cSld>
+    <p:spTree>
+      <p:nvGrpSpPr>
+        <p:cNvPr id="1" name=""/>
+        <p:cNvGrpSpPr/>
+        <p:nvPr/>
+      </p:nvGrpSpPr>
+      <p:grpSpPr>
+        <a:xfrm>
+          <a:off x="0" y="0"/>
+          <a:ext cx="0" cy="0"/>
+          <a:chOff x="0" y="0"/>
+          <a:chExt cx="0" cy="0"/>
+        </a:xfrm>
+      </p:grpSpPr>
+      <p:sp>
+        <p:nvSpPr>
+          <p:cNvPr id="2" name="Title 1"/>
+          <p:cNvSpPr>
+            <a:spLocks noGrp="1"/>
+          </p:cNvSpPr>
+          <p:nvPr>
+            <p:ph type="title"/>
+          </p:nvPr>
+        </p:nvSpPr>
+        <p:spPr/>
+        <p:txBody>
+          <a:bodyPr/>
+          <a:lstStyle/>
+          <a:p>
+            <a:pPr algn="ctr"/>
+            <a:r>
+              <a:rPr lang="en-US" sz="4800" b="1" dirty="0" smtClean="0">
+                <a:ln w="17780" cmpd="sng">
+                  <a:solidFill>
+                    <a:schemeClr val="accent1">
+                      <a:tint val="3000"/>
+                    </a:schemeClr>
+                  </a:solidFill>
+                  <a:prstDash val="solid"/>
+                  <a:miter lim="800000"/>
+                </a:ln>
+                <a:gradFill>
+                  <a:gsLst>
+                    <a:gs pos="10000">
+                      <a:schemeClr val="accent1">
+                        <a:tint val="63000"/>
+                        <a:sat val="105000"/>
+                      </a:schemeClr>
+                    </a:gs>
+                    <a:gs pos="90000">
+                      <a:schemeClr val="accent1">
+                        <a:shade val="50000"/>
+                        <a:satMod val="100000"/>
+                      </a:schemeClr>
+                    </a:gs>
+                  </a:gsLst>
+                  <a:lin ang="5400000"/>
+                </a:gradFill>
+                <a:effectLst>
+                  <a:outerShdw blurRad="55000" dist="50800" dir="5400000" algn="tl">
+                    <a:srgbClr val="000000">
+                      <a:alpha val="33000"/>
+                    </a:srgbClr>
+                  </a:outerShdw>
+                </a:effectLst>
+              </a:rPr>
+              <a:t>The Raw Data</a:t>
+            </a:r>
+            <a:endParaRPr lang="en-US" dirty="0"/>
+          </a:p>
+        </p:txBody>
+      </p:sp>
+      <p:sp>
+        <p:nvSpPr>
+          <p:cNvPr id="3" name="Content Placeholder 2"/>
+          <p:cNvSpPr>
+            <a:spLocks noGrp="1"/>
+          </p:cNvSpPr>
+          <p:nvPr>
+            <p:ph idx="1"/>
+          </p:nvPr>
+        </p:nvSpPr>
+        <p:spPr/>
+        <p:txBody>
+          <a:bodyPr>
+            <a:normAutofit fontScale="92500" lnSpcReduction="20000"/>
+          </a:bodyPr>
+          <a:lstStyle/>
+          <a:p>
+            <a:r>
+              <a:rPr lang="en-US" b="1" dirty="0" smtClean="0">
+                <a:ln w="24500" cmpd="dbl">
+                  <a:solidFill>
+                    <a:schemeClr val="accent2">
+                      <a:shade val="85000"/>
+                      <a:satMod val="155000"/>
+                    </a:schemeClr>
+                  </a:solidFill>
+                  <a:prstDash val="solid"/>
+                  <a:miter lim="800000"/>
+                </a:ln>
+                <a:gradFill>
+                  <a:gsLst>
+                    <a:gs pos="10000">
+                      <a:schemeClr val="accent2">
+                        <a:tint val="10000"/>
+                        <a:satMod val="155000"/>
+                      </a:schemeClr>
+                    </a:gs>
+                    <a:gs pos="60000">
+                      <a:schemeClr val="accent2">
+                        <a:tint val="30000"/>
+                        <a:satMod val="155000"/>
+                      </a:schemeClr>
+                    </a:gs>
+                    <a:gs pos="100000">
+                      <a:schemeClr val="accent2">
+                        <a:tint val="73000"/>
+                        <a:satMod val="155000"/>
+                      </a:schemeClr>
+                    </a:gs>
+                  </a:gsLst>
+                  <a:lin ang="5400000"/>
+                </a:gradFill>
+                <a:effectLst>
+                  <a:outerShdw blurRad="38100" dist="38100" dir="7020000" algn="tl">
+                    <a:srgbClr val="000000">
+                      <a:alpha val="35000"/>
+                    </a:srgbClr>
+                  </a:outerShdw>
+                </a:effectLst>
+              </a:rPr>
+              <a:t>Raw Input Data</a:t>
+            </a:r>
+            <a:endParaRPr lang="en-US" dirty="0" smtClean="0"/>
+          </a:p>
+          <a:p>
+            <a:pPr lvl="1"/>
+            <a:r>
+              <a:rPr lang="en-US" dirty="0" smtClean="0"/>
+              <a:t>The data from </a:t>
+            </a:r>
+            <a:r>
+              <a:rPr lang="en-US" dirty="0" err="1" smtClean="0"/>
+              <a:t>Kaggle</a:t>
+            </a:r>
+            <a:r>
+              <a:rPr lang="en-US" dirty="0" smtClean="0"/>
+              <a:t> comes in </a:t>
+            </a:r>
+            <a:r>
+              <a:rPr lang="en-US" dirty="0" err="1" smtClean="0"/>
+              <a:t>Matlab</a:t>
+            </a:r>
+            <a:r>
+              <a:rPr lang="en-US" dirty="0"/>
+              <a:t> </a:t>
+            </a:r>
+            <a:r>
+              <a:rPr lang="en-US" dirty="0" smtClean="0"/>
+              <a:t>.mat files. </a:t>
+            </a:r>
+          </a:p>
+          <a:p>
+            <a:pPr lvl="1"/>
+            <a:r>
+              <a:rPr lang="en-US" dirty="0" smtClean="0"/>
+              <a:t>Each file is either an </a:t>
+            </a:r>
+            <a:r>
+              <a:rPr lang="en-US" dirty="0" err="1" smtClean="0"/>
+              <a:t>interictal</a:t>
+            </a:r>
+            <a:r>
+              <a:rPr lang="en-US" dirty="0" smtClean="0"/>
+              <a:t> file or a </a:t>
+            </a:r>
+            <a:r>
+              <a:rPr lang="en-US" dirty="0" err="1" smtClean="0"/>
+              <a:t>preictal</a:t>
+            </a:r>
+            <a:r>
+              <a:rPr lang="en-US" dirty="0" smtClean="0"/>
+              <a:t> file.</a:t>
+            </a:r>
+          </a:p>
+          <a:p>
+            <a:pPr lvl="1"/>
+            <a:r>
+              <a:rPr lang="en-US" dirty="0" smtClean="0"/>
+              <a:t>The files cover 10 minutes worth of brain activity.</a:t>
+            </a:r>
+          </a:p>
+          <a:p>
+            <a:pPr lvl="1"/>
+            <a:r>
+              <a:rPr lang="en-US" dirty="0" smtClean="0"/>
+              <a:t>A measurement is taken every .002 seconds, or about 239,766 measurements in each 10 minute file. </a:t>
+            </a:r>
+          </a:p>
+          <a:p>
+            <a:pPr lvl="1"/>
+            <a:r>
+              <a:rPr lang="en-US" dirty="0" smtClean="0"/>
+              <a:t>The channels are the names of the electrodes placed on the subject’s body. They are also the predictor variables.</a:t>
+            </a:r>
+          </a:p>
+          <a:p>
+            <a:pPr lvl="1"/>
+            <a:r>
+              <a:rPr lang="en-US" dirty="0" smtClean="0"/>
+              <a:t>There are 239k measurements per channel.</a:t>
+            </a:r>
+          </a:p>
+          <a:p>
+            <a:pPr marL="36576" indent="0">
+              <a:buNone/>
+            </a:pPr>
+            <a:endParaRPr lang="en-US" dirty="0"/>
+          </a:p>
+        </p:txBody>
+      </p:sp>
+    </p:spTree>
+    <p:extLst>
+      <p:ext uri="{BB962C8B-B14F-4D97-AF65-F5344CB8AC3E}">
+        <p14:creationId xmlns:p14="http://schemas.microsoft.com/office/powerpoint/2010/main" val="1470712062"/>
+      </p:ext>
+    </p:extLst>
+  </p:cSld>
+  <p:clrMapOvr>
+    <a:masterClrMapping/>
+  </p:clrMapOvr>
+</p:sld>
+</file>
+
+<file path=ppt/slides/slide5.xml><?xml version="1.0" encoding="utf-8"?>
+<p:sld xmlns:a="http://schemas.openxmlformats.org/drawingml/2006/main" xmlns:r="http://schemas.openxmlformats.org/officeDocument/2006/relationships" xmlns:p="http://schemas.openxmlformats.org/presentationml/2006/main">
+  <p:cSld>
+    <p:spTree>
+      <p:nvGrpSpPr>
+        <p:cNvPr id="1" name=""/>
+        <p:cNvGrpSpPr/>
+        <p:nvPr/>
+      </p:nvGrpSpPr>
+      <p:grpSpPr>
+        <a:xfrm>
+          <a:off x="0" y="0"/>
+          <a:ext cx="0" cy="0"/>
+          <a:chOff x="0" y="0"/>
+          <a:chExt cx="0" cy="0"/>
+        </a:xfrm>
+      </p:grpSpPr>
+      <p:sp>
+        <p:nvSpPr>
+          <p:cNvPr id="2" name="Title 1"/>
+          <p:cNvSpPr>
+            <a:spLocks noGrp="1"/>
+          </p:cNvSpPr>
+          <p:nvPr>
+            <p:ph type="title"/>
+          </p:nvPr>
+        </p:nvSpPr>
+        <p:spPr/>
+        <p:txBody>
+          <a:bodyPr/>
+          <a:lstStyle/>
+          <a:p>
+            <a:pPr algn="ctr"/>
+            <a:r>
+              <a:rPr lang="en-US" sz="4800" b="1" dirty="0" smtClean="0">
+                <a:ln w="17780" cmpd="sng">
+                  <a:solidFill>
+                    <a:schemeClr val="accent1">
+                      <a:tint val="3000"/>
+                    </a:schemeClr>
+                  </a:solidFill>
+                  <a:prstDash val="solid"/>
+                  <a:miter lim="800000"/>
+                </a:ln>
+                <a:gradFill>
+                  <a:gsLst>
+                    <a:gs pos="10000">
+                      <a:schemeClr val="accent1">
+                        <a:tint val="63000"/>
+                        <a:sat val="105000"/>
+                      </a:schemeClr>
+                    </a:gs>
+                    <a:gs pos="90000">
+                      <a:schemeClr val="accent1">
+                        <a:shade val="50000"/>
+                        <a:satMod val="100000"/>
+                      </a:schemeClr>
+                    </a:gs>
+                  </a:gsLst>
+                  <a:lin ang="5400000"/>
+                </a:gradFill>
+                <a:effectLst>
+                  <a:outerShdw blurRad="55000" dist="50800" dir="5400000" algn="tl">
+                    <a:srgbClr val="000000">
+                      <a:alpha val="33000"/>
+                    </a:srgbClr>
+                  </a:outerShdw>
+                </a:effectLst>
+              </a:rPr>
+              <a:t>Data Transformations</a:t>
+            </a:r>
+            <a:endParaRPr lang="en-US" dirty="0"/>
+          </a:p>
+        </p:txBody>
+      </p:sp>
+      <p:sp>
+        <p:nvSpPr>
+          <p:cNvPr id="3" name="Content Placeholder 2"/>
+          <p:cNvSpPr>
+            <a:spLocks noGrp="1"/>
+          </p:cNvSpPr>
+          <p:nvPr>
+            <p:ph idx="1"/>
+          </p:nvPr>
+        </p:nvSpPr>
+        <p:spPr/>
+        <p:txBody>
+          <a:bodyPr>
+            <a:normAutofit/>
+          </a:bodyPr>
+          <a:lstStyle/>
+          <a:p>
+            <a:r>
+              <a:rPr lang="en-US" b="1" dirty="0" smtClean="0">
+                <a:ln w="24500" cmpd="dbl">
+                  <a:solidFill>
+                    <a:schemeClr val="accent2">
+                      <a:shade val="85000"/>
+                      <a:satMod val="155000"/>
+                    </a:schemeClr>
+                  </a:solidFill>
+                  <a:prstDash val="solid"/>
+                  <a:miter lim="800000"/>
+                </a:ln>
+                <a:gradFill>
+                  <a:gsLst>
+                    <a:gs pos="10000">
+                      <a:schemeClr val="accent2">
+                        <a:tint val="10000"/>
+                        <a:satMod val="155000"/>
+                      </a:schemeClr>
+                    </a:gs>
+                    <a:gs pos="60000">
+                      <a:schemeClr val="accent2">
+                        <a:tint val="30000"/>
+                        <a:satMod val="155000"/>
+                      </a:schemeClr>
+                    </a:gs>
+                    <a:gs pos="100000">
+                      <a:schemeClr val="accent2">
+                        <a:tint val="73000"/>
+                        <a:satMod val="155000"/>
+                      </a:schemeClr>
+                    </a:gs>
+                  </a:gsLst>
+                  <a:lin ang="5400000"/>
+                </a:gradFill>
+                <a:effectLst>
+                  <a:outerShdw blurRad="38100" dist="38100" dir="7020000" algn="tl">
+                    <a:srgbClr val="000000">
+                      <a:alpha val="35000"/>
+                    </a:srgbClr>
+                  </a:outerShdw>
+                </a:effectLst>
+              </a:rPr>
+              <a:t>Absolute Value Difference</a:t>
+            </a:r>
+            <a:r>
+              <a:rPr lang="en-US" sz="2600" dirty="0"/>
+              <a:t>:</a:t>
+            </a:r>
+          </a:p>
+          <a:p>
+            <a:pPr lvl="1"/>
+            <a:r>
+              <a:rPr lang="en-US" dirty="0" smtClean="0"/>
+              <a:t>A first attempt to transform the raw data tried to take the absolute value of differences between measurements, on a per channel basis, and find the channel’s mean and standard deviation.</a:t>
+            </a:r>
+            <a:endParaRPr lang="en-US" b="1" dirty="0" smtClean="0">
+              <a:ln w="24500" cmpd="dbl">
+                <a:solidFill>
+                  <a:schemeClr val="accent2">
+                    <a:shade val="85000"/>
+                    <a:satMod val="155000"/>
+                  </a:schemeClr>
+                </a:solidFill>
+                <a:prstDash val="solid"/>
+                <a:miter lim="800000"/>
+              </a:ln>
+              <a:gradFill>
+                <a:gsLst>
+                  <a:gs pos="10000">
+                    <a:schemeClr val="accent2">
+                      <a:tint val="10000"/>
+                      <a:satMod val="155000"/>
+                    </a:schemeClr>
+                  </a:gs>
+                  <a:gs pos="60000">
+                    <a:schemeClr val="accent2">
+                      <a:tint val="30000"/>
+                      <a:satMod val="155000"/>
+                    </a:schemeClr>
+                  </a:gs>
+                  <a:gs pos="100000">
+                    <a:schemeClr val="accent2">
+                      <a:tint val="73000"/>
+                      <a:satMod val="155000"/>
+                    </a:schemeClr>
+                  </a:gs>
+                </a:gsLst>
+                <a:lin ang="5400000"/>
+              </a:gradFill>
+              <a:effectLst>
+                <a:outerShdw blurRad="38100" dist="38100" dir="7020000" algn="tl">
+                  <a:srgbClr val="000000">
+                    <a:alpha val="35000"/>
+                  </a:srgbClr>
+                </a:outerShdw>
+              </a:effectLst>
+            </a:endParaRPr>
+          </a:p>
+          <a:p>
+            <a:pPr lvl="1"/>
+            <a:r>
+              <a:rPr lang="en-US" dirty="0" smtClean="0"/>
+              <a:t>This attempt was very time consuming and, ultimately, unsuccessful at determining a statistically significant difference between epileptic states.</a:t>
+            </a:r>
+            <a:endParaRPr lang="en-US" dirty="0"/>
+          </a:p>
+          <a:p>
+            <a:pPr marL="36576" indent="0">
+              <a:buNone/>
+            </a:pPr>
+            <a:endParaRPr lang="en-US" dirty="0"/>
+          </a:p>
+        </p:txBody>
+      </p:sp>
+    </p:spTree>
+    <p:extLst>
+      <p:ext uri="{BB962C8B-B14F-4D97-AF65-F5344CB8AC3E}">
+        <p14:creationId xmlns:p14="http://schemas.microsoft.com/office/powerpoint/2010/main" val="3793877344"/>
+      </p:ext>
+    </p:extLst>
+  </p:cSld>
+  <p:clrMapOvr>
+    <a:masterClrMapping/>
+  </p:clrMapOvr>
+</p:sld>
+</file>
+
+<file path=ppt/slides/slide6.xml><?xml version="1.0" encoding="utf-8"?>
+<p:sld xmlns:a="http://schemas.openxmlformats.org/drawingml/2006/main" xmlns:r="http://schemas.openxmlformats.org/officeDocument/2006/relationships" xmlns:p="http://schemas.openxmlformats.org/presentationml/2006/main">
+  <p:cSld>
+    <p:spTree>
+      <p:nvGrpSpPr>
+        <p:cNvPr id="1" name=""/>
+        <p:cNvGrpSpPr/>
+        <p:nvPr/>
+      </p:nvGrpSpPr>
+      <p:grpSpPr>
+        <a:xfrm>
+          <a:off x="0" y="0"/>
+          <a:ext cx="0" cy="0"/>
+          <a:chOff x="0" y="0"/>
+          <a:chExt cx="0" cy="0"/>
+        </a:xfrm>
+      </p:grpSpPr>
+      <p:sp>
+        <p:nvSpPr>
+          <p:cNvPr id="2" name="Title 1"/>
+          <p:cNvSpPr>
+            <a:spLocks noGrp="1"/>
+          </p:cNvSpPr>
+          <p:nvPr>
+            <p:ph type="title"/>
+          </p:nvPr>
+        </p:nvSpPr>
+        <p:spPr/>
+        <p:txBody>
+          <a:bodyPr/>
+          <a:lstStyle/>
+          <a:p>
+            <a:pPr algn="ctr"/>
+            <a:r>
+              <a:rPr lang="en-US" sz="4800" b="1" dirty="0" smtClean="0">
+                <a:ln w="17780" cmpd="sng">
+                  <a:solidFill>
+                    <a:schemeClr val="accent1">
+                      <a:tint val="3000"/>
+                    </a:schemeClr>
+                  </a:solidFill>
+                  <a:prstDash val="solid"/>
+                  <a:miter lim="800000"/>
+                </a:ln>
+                <a:gradFill>
+                  <a:gsLst>
+                    <a:gs pos="10000">
+                      <a:schemeClr val="accent1">
+                        <a:tint val="63000"/>
+                        <a:sat val="105000"/>
+                      </a:schemeClr>
+                    </a:gs>
+                    <a:gs pos="90000">
+                      <a:schemeClr val="accent1">
+                        <a:shade val="50000"/>
+                        <a:satMod val="100000"/>
+                      </a:schemeClr>
+                    </a:gs>
+                  </a:gsLst>
+                  <a:lin ang="5400000"/>
+                </a:gradFill>
+                <a:effectLst>
+                  <a:outerShdw blurRad="55000" dist="50800" dir="5400000" algn="tl">
+                    <a:srgbClr val="000000">
+                      <a:alpha val="33000"/>
+                    </a:srgbClr>
+                  </a:outerShdw>
+                </a:effectLst>
+              </a:rPr>
+              <a:t>Data Transformations </a:t>
+            </a:r>
+            <a:r>
+              <a:rPr lang="en-US" sz="4800" b="1" dirty="0" err="1" smtClean="0">
+                <a:ln w="17780" cmpd="sng">
+                  <a:solidFill>
+                    <a:schemeClr val="accent1">
+                      <a:tint val="3000"/>
+                    </a:schemeClr>
+                  </a:solidFill>
+                  <a:prstDash val="solid"/>
+                  <a:miter lim="800000"/>
+                </a:ln>
+                <a:gradFill>
+                  <a:gsLst>
+                    <a:gs pos="10000">
+                      <a:schemeClr val="accent1">
+                        <a:tint val="63000"/>
+                        <a:sat val="105000"/>
+                      </a:schemeClr>
+                    </a:gs>
+                    <a:gs pos="90000">
+                      <a:schemeClr val="accent1">
+                        <a:shade val="50000"/>
+                        <a:satMod val="100000"/>
+                      </a:schemeClr>
+                    </a:gs>
+                  </a:gsLst>
+                  <a:lin ang="5400000"/>
+                </a:gradFill>
+                <a:effectLst>
+                  <a:outerShdw blurRad="55000" dist="50800" dir="5400000" algn="tl">
+                    <a:srgbClr val="000000">
+                      <a:alpha val="33000"/>
+                    </a:srgbClr>
+                  </a:outerShdw>
+                </a:effectLst>
+              </a:rPr>
+              <a:t>Con’t</a:t>
+            </a:r>
+            <a:r>
+              <a:rPr lang="en-US" sz="4800" b="1" dirty="0" smtClean="0">
+                <a:ln w="17780" cmpd="sng">
+                  <a:solidFill>
+                    <a:schemeClr val="accent1">
+                      <a:tint val="3000"/>
+                    </a:schemeClr>
+                  </a:solidFill>
+                  <a:prstDash val="solid"/>
+                  <a:miter lim="800000"/>
+                </a:ln>
+                <a:gradFill>
+                  <a:gsLst>
+                    <a:gs pos="10000">
+                      <a:schemeClr val="accent1">
+                        <a:tint val="63000"/>
+                        <a:sat val="105000"/>
+                      </a:schemeClr>
+                    </a:gs>
+                    <a:gs pos="90000">
+                      <a:schemeClr val="accent1">
+                        <a:shade val="50000"/>
+                        <a:satMod val="100000"/>
+                      </a:schemeClr>
+                    </a:gs>
+                  </a:gsLst>
+                  <a:lin ang="5400000"/>
+                </a:gradFill>
+                <a:effectLst>
+                  <a:outerShdw blurRad="55000" dist="50800" dir="5400000" algn="tl">
+                    <a:srgbClr val="000000">
+                      <a:alpha val="33000"/>
+                    </a:srgbClr>
+                  </a:outerShdw>
+                </a:effectLst>
+              </a:rPr>
+              <a:t>.</a:t>
+            </a:r>
+            <a:endParaRPr lang="en-US" dirty="0"/>
+          </a:p>
+        </p:txBody>
+      </p:sp>
+      <p:sp>
+        <p:nvSpPr>
+          <p:cNvPr id="3" name="Content Placeholder 2"/>
+          <p:cNvSpPr>
+            <a:spLocks noGrp="1"/>
+          </p:cNvSpPr>
+          <p:nvPr>
+            <p:ph idx="1"/>
+          </p:nvPr>
+        </p:nvSpPr>
+        <p:spPr/>
+        <p:txBody>
+          <a:bodyPr>
+            <a:normAutofit/>
+          </a:bodyPr>
+          <a:lstStyle/>
+          <a:p>
+            <a:r>
+              <a:rPr lang="en-US" b="1" dirty="0" smtClean="0">
+                <a:ln w="24500" cmpd="dbl">
+                  <a:solidFill>
+                    <a:schemeClr val="accent2">
+                      <a:shade val="85000"/>
+                      <a:satMod val="155000"/>
+                    </a:schemeClr>
+                  </a:solidFill>
+                  <a:prstDash val="solid"/>
+                  <a:miter lim="800000"/>
+                </a:ln>
+                <a:gradFill>
+                  <a:gsLst>
+                    <a:gs pos="10000">
+                      <a:schemeClr val="accent2">
+                        <a:tint val="10000"/>
+                        <a:satMod val="155000"/>
+                      </a:schemeClr>
+                    </a:gs>
+                    <a:gs pos="60000">
+                      <a:schemeClr val="accent2">
+                        <a:tint val="30000"/>
+                        <a:satMod val="155000"/>
+                      </a:schemeClr>
+                    </a:gs>
+                    <a:gs pos="100000">
+                      <a:schemeClr val="accent2">
+                        <a:tint val="73000"/>
+                        <a:satMod val="155000"/>
+                      </a:schemeClr>
+                    </a:gs>
+                  </a:gsLst>
+                  <a:lin ang="5400000"/>
+                </a:gradFill>
+                <a:effectLst>
+                  <a:outerShdw blurRad="38100" dist="38100" dir="7020000" algn="tl">
+                    <a:srgbClr val="000000">
+                      <a:alpha val="35000"/>
+                    </a:srgbClr>
+                  </a:outerShdw>
+                </a:effectLst>
+              </a:rPr>
+              <a:t>Fast Fourier Transform (FFT)</a:t>
+            </a:r>
+            <a:r>
+              <a:rPr lang="en-US" sz="2800" dirty="0" smtClean="0"/>
+              <a:t>:</a:t>
+            </a:r>
+            <a:endParaRPr lang="en-US" dirty="0" smtClean="0"/>
+          </a:p>
+          <a:p>
+            <a:pPr lvl="1"/>
+            <a:r>
+              <a:rPr lang="en-US" b="1" dirty="0">
+                <a:ln w="900" cmpd="sng">
+                  <a:solidFill>
+                    <a:schemeClr val="accent1">
+                      <a:satMod val="190000"/>
+                      <a:alpha val="55000"/>
+                    </a:schemeClr>
+                  </a:solidFill>
+                  <a:prstDash val="solid"/>
+                </a:ln>
+                <a:solidFill>
+                  <a:schemeClr val="accent1">
+                    <a:satMod val="200000"/>
+                    <a:tint val="3000"/>
+                  </a:schemeClr>
+                </a:solidFill>
+                <a:effectLst>
+                  <a:innerShdw blurRad="101600" dist="76200" dir="5400000">
+                    <a:schemeClr val="accent1">
+                      <a:satMod val="190000"/>
+                      <a:tint val="100000"/>
+                      <a:alpha val="74000"/>
+                    </a:schemeClr>
+                  </a:innerShdw>
+                </a:effectLst>
+              </a:rPr>
+              <a:t>What does the Fourier Transform do? </a:t>
+            </a:r>
+            <a:r>
+              <a:rPr lang="en-US" dirty="0"/>
+              <a:t>Given a smoothie, it finds the recipe.</a:t>
+            </a:r>
+          </a:p>
+          <a:p>
+            <a:pPr lvl="1"/>
+            <a:r>
+              <a:rPr lang="en-US" b="1" dirty="0">
+                <a:ln w="900" cmpd="sng">
+                  <a:solidFill>
+                    <a:schemeClr val="accent1">
+                      <a:satMod val="190000"/>
+                      <a:alpha val="55000"/>
+                    </a:schemeClr>
+                  </a:solidFill>
+                  <a:prstDash val="solid"/>
+                </a:ln>
+                <a:solidFill>
+                  <a:schemeClr val="accent1">
+                    <a:satMod val="200000"/>
+                    <a:tint val="3000"/>
+                  </a:schemeClr>
+                </a:solidFill>
+                <a:effectLst>
+                  <a:innerShdw blurRad="101600" dist="76200" dir="5400000">
+                    <a:schemeClr val="accent1">
+                      <a:satMod val="190000"/>
+                      <a:tint val="100000"/>
+                      <a:alpha val="74000"/>
+                    </a:schemeClr>
+                  </a:innerShdw>
+                </a:effectLst>
+              </a:rPr>
+              <a:t>How? </a:t>
+            </a:r>
+            <a:r>
+              <a:rPr lang="en-US" dirty="0"/>
+              <a:t>Run the smoothie through filters to extract each ingredient.</a:t>
+            </a:r>
+          </a:p>
+          <a:p>
+            <a:pPr lvl="1"/>
+            <a:r>
+              <a:rPr lang="en-US" b="1" dirty="0">
+                <a:ln w="900" cmpd="sng">
+                  <a:solidFill>
+                    <a:schemeClr val="accent1">
+                      <a:satMod val="190000"/>
+                      <a:alpha val="55000"/>
+                    </a:schemeClr>
+                  </a:solidFill>
+                  <a:prstDash val="solid"/>
+                </a:ln>
+                <a:solidFill>
+                  <a:schemeClr val="accent1">
+                    <a:satMod val="200000"/>
+                    <a:tint val="3000"/>
+                  </a:schemeClr>
+                </a:solidFill>
+                <a:effectLst>
+                  <a:innerShdw blurRad="101600" dist="76200" dir="5400000">
+                    <a:schemeClr val="accent1">
+                      <a:satMod val="190000"/>
+                      <a:tint val="100000"/>
+                      <a:alpha val="74000"/>
+                    </a:schemeClr>
+                  </a:innerShdw>
+                </a:effectLst>
+              </a:rPr>
+              <a:t>Why? </a:t>
+            </a:r>
+            <a:r>
+              <a:rPr lang="en-US" dirty="0"/>
+              <a:t>Recipes are easier to analyze, compare, and modify than the smoothie itself.</a:t>
+            </a:r>
+          </a:p>
+          <a:p>
+            <a:pPr lvl="1"/>
+            <a:r>
+              <a:rPr lang="en-US" b="1" dirty="0">
+                <a:ln w="900" cmpd="sng">
+                  <a:solidFill>
+                    <a:schemeClr val="accent1">
+                      <a:satMod val="190000"/>
+                      <a:alpha val="55000"/>
+                    </a:schemeClr>
+                  </a:solidFill>
+                  <a:prstDash val="solid"/>
+                </a:ln>
+                <a:solidFill>
+                  <a:schemeClr val="accent1">
+                    <a:satMod val="200000"/>
+                    <a:tint val="3000"/>
+                  </a:schemeClr>
+                </a:solidFill>
+                <a:effectLst>
+                  <a:innerShdw blurRad="101600" dist="76200" dir="5400000">
+                    <a:schemeClr val="accent1">
+                      <a:satMod val="190000"/>
+                      <a:tint val="100000"/>
+                      <a:alpha val="74000"/>
+                    </a:schemeClr>
+                  </a:innerShdw>
+                </a:effectLst>
+              </a:rPr>
+              <a:t>How do we get the smoothie back? </a:t>
+            </a:r>
+            <a:r>
+              <a:rPr lang="en-US" dirty="0"/>
+              <a:t>Blend the ingredients.</a:t>
+            </a:r>
+          </a:p>
+          <a:p>
+            <a:pPr marL="36576" indent="0">
+              <a:buNone/>
+            </a:pPr>
+            <a:endParaRPr lang="en-US" dirty="0"/>
+          </a:p>
+        </p:txBody>
+      </p:sp>
+    </p:spTree>
+    <p:extLst>
+      <p:ext uri="{BB962C8B-B14F-4D97-AF65-F5344CB8AC3E}">
+        <p14:creationId xmlns:p14="http://schemas.microsoft.com/office/powerpoint/2010/main" val="1017329235"/>
+      </p:ext>
+    </p:extLst>
+  </p:cSld>
+  <p:clrMapOvr>
+    <a:masterClrMapping/>
+  </p:clrMapOvr>
+</p:sld>
+</file>
+
+<file path=ppt/slides/slide7.xml><?xml version="1.0" encoding="utf-8"?>
+<p:sld xmlns:a="http://schemas.openxmlformats.org/drawingml/2006/main" xmlns:r="http://schemas.openxmlformats.org/officeDocument/2006/relationships" xmlns:p="http://schemas.openxmlformats.org/presentationml/2006/main">
+  <p:cSld>
+    <p:spTree>
+      <p:nvGrpSpPr>
+        <p:cNvPr id="1" name=""/>
+        <p:cNvGrpSpPr/>
+        <p:nvPr/>
+      </p:nvGrpSpPr>
+      <p:grpSpPr>
+        <a:xfrm>
+          <a:off x="0" y="0"/>
+          <a:ext cx="0" cy="0"/>
+          <a:chOff x="0" y="0"/>
+          <a:chExt cx="0" cy="0"/>
+        </a:xfrm>
+      </p:grpSpPr>
+      <p:sp>
+        <p:nvSpPr>
+          <p:cNvPr id="2" name="Title 1"/>
+          <p:cNvSpPr>
+            <a:spLocks noGrp="1"/>
+          </p:cNvSpPr>
+          <p:nvPr>
+            <p:ph type="title"/>
+          </p:nvPr>
+        </p:nvSpPr>
+        <p:spPr/>
+        <p:txBody>
+          <a:bodyPr>
+            <a:normAutofit fontScale="90000"/>
+          </a:bodyPr>
+          <a:lstStyle/>
+          <a:p>
+            <a:pPr algn="ctr"/>
+            <a:r>
+              <a:rPr lang="en-US" sz="4400" b="1" dirty="0">
+                <a:ln w="17780" cmpd="sng">
+                  <a:solidFill>
+                    <a:schemeClr val="accent1">
+                      <a:tint val="3000"/>
+                    </a:schemeClr>
+                  </a:solidFill>
+                  <a:prstDash val="solid"/>
+                  <a:miter lim="800000"/>
+                </a:ln>
+                <a:gradFill>
+                  <a:gsLst>
+                    <a:gs pos="10000">
+                      <a:schemeClr val="accent1">
+                        <a:tint val="63000"/>
+                        <a:sat val="105000"/>
+                      </a:schemeClr>
+                    </a:gs>
+                    <a:gs pos="90000">
+                      <a:schemeClr val="accent1">
+                        <a:shade val="50000"/>
+                        <a:satMod val="100000"/>
+                      </a:schemeClr>
+                    </a:gs>
+                  </a:gsLst>
+                  <a:lin ang="5400000"/>
+                </a:gradFill>
+                <a:effectLst>
+                  <a:outerShdw blurRad="55000" dist="50800" dir="5400000" algn="tl">
+                    <a:srgbClr val="000000">
+                      <a:alpha val="33000"/>
+                    </a:srgbClr>
+                  </a:outerShdw>
+                </a:effectLst>
+              </a:rPr>
+              <a:t>Data </a:t>
+            </a:r>
+            <a:r>
+              <a:rPr lang="en-US" sz="4400" b="1" dirty="0" smtClean="0">
+                <a:ln w="17780" cmpd="sng">
+                  <a:solidFill>
+                    <a:schemeClr val="accent1">
+                      <a:tint val="3000"/>
+                    </a:schemeClr>
+                  </a:solidFill>
+                  <a:prstDash val="solid"/>
+                  <a:miter lim="800000"/>
+                </a:ln>
+                <a:gradFill>
+                  <a:gsLst>
+                    <a:gs pos="10000">
+                      <a:schemeClr val="accent1">
+                        <a:tint val="63000"/>
+                        <a:sat val="105000"/>
+                      </a:schemeClr>
+                    </a:gs>
+                    <a:gs pos="90000">
+                      <a:schemeClr val="accent1">
+                        <a:shade val="50000"/>
+                        <a:satMod val="100000"/>
+                      </a:schemeClr>
+                    </a:gs>
+                  </a:gsLst>
+                  <a:lin ang="5400000"/>
+                </a:gradFill>
+                <a:effectLst>
+                  <a:outerShdw blurRad="55000" dist="50800" dir="5400000" algn="tl">
+                    <a:srgbClr val="000000">
+                      <a:alpha val="33000"/>
+                    </a:srgbClr>
+                  </a:outerShdw>
+                </a:effectLst>
+              </a:rPr>
+              <a:t>Transformations (FFT) </a:t>
+            </a:r>
+            <a:r>
+              <a:rPr lang="en-US" sz="4400" b="1" dirty="0" err="1">
+                <a:ln w="17780" cmpd="sng">
+                  <a:solidFill>
+                    <a:schemeClr val="accent1">
+                      <a:tint val="3000"/>
+                    </a:schemeClr>
+                  </a:solidFill>
+                  <a:prstDash val="solid"/>
+                  <a:miter lim="800000"/>
+                </a:ln>
+                <a:gradFill>
+                  <a:gsLst>
+                    <a:gs pos="10000">
+                      <a:schemeClr val="accent1">
+                        <a:tint val="63000"/>
+                        <a:sat val="105000"/>
+                      </a:schemeClr>
+                    </a:gs>
+                    <a:gs pos="90000">
+                      <a:schemeClr val="accent1">
+                        <a:shade val="50000"/>
+                        <a:satMod val="100000"/>
+                      </a:schemeClr>
+                    </a:gs>
+                  </a:gsLst>
+                  <a:lin ang="5400000"/>
+                </a:gradFill>
+                <a:effectLst>
+                  <a:outerShdw blurRad="55000" dist="50800" dir="5400000" algn="tl">
+                    <a:srgbClr val="000000">
+                      <a:alpha val="33000"/>
+                    </a:srgbClr>
+                  </a:outerShdw>
+                </a:effectLst>
+              </a:rPr>
+              <a:t>Con’t</a:t>
+            </a:r>
+            <a:r>
+              <a:rPr lang="en-US" sz="4400" b="1" dirty="0">
+                <a:ln w="17780" cmpd="sng">
+                  <a:solidFill>
+                    <a:schemeClr val="accent1">
+                      <a:tint val="3000"/>
+                    </a:schemeClr>
+                  </a:solidFill>
+                  <a:prstDash val="solid"/>
+                  <a:miter lim="800000"/>
+                </a:ln>
+                <a:gradFill>
+                  <a:gsLst>
+                    <a:gs pos="10000">
+                      <a:schemeClr val="accent1">
+                        <a:tint val="63000"/>
+                        <a:sat val="105000"/>
+                      </a:schemeClr>
+                    </a:gs>
+                    <a:gs pos="90000">
+                      <a:schemeClr val="accent1">
+                        <a:shade val="50000"/>
+                        <a:satMod val="100000"/>
+                      </a:schemeClr>
+                    </a:gs>
+                  </a:gsLst>
+                  <a:lin ang="5400000"/>
+                </a:gradFill>
+                <a:effectLst>
+                  <a:outerShdw blurRad="55000" dist="50800" dir="5400000" algn="tl">
+                    <a:srgbClr val="000000">
+                      <a:alpha val="33000"/>
+                    </a:srgbClr>
+                  </a:outerShdw>
+                </a:effectLst>
+              </a:rPr>
+              <a:t>.</a:t>
+            </a:r>
+            <a:endParaRPr lang="en-US" dirty="0"/>
+          </a:p>
+        </p:txBody>
+      </p:sp>
+      <p:sp>
+        <p:nvSpPr>
+          <p:cNvPr id="3" name="Content Placeholder 2"/>
+          <p:cNvSpPr>
+            <a:spLocks noGrp="1"/>
+          </p:cNvSpPr>
+          <p:nvPr>
+            <p:ph idx="1"/>
+          </p:nvPr>
+        </p:nvSpPr>
+        <p:spPr>
+          <a:xfrm>
+            <a:off x="457200" y="1325218"/>
+            <a:ext cx="7467600" cy="4800946"/>
+          </a:xfrm>
+        </p:spPr>
+        <p:txBody>
+          <a:bodyPr>
+            <a:normAutofit/>
+          </a:bodyPr>
+          <a:lstStyle/>
+          <a:p>
+            <a:r>
+              <a:rPr lang="en-US" sz="2800" b="1" dirty="0" smtClean="0">
+                <a:ln w="900" cmpd="sng">
+                  <a:solidFill>
+                    <a:schemeClr val="accent1">
+                      <a:satMod val="190000"/>
+                      <a:alpha val="55000"/>
+                    </a:schemeClr>
+                  </a:solidFill>
+                  <a:prstDash val="solid"/>
+                </a:ln>
+                <a:solidFill>
+                  <a:schemeClr val="accent1">
+                    <a:satMod val="200000"/>
+                    <a:tint val="3000"/>
+                  </a:schemeClr>
+                </a:solidFill>
+                <a:effectLst>
+                  <a:innerShdw blurRad="101600" dist="76200" dir="5400000">
+                    <a:schemeClr val="accent1">
+                      <a:satMod val="190000"/>
+                      <a:tint val="100000"/>
+                      <a:alpha val="74000"/>
+                    </a:schemeClr>
+                  </a:innerShdw>
+                </a:effectLst>
+              </a:rPr>
+              <a:t>Here's </a:t>
+            </a:r>
+            <a:r>
+              <a:rPr lang="en-US" sz="2800" b="1" dirty="0">
+                <a:ln w="900" cmpd="sng">
+                  <a:solidFill>
+                    <a:schemeClr val="accent1">
+                      <a:satMod val="190000"/>
+                      <a:alpha val="55000"/>
+                    </a:schemeClr>
+                  </a:solidFill>
+                  <a:prstDash val="solid"/>
+                </a:ln>
+                <a:solidFill>
+                  <a:schemeClr val="accent1">
+                    <a:satMod val="200000"/>
+                    <a:tint val="3000"/>
+                  </a:schemeClr>
+                </a:solidFill>
+                <a:effectLst>
+                  <a:innerShdw blurRad="101600" dist="76200" dir="5400000">
+                    <a:schemeClr val="accent1">
+                      <a:satMod val="190000"/>
+                      <a:tint val="100000"/>
+                      <a:alpha val="74000"/>
+                    </a:schemeClr>
+                  </a:innerShdw>
+                </a:effectLst>
+              </a:rPr>
+              <a:t>the "math English" version of </a:t>
+            </a:r>
+            <a:r>
+              <a:rPr lang="en-US" sz="2800" b="1" dirty="0" smtClean="0">
+                <a:ln w="900" cmpd="sng">
+                  <a:solidFill>
+                    <a:schemeClr val="accent1">
+                      <a:satMod val="190000"/>
+                      <a:alpha val="55000"/>
+                    </a:schemeClr>
+                  </a:solidFill>
+                  <a:prstDash val="solid"/>
+                </a:ln>
+                <a:solidFill>
+                  <a:schemeClr val="accent1">
+                    <a:satMod val="200000"/>
+                    <a:tint val="3000"/>
+                  </a:schemeClr>
+                </a:solidFill>
+                <a:effectLst>
+                  <a:innerShdw blurRad="101600" dist="76200" dir="5400000">
+                    <a:schemeClr val="accent1">
+                      <a:satMod val="190000"/>
+                      <a:tint val="100000"/>
+                      <a:alpha val="74000"/>
+                    </a:schemeClr>
+                  </a:innerShdw>
+                </a:effectLst>
+              </a:rPr>
+              <a:t>previous definition:</a:t>
+            </a:r>
+            <a:endParaRPr lang="en-US" sz="2800" b="1" dirty="0">
+              <a:ln w="900" cmpd="sng">
+                <a:solidFill>
+                  <a:schemeClr val="accent1">
+                    <a:satMod val="190000"/>
+                    <a:alpha val="55000"/>
+                  </a:schemeClr>
+                </a:solidFill>
+                <a:prstDash val="solid"/>
+              </a:ln>
+              <a:solidFill>
+                <a:schemeClr val="accent1">
+                  <a:satMod val="200000"/>
+                  <a:tint val="3000"/>
+                </a:schemeClr>
+              </a:solidFill>
+              <a:effectLst>
+                <a:innerShdw blurRad="101600" dist="76200" dir="5400000">
+                  <a:schemeClr val="accent1">
+                    <a:satMod val="190000"/>
+                    <a:tint val="100000"/>
+                    <a:alpha val="74000"/>
+                  </a:schemeClr>
+                </a:innerShdw>
+              </a:effectLst>
+            </a:endParaRPr>
+          </a:p>
+          <a:p>
+            <a:pPr lvl="1"/>
+            <a:r>
+              <a:rPr lang="en-US" dirty="0"/>
+              <a:t>The Fourier Transform takes a time-based pattern, measures every possible cycle, and returns the overall "cycle recipe" (the strength, offset, &amp; rotation speed for every cycle that was found).</a:t>
+            </a:r>
+          </a:p>
+        </p:txBody>
+      </p:sp>
+    </p:spTree>
+    <p:extLst>
+      <p:ext uri="{BB962C8B-B14F-4D97-AF65-F5344CB8AC3E}">
+        <p14:creationId xmlns:p14="http://schemas.microsoft.com/office/powerpoint/2010/main" val="810386682"/>
+      </p:ext>
+    </p:extLst>
+  </p:cSld>
+  <p:clrMapOvr>
+    <a:masterClrMapping/>
+  </p:clrMapOvr>
+</p:sld>
+</file>
+
 <file path=ppt/slides/slide8.xml><?xml version="1.0" encoding="utf-8"?>
 <p:sld xmlns:a="http://schemas.openxmlformats.org/drawingml/2006/main" xmlns:r="http://schemas.openxmlformats.org/officeDocument/2006/relationships" xmlns:p="http://schemas.openxmlformats.org/presentationml/2006/main">
   <p:cSld>
@@ -4902,99 +8311,88 @@
         </p:nvSpPr>
         <p:spPr/>
         <p:txBody>
-          <a:bodyPr/>
-          <a:lstStyle/>
-          <a:p>
-            <a:r>
-              <a:rPr lang="en-US" dirty="0" smtClean="0"/>
-              <a:t>The Methodology</a:t>
-            </a:r>
-            <a:endParaRPr lang="en-US" dirty="0"/>
-          </a:p>
-        </p:txBody>
-      </p:sp>
-      <p:sp>
-        <p:nvSpPr>
-          <p:cNvPr id="3" name="Content Placeholder 2"/>
-          <p:cNvSpPr>
-            <a:spLocks noGrp="1"/>
-          </p:cNvSpPr>
-          <p:nvPr>
-            <p:ph idx="1"/>
-          </p:nvPr>
-        </p:nvSpPr>
-        <p:spPr/>
-        <p:txBody>
           <a:bodyPr>
             <a:normAutofit/>
           </a:bodyPr>
           <a:lstStyle/>
           <a:p>
-            <a:r>
-              <a:rPr lang="en-US" dirty="0" smtClean="0"/>
-              <a:t>Machine Learning Algorithms</a:t>
-            </a:r>
-          </a:p>
-          <a:p>
-            <a:pPr lvl="1"/>
-            <a:r>
-              <a:rPr lang="en-US" dirty="0" err="1" smtClean="0"/>
-              <a:t>Logit</a:t>
-            </a:r>
-            <a:endParaRPr lang="en-US" dirty="0" smtClean="0"/>
-          </a:p>
-          <a:p>
-            <a:pPr lvl="1"/>
-            <a:r>
-              <a:rPr lang="en-US" dirty="0" smtClean="0"/>
-              <a:t>Random Forest </a:t>
-            </a:r>
-          </a:p>
-          <a:p>
-            <a:r>
-              <a:rPr lang="en-US" dirty="0" smtClean="0"/>
-              <a:t>Feature Selection</a:t>
-            </a:r>
-          </a:p>
-          <a:p>
-            <a:pPr lvl="1"/>
-            <a:r>
-              <a:rPr lang="en-US" dirty="0" err="1" smtClean="0"/>
-              <a:t>Logit</a:t>
-            </a:r>
-            <a:endParaRPr lang="en-US" dirty="0" smtClean="0"/>
-          </a:p>
-          <a:p>
-            <a:pPr lvl="2"/>
-            <a:r>
-              <a:rPr lang="en-US" dirty="0" smtClean="0"/>
-              <a:t>Choosing channels with p-values &gt;=.05</a:t>
-            </a:r>
-          </a:p>
-          <a:p>
-            <a:pPr lvl="1"/>
-            <a:r>
-              <a:rPr lang="en-US" dirty="0" smtClean="0"/>
-              <a:t>Random Forest</a:t>
-            </a:r>
-          </a:p>
-          <a:p>
-            <a:pPr lvl="2"/>
-            <a:r>
-              <a:rPr lang="en-US" dirty="0" smtClean="0"/>
-              <a:t>TBD</a:t>
-            </a:r>
-          </a:p>
-          <a:p>
-            <a:pPr lvl="1"/>
-            <a:endParaRPr lang="en-US" dirty="0" smtClean="0"/>
-          </a:p>
-        </p:txBody>
-      </p:sp>
+            <a:pPr algn="ctr"/>
+            <a:r>
+              <a:rPr lang="en-US" sz="4800" b="1" dirty="0" smtClean="0">
+                <a:ln w="17780" cmpd="sng">
+                  <a:solidFill>
+                    <a:schemeClr val="accent1">
+                      <a:tint val="3000"/>
+                    </a:schemeClr>
+                  </a:solidFill>
+                  <a:prstDash val="solid"/>
+                  <a:miter lim="800000"/>
+                </a:ln>
+                <a:gradFill>
+                  <a:gsLst>
+                    <a:gs pos="10000">
+                      <a:schemeClr val="accent1">
+                        <a:tint val="63000"/>
+                        <a:sat val="105000"/>
+                      </a:schemeClr>
+                    </a:gs>
+                    <a:gs pos="90000">
+                      <a:schemeClr val="accent1">
+                        <a:shade val="50000"/>
+                        <a:satMod val="100000"/>
+                      </a:schemeClr>
+                    </a:gs>
+                  </a:gsLst>
+                  <a:lin ang="5400000"/>
+                </a:gradFill>
+                <a:effectLst>
+                  <a:outerShdw blurRad="55000" dist="50800" dir="5400000" algn="tl">
+                    <a:srgbClr val="000000">
+                      <a:alpha val="33000"/>
+                    </a:srgbClr>
+                  </a:outerShdw>
+                </a:effectLst>
+              </a:rPr>
+              <a:t>FFT Smoothie to Recipe </a:t>
+            </a:r>
+            <a:endParaRPr lang="en-US" dirty="0"/>
+          </a:p>
+        </p:txBody>
+      </p:sp>
+      <p:pic>
+        <p:nvPicPr>
+          <p:cNvPr id="4" name="Content Placeholder 3" descr="smoothie-to-recipe-20121030-223058.png"/>
+          <p:cNvPicPr>
+            <a:picLocks noGrp="1" noChangeAspect="1"/>
+          </p:cNvPicPr>
+          <p:nvPr>
+            <p:ph idx="1"/>
+          </p:nvPr>
+        </p:nvPicPr>
+        <p:blipFill>
+          <a:blip r:embed="rId2">
+            <a:extLst>
+              <a:ext uri="{28A0092B-C50C-407E-A947-70E740481C1C}">
+                <a14:useLocalDpi xmlns:a14="http://schemas.microsoft.com/office/drawing/2010/main" val="0"/>
+              </a:ext>
+            </a:extLst>
+          </a:blip>
+          <a:srcRect l="369" r="369"/>
+          <a:stretch>
+            <a:fillRect/>
+          </a:stretch>
+        </p:blipFill>
+        <p:spPr>
+          <a:xfrm>
+            <a:off x="457200" y="1292088"/>
+            <a:ext cx="7747076" cy="4874246"/>
+          </a:xfrm>
+        </p:spPr>
+      </p:pic>
     </p:spTree>
     <p:extLst>
       <p:ext uri="{BB962C8B-B14F-4D97-AF65-F5344CB8AC3E}">
-        <p14:creationId xmlns:p14="http://schemas.microsoft.com/office/powerpoint/2010/main" val="2878933918"/>
+        <p14:creationId xmlns:p14="http://schemas.microsoft.com/office/powerpoint/2010/main" val="3867788507"/>
       </p:ext>
     </p:extLst>
   </p:cSld>
@@ -5033,137 +8431,184 @@
         </p:nvSpPr>
         <p:spPr/>
         <p:txBody>
-          <a:bodyPr/>
-          <a:lstStyle/>
-          <a:p>
-            <a:r>
-              <a:rPr lang="en-US" dirty="0" smtClean="0"/>
-              <a:t>The Methodology </a:t>
-            </a:r>
-            <a:r>
-              <a:rPr lang="en-US" dirty="0" err="1" smtClean="0"/>
-              <a:t>Con’t</a:t>
-            </a:r>
-            <a:r>
-              <a:rPr lang="en-US" dirty="0" smtClean="0"/>
-              <a:t>.</a:t>
-            </a:r>
-            <a:endParaRPr lang="en-US" dirty="0"/>
-          </a:p>
-        </p:txBody>
-      </p:sp>
-      <p:sp>
-        <p:nvSpPr>
-          <p:cNvPr id="3" name="Content Placeholder 2"/>
-          <p:cNvSpPr>
-            <a:spLocks noGrp="1"/>
-          </p:cNvSpPr>
-          <p:nvPr>
-            <p:ph idx="1"/>
-          </p:nvPr>
-        </p:nvSpPr>
-        <p:spPr/>
-        <p:txBody>
           <a:bodyPr>
-            <a:normAutofit lnSpcReduction="10000"/>
+            <a:normAutofit/>
           </a:bodyPr>
           <a:lstStyle/>
           <a:p>
-            <a:r>
-              <a:rPr lang="en-US" dirty="0" smtClean="0"/>
-              <a:t>Cross Validation</a:t>
-            </a:r>
-          </a:p>
-          <a:p>
-            <a:pPr lvl="1"/>
-            <a:r>
-              <a:rPr lang="en-US" dirty="0" err="1" smtClean="0"/>
-              <a:t>Scikit-learn’s</a:t>
-            </a:r>
-            <a:r>
-              <a:rPr lang="en-US" dirty="0" smtClean="0"/>
-              <a:t> </a:t>
-            </a:r>
-            <a:r>
-              <a:rPr lang="en-US" dirty="0" err="1" smtClean="0"/>
-              <a:t>crossval</a:t>
-            </a:r>
-            <a:r>
-              <a:rPr lang="en-US" dirty="0" smtClean="0"/>
-              <a:t> methods don’t seem appropriate for the type of data used here.</a:t>
-            </a:r>
-          </a:p>
-          <a:p>
-            <a:pPr lvl="1"/>
-            <a:r>
-              <a:rPr lang="en-US" dirty="0" smtClean="0"/>
-              <a:t>Created code to create </a:t>
-            </a:r>
-            <a:r>
-              <a:rPr lang="en-US" dirty="0" err="1" smtClean="0"/>
-              <a:t>crossval</a:t>
-            </a:r>
-            <a:r>
-              <a:rPr lang="en-US" dirty="0" smtClean="0"/>
-              <a:t> directories and randomly place </a:t>
-            </a:r>
-            <a:r>
-              <a:rPr lang="en-US" dirty="0" err="1" smtClean="0"/>
-              <a:t>interictal</a:t>
-            </a:r>
-            <a:r>
-              <a:rPr lang="en-US" dirty="0" smtClean="0"/>
-              <a:t> and </a:t>
-            </a:r>
-            <a:r>
-              <a:rPr lang="en-US" dirty="0" err="1" smtClean="0"/>
-              <a:t>preictal</a:t>
-            </a:r>
-            <a:r>
-              <a:rPr lang="en-US" dirty="0" smtClean="0"/>
-              <a:t> files into them to be processed. </a:t>
-            </a:r>
-          </a:p>
-          <a:p>
-            <a:pPr lvl="1"/>
-            <a:r>
-              <a:rPr lang="en-US" dirty="0" smtClean="0"/>
-              <a:t>The ratio of </a:t>
-            </a:r>
-            <a:r>
-              <a:rPr lang="en-US" dirty="0" err="1" smtClean="0"/>
-              <a:t>interictal</a:t>
-            </a:r>
-            <a:r>
-              <a:rPr lang="en-US" dirty="0" smtClean="0"/>
-              <a:t> to </a:t>
-            </a:r>
-            <a:r>
-              <a:rPr lang="en-US" dirty="0" err="1" smtClean="0"/>
-              <a:t>preictal</a:t>
-            </a:r>
-            <a:r>
-              <a:rPr lang="en-US" dirty="0" smtClean="0"/>
-              <a:t> files, for Dog_1, is about 20 to 1. </a:t>
-            </a:r>
-          </a:p>
-          <a:p>
-            <a:pPr lvl="1"/>
-            <a:r>
-              <a:rPr lang="en-US" dirty="0" smtClean="0"/>
-              <a:t>Will start out using that ratio but keep decreasing the ratio until low p-values are reached for feature selection.</a:t>
-            </a:r>
-          </a:p>
-          <a:p>
-            <a:pPr lvl="1"/>
-            <a:endParaRPr lang="en-US" dirty="0" smtClean="0"/>
+            <a:pPr algn="ctr"/>
+            <a:r>
+              <a:rPr lang="en-US" sz="4400" b="1" dirty="0" smtClean="0">
+                <a:ln w="17780" cmpd="sng">
+                  <a:solidFill>
+                    <a:schemeClr val="accent1">
+                      <a:tint val="3000"/>
+                    </a:schemeClr>
+                  </a:solidFill>
+                  <a:prstDash val="solid"/>
+                  <a:miter lim="800000"/>
+                </a:ln>
+                <a:gradFill>
+                  <a:gsLst>
+                    <a:gs pos="10000">
+                      <a:schemeClr val="accent1">
+                        <a:tint val="63000"/>
+                        <a:sat val="105000"/>
+                      </a:schemeClr>
+                    </a:gs>
+                    <a:gs pos="90000">
+                      <a:schemeClr val="accent1">
+                        <a:shade val="50000"/>
+                        <a:satMod val="100000"/>
+                      </a:schemeClr>
+                    </a:gs>
+                  </a:gsLst>
+                  <a:lin ang="5400000"/>
+                </a:gradFill>
+                <a:effectLst>
+                  <a:outerShdw blurRad="55000" dist="50800" dir="5400000" algn="tl">
+                    <a:srgbClr val="000000">
+                      <a:alpha val="33000"/>
+                    </a:srgbClr>
+                  </a:outerShdw>
+                </a:effectLst>
+              </a:rPr>
+              <a:t>Filter Conditions</a:t>
+            </a:r>
+            <a:endParaRPr lang="en-US" dirty="0"/>
+          </a:p>
+        </p:txBody>
+      </p:sp>
+      <p:sp>
+        <p:nvSpPr>
+          <p:cNvPr id="3" name="Content Placeholder 2"/>
+          <p:cNvSpPr>
+            <a:spLocks noGrp="1"/>
+          </p:cNvSpPr>
+          <p:nvPr>
+            <p:ph idx="1"/>
+          </p:nvPr>
+        </p:nvSpPr>
+        <p:spPr/>
+        <p:txBody>
+          <a:bodyPr>
+            <a:normAutofit fontScale="77500" lnSpcReduction="20000"/>
+          </a:bodyPr>
+          <a:lstStyle/>
+          <a:p>
+            <a:r>
+              <a:rPr lang="en-US" sz="3600" b="1" dirty="0">
+                <a:ln w="900" cmpd="sng">
+                  <a:solidFill>
+                    <a:schemeClr val="accent1">
+                      <a:satMod val="190000"/>
+                      <a:alpha val="55000"/>
+                    </a:schemeClr>
+                  </a:solidFill>
+                  <a:prstDash val="solid"/>
+                </a:ln>
+                <a:solidFill>
+                  <a:schemeClr val="accent1">
+                    <a:satMod val="200000"/>
+                    <a:tint val="3000"/>
+                  </a:schemeClr>
+                </a:solidFill>
+                <a:effectLst>
+                  <a:innerShdw blurRad="101600" dist="76200" dir="5400000">
+                    <a:schemeClr val="accent1">
+                      <a:satMod val="190000"/>
+                      <a:tint val="100000"/>
+                      <a:alpha val="74000"/>
+                    </a:schemeClr>
+                  </a:innerShdw>
+                </a:effectLst>
+              </a:rPr>
+              <a:t>Filters must be independent. </a:t>
+            </a:r>
+            <a:r>
+              <a:rPr lang="en-US" dirty="0"/>
+              <a:t>The banana filter needs to capture bananas, and nothing else. Adding more oranges should never affect the banana reading.</a:t>
+            </a:r>
+          </a:p>
+          <a:p>
+            <a:r>
+              <a:rPr lang="en-US" sz="3600" b="1" dirty="0">
+                <a:ln w="900" cmpd="sng">
+                  <a:solidFill>
+                    <a:schemeClr val="accent1">
+                      <a:satMod val="190000"/>
+                      <a:alpha val="55000"/>
+                    </a:schemeClr>
+                  </a:solidFill>
+                  <a:prstDash val="solid"/>
+                </a:ln>
+                <a:solidFill>
+                  <a:schemeClr val="accent1">
+                    <a:satMod val="200000"/>
+                    <a:tint val="3000"/>
+                  </a:schemeClr>
+                </a:solidFill>
+                <a:effectLst>
+                  <a:innerShdw blurRad="101600" dist="76200" dir="5400000">
+                    <a:schemeClr val="accent1">
+                      <a:satMod val="190000"/>
+                      <a:tint val="100000"/>
+                      <a:alpha val="74000"/>
+                    </a:schemeClr>
+                  </a:innerShdw>
+                </a:effectLst>
+              </a:rPr>
+              <a:t>Filters must be complete. </a:t>
+            </a:r>
+            <a:r>
+              <a:rPr lang="en-US" dirty="0"/>
+              <a:t>We won't get the real recipe if we leave out a filter ("There were mangoes too!"). Our collection of filters must catch every last ingredient.</a:t>
+            </a:r>
+          </a:p>
+          <a:p>
+            <a:r>
+              <a:rPr lang="en-US" sz="3600" b="1" dirty="0">
+                <a:ln w="900" cmpd="sng">
+                  <a:solidFill>
+                    <a:schemeClr val="accent1">
+                      <a:satMod val="190000"/>
+                      <a:alpha val="55000"/>
+                    </a:schemeClr>
+                  </a:solidFill>
+                  <a:prstDash val="solid"/>
+                </a:ln>
+                <a:solidFill>
+                  <a:schemeClr val="accent1">
+                    <a:satMod val="200000"/>
+                    <a:tint val="3000"/>
+                  </a:schemeClr>
+                </a:solidFill>
+                <a:effectLst>
+                  <a:innerShdw blurRad="101600" dist="76200" dir="5400000">
+                    <a:schemeClr val="accent1">
+                      <a:satMod val="190000"/>
+                      <a:tint val="100000"/>
+                      <a:alpha val="74000"/>
+                    </a:schemeClr>
+                  </a:innerShdw>
+                </a:effectLst>
+              </a:rPr>
+              <a:t>Ingredients must be combine-able. </a:t>
+            </a:r>
+            <a:r>
+              <a:rPr lang="en-US" dirty="0"/>
+              <a:t>Smoothies can be separated and re-combined without issue (A cookie? Not so much. Who wants crumbs?). The ingredients, when separated and combined in any order, must make the same result.</a:t>
+            </a:r>
+          </a:p>
+          <a:p>
+            <a:endParaRPr lang="en-US" dirty="0"/>
           </a:p>
         </p:txBody>
       </p:sp>
     </p:spTree>
     <p:extLst>
       <p:ext uri="{BB962C8B-B14F-4D97-AF65-F5344CB8AC3E}">
-        <p14:creationId xmlns:p14="http://schemas.microsoft.com/office/powerpoint/2010/main" val="758339457"/>
+        <p14:creationId xmlns:p14="http://schemas.microsoft.com/office/powerpoint/2010/main" val="2674927272"/>
       </p:ext>
     </p:extLst>
   </p:cSld>
@@ -5542,4 +8987,47 @@
   </a:objectDefaults>
   <a:extraClrSchemeLst/>
 </a:theme>
+</file>
+
+<file path=ppt/theme/themeOverride1.xml><?xml version="1.0" encoding="utf-8"?>
+<a:themeOverride xmlns:a="http://schemas.openxmlformats.org/drawingml/2006/main">
+  <a:clrScheme name="Technic">
+    <a:dk1>
+      <a:sysClr val="windowText" lastClr="000000"/>
+    </a:dk1>
+    <a:lt1>
+      <a:sysClr val="window" lastClr="FFFFFF"/>
+    </a:lt1>
+    <a:dk2>
+      <a:srgbClr val="3B3B3B"/>
+    </a:dk2>
+    <a:lt2>
+      <a:srgbClr val="D4D2D0"/>
+    </a:lt2>
+    <a:accent1>
+      <a:srgbClr val="6EA0B0"/>
+    </a:accent1>
+    <a:accent2>
+      <a:srgbClr val="CCAF0A"/>
+    </a:accent2>
+    <a:accent3>
+      <a:srgbClr val="8D89A4"/>
+    </a:accent3>
+    <a:accent4>
+      <a:srgbClr val="748560"/>
+    </a:accent4>
+    <a:accent5>
+      <a:srgbClr val="9E9273"/>
+    </a:accent5>
+    <a:accent6>
+      <a:srgbClr val="7E848D"/>
+    </a:accent6>
+    <a:hlink>
+      <a:srgbClr val="00C8C3"/>
+    </a:hlink>
+    <a:folHlink>
+      <a:srgbClr val="A116E0"/>
+    </a:folHlink>
+  </a:clrScheme>
+</a:themeOverride>
 </file>